--- a/Project Documentation/Capstone Documents/Hagerman_Kendrick_FoodGiantPresentation.pptx
+++ b/Project Documentation/Capstone Documents/Hagerman_Kendrick_FoodGiantPresentation.pptx
@@ -5,19 +5,23 @@
     <p:sldMasterId id="2147483648" r:id="rId1"/>
   </p:sldMasterIdLst>
   <p:notesMasterIdLst>
-    <p:notesMasterId r:id="rId12"/>
+    <p:notesMasterId r:id="rId16"/>
   </p:notesMasterIdLst>
   <p:sldIdLst>
     <p:sldId id="256" r:id="rId2"/>
     <p:sldId id="257" r:id="rId3"/>
     <p:sldId id="258" r:id="rId4"/>
-    <p:sldId id="259" r:id="rId5"/>
-    <p:sldId id="260" r:id="rId6"/>
-    <p:sldId id="261" r:id="rId7"/>
-    <p:sldId id="262" r:id="rId8"/>
-    <p:sldId id="265" r:id="rId9"/>
-    <p:sldId id="263" r:id="rId10"/>
-    <p:sldId id="266" r:id="rId11"/>
+    <p:sldId id="268" r:id="rId5"/>
+    <p:sldId id="271" r:id="rId6"/>
+    <p:sldId id="260" r:id="rId7"/>
+    <p:sldId id="272" r:id="rId8"/>
+    <p:sldId id="267" r:id="rId9"/>
+    <p:sldId id="273" r:id="rId10"/>
+    <p:sldId id="265" r:id="rId11"/>
+    <p:sldId id="269" r:id="rId12"/>
+    <p:sldId id="270" r:id="rId13"/>
+    <p:sldId id="266" r:id="rId14"/>
+    <p:sldId id="274" r:id="rId15"/>
   </p:sldIdLst>
   <p:sldSz cx="12192000" cy="6858000"/>
   <p:notesSz cx="6858000" cy="9144000"/>
@@ -173,7 +177,7 @@
             </a:lvl1pPr>
           </a:lstStyle>
           <a:p>
-            <a:endParaRPr lang="en-US" dirty="0"/>
+            <a:endParaRPr lang="en-US"/>
           </a:p>
         </p:txBody>
       </p:sp>
@@ -206,9 +210,9 @@
           <a:p>
             <a:fld id="{1803E9C2-402F-48E1-8A0D-7BE90BEEE5AD}" type="datetimeFigureOut">
               <a:rPr lang="en-US" smtClean="0"/>
-              <a:t>4/26/2017</a:t>
+              <a:t>7/29/2017</a:t>
             </a:fld>
-            <a:endParaRPr lang="en-US" dirty="0"/>
+            <a:endParaRPr lang="en-US"/>
           </a:p>
         </p:txBody>
       </p:sp>
@@ -241,7 +245,7 @@
           <a:bodyPr vert="horz" lIns="91440" tIns="45720" rIns="91440" bIns="45720" rtlCol="0" anchor="ctr"/>
           <a:lstStyle/>
           <a:p>
-            <a:endParaRPr lang="en-US" dirty="0"/>
+            <a:endParaRPr lang="en-US"/>
           </a:p>
         </p:txBody>
       </p:sp>
@@ -331,7 +335,7 @@
             </a:lvl1pPr>
           </a:lstStyle>
           <a:p>
-            <a:endParaRPr lang="en-US" dirty="0"/>
+            <a:endParaRPr lang="en-US"/>
           </a:p>
         </p:txBody>
       </p:sp>
@@ -366,7 +370,7 @@
               <a:rPr lang="en-US" smtClean="0"/>
               <a:t>‹#›</a:t>
             </a:fld>
-            <a:endParaRPr lang="en-US" dirty="0"/>
+            <a:endParaRPr lang="en-US"/>
           </a:p>
         </p:txBody>
       </p:sp>
@@ -537,7 +541,7 @@
           <a:p>
             <a:r>
               <a:rPr lang="en-US" dirty="0"/>
-              <a:t>I am going to describe the work that went into creating my design for this program </a:t>
+              <a:t>I am going to describe the work that went into the implementation and testing phase of the product</a:t>
             </a:r>
           </a:p>
         </p:txBody>
@@ -561,7 +565,7 @@
               <a:rPr lang="en-US" smtClean="0"/>
               <a:t>1</a:t>
             </a:fld>
-            <a:endParaRPr lang="en-US" dirty="0"/>
+            <a:endParaRPr lang="en-US"/>
           </a:p>
         </p:txBody>
       </p:sp>
@@ -624,31 +628,43 @@
           <a:p>
             <a:r>
               <a:rPr lang="en-US" dirty="0"/>
-              <a:t>So, in conclusion, I’ve explained my client’s problem domain and the steps I did to understand how I could help solve it</a:t>
-            </a:r>
+              <a:t>Here’s some pictures of the user interfaces.  I’d really recommend you look at my video on YouTube, discussed at the end of the presentation, to get a better understanding of how these programs function.</a:t>
+            </a:r>
+          </a:p>
+          <a:p>
+            <a:endParaRPr lang="en-US" dirty="0"/>
           </a:p>
           <a:p>
             <a:r>
               <a:rPr lang="en-US" dirty="0"/>
-              <a:t>I explained my initial steps in forming requirements and a design</a:t>
-            </a:r>
+              <a:t>Note: I did not include it in the PowerPoint since it would make the file bloated, and it is easy to access as long as you have an internet connection</a:t>
+            </a:r>
+          </a:p>
+          <a:p>
+            <a:endParaRPr lang="en-US" dirty="0"/>
           </a:p>
           <a:p>
             <a:r>
               <a:rPr lang="en-US" dirty="0"/>
-              <a:t>I outlined how my design progress and what technologies and tools I decided on</a:t>
-            </a:r>
+              <a:t>This is the flyer creator.  This is the main class for the Food Giant Flyer Creator program and where most of the effort went in to</a:t>
+            </a:r>
+          </a:p>
+          <a:p>
+            <a:endParaRPr lang="en-US" dirty="0"/>
           </a:p>
           <a:p>
             <a:r>
               <a:rPr lang="en-US" dirty="0"/>
-              <a:t>I showed how I developed and refined my requirements though an iterative process</a:t>
-            </a:r>
+              <a:t>I’ve worked this class into a step by step program, to make it easier to understand for new users (that’s why there’s some color coding going on)</a:t>
+            </a:r>
+          </a:p>
+          <a:p>
+            <a:endParaRPr lang="en-US" dirty="0"/>
           </a:p>
           <a:p>
             <a:r>
               <a:rPr lang="en-US" dirty="0"/>
-              <a:t>And I gave a brief demo showing off my less than attractive prototypes that were used to help elicit requirements from the client</a:t>
+              <a:t>Each item is it’s own section, and can be shown individually to users so they are not overwhelmed by the amount of information being shown to them</a:t>
             </a:r>
           </a:p>
           <a:p>
@@ -657,13 +673,16 @@
           <a:p>
             <a:r>
               <a:rPr lang="en-US" dirty="0"/>
-              <a:t>I think this application should help Food Giant use more modern ways to sale products</a:t>
-            </a:r>
+              <a:t>I did not see a point in separating the parts for the presentation though, since it’s better to see as a whole in this PowerPoint</a:t>
+            </a:r>
+          </a:p>
+          <a:p>
+            <a:endParaRPr lang="en-US" dirty="0"/>
           </a:p>
           <a:p>
             <a:r>
               <a:rPr lang="en-US" dirty="0"/>
-              <a:t>Maybe a future option could be sending the completed flyers to subscribing customers’ smart phones, just a thought</a:t>
+              <a:t>Every visual element is linked to a Resource Dictionary shared across all views, so making aesthetic updates is quick and covers every applicable control</a:t>
             </a:r>
           </a:p>
           <a:p>
@@ -672,13 +691,13 @@
           <a:p>
             <a:r>
               <a:rPr lang="en-US" dirty="0"/>
-              <a:t>Overall, I feel pretty good about my design, but I guess the only way to know my design was correct is to see if my implementation, testing and deployment phases succeed</a:t>
+              <a:t>The Flyer Items read data from the SQLite database and allow the user to select from any added item.  They can then input the price, item size, item description and select the image that goes onto the flyer</a:t>
             </a:r>
           </a:p>
           <a:p>
             <a:r>
               <a:rPr lang="en-US" dirty="0"/>
-              <a:t>Here’s hoping.</a:t>
+              <a:t>They can also preview the flyer before generating a flyer to better understand how it will look</a:t>
             </a:r>
           </a:p>
           <a:p>
@@ -687,7 +706,7 @@
           <a:p>
             <a:r>
               <a:rPr lang="en-US" dirty="0"/>
-              <a:t>Thank you.</a:t>
+              <a:t>Clicking the Generate Flyer button sends all of this data to the Generic Flyer Class, the selected Flyer Template, and populates that class into a printable format for the user</a:t>
             </a:r>
           </a:p>
         </p:txBody>
@@ -711,7 +730,517 @@
               <a:rPr lang="en-US" smtClean="0"/>
               <a:t>10</a:t>
             </a:fld>
+            <a:endParaRPr lang="en-US"/>
+          </a:p>
+        </p:txBody>
+      </p:sp>
+    </p:spTree>
+    <p:extLst>
+      <p:ext uri="{BB962C8B-B14F-4D97-AF65-F5344CB8AC3E}">
+        <p14:creationId xmlns:p14="http://schemas.microsoft.com/office/powerpoint/2010/main" val="2611027499"/>
+      </p:ext>
+    </p:extLst>
+  </p:cSld>
+  <p:clrMapOvr>
+    <a:masterClrMapping/>
+  </p:clrMapOvr>
+</p:notes>
+</file>
+
+<file path=ppt/notesSlides/notesSlide11.xml><?xml version="1.0" encoding="utf-8"?>
+<p:notes xmlns:a="http://schemas.openxmlformats.org/drawingml/2006/main" xmlns:r="http://schemas.openxmlformats.org/officeDocument/2006/relationships" xmlns:p="http://schemas.openxmlformats.org/presentationml/2006/main">
+  <p:cSld>
+    <p:spTree>
+      <p:nvGrpSpPr>
+        <p:cNvPr id="1" name=""/>
+        <p:cNvGrpSpPr/>
+        <p:nvPr/>
+      </p:nvGrpSpPr>
+      <p:grpSpPr>
+        <a:xfrm>
+          <a:off x="0" y="0"/>
+          <a:ext cx="0" cy="0"/>
+          <a:chOff x="0" y="0"/>
+          <a:chExt cx="0" cy="0"/>
+        </a:xfrm>
+      </p:grpSpPr>
+      <p:sp>
+        <p:nvSpPr>
+          <p:cNvPr id="2" name="Slide Image Placeholder 1"/>
+          <p:cNvSpPr>
+            <a:spLocks noGrp="1" noRot="1" noChangeAspect="1"/>
+          </p:cNvSpPr>
+          <p:nvPr>
+            <p:ph type="sldImg"/>
+          </p:nvPr>
+        </p:nvSpPr>
+        <p:spPr/>
+      </p:sp>
+      <p:sp>
+        <p:nvSpPr>
+          <p:cNvPr id="3" name="Notes Placeholder 2"/>
+          <p:cNvSpPr>
+            <a:spLocks noGrp="1"/>
+          </p:cNvSpPr>
+          <p:nvPr>
+            <p:ph type="body" idx="1"/>
+          </p:nvPr>
+        </p:nvSpPr>
+        <p:spPr/>
+        <p:txBody>
+          <a:bodyPr/>
+          <a:lstStyle/>
+          <a:p>
+            <a:r>
+              <a:rPr lang="en-US" dirty="0"/>
+              <a:t>This is the Database</a:t>
+            </a:r>
+            <a:r>
+              <a:rPr lang="en-US" sz="1200" kern="1200" dirty="0">
+                <a:solidFill>
+                  <a:schemeClr val="bg1"/>
+                </a:solidFill>
+                <a:latin typeface="+mn-lt"/>
+                <a:ea typeface="+mn-ea"/>
+                <a:cs typeface="+mn-cs"/>
+              </a:rPr>
+              <a:t> Maintainer </a:t>
+            </a:r>
+          </a:p>
+          <a:p>
+            <a:endParaRPr lang="en-US" sz="1200" kern="1200" dirty="0">
+              <a:solidFill>
+                <a:schemeClr val="bg1"/>
+              </a:solidFill>
+              <a:latin typeface="+mn-lt"/>
+              <a:ea typeface="+mn-ea"/>
+              <a:cs typeface="+mn-cs"/>
+            </a:endParaRPr>
+          </a:p>
+          <a:p>
+            <a:r>
+              <a:rPr lang="en-US" sz="1200" kern="1200" dirty="0">
+                <a:solidFill>
+                  <a:schemeClr val="bg1"/>
+                </a:solidFill>
+                <a:latin typeface="+mn-lt"/>
+                <a:ea typeface="+mn-ea"/>
+                <a:cs typeface="+mn-cs"/>
+              </a:rPr>
+              <a:t>This allows the customer to add items to the database using a simple UI interface instead of directly editing the database</a:t>
+            </a:r>
+          </a:p>
+          <a:p>
+            <a:endParaRPr lang="en-US" sz="1200" kern="1200" dirty="0">
+              <a:solidFill>
+                <a:schemeClr val="bg1"/>
+              </a:solidFill>
+              <a:latin typeface="+mn-lt"/>
+              <a:ea typeface="+mn-ea"/>
+              <a:cs typeface="+mn-cs"/>
+            </a:endParaRPr>
+          </a:p>
+          <a:p>
+            <a:r>
+              <a:rPr lang="en-US" sz="1200" kern="1200" dirty="0">
+                <a:solidFill>
+                  <a:schemeClr val="bg1"/>
+                </a:solidFill>
+                <a:latin typeface="+mn-lt"/>
+                <a:ea typeface="+mn-ea"/>
+                <a:cs typeface="+mn-cs"/>
+              </a:rPr>
+              <a:t>I used the standard </a:t>
+            </a:r>
+            <a:r>
+              <a:rPr lang="en-US" sz="1200" kern="1200" dirty="0" err="1">
+                <a:solidFill>
+                  <a:schemeClr val="tx1"/>
+                </a:solidFill>
+                <a:latin typeface="+mn-lt"/>
+                <a:ea typeface="+mn-ea"/>
+                <a:cs typeface="+mn-cs"/>
+              </a:rPr>
+              <a:t>SqlConnection</a:t>
+            </a:r>
+            <a:r>
+              <a:rPr lang="en-US" sz="1200" kern="1200" dirty="0">
+                <a:solidFill>
+                  <a:schemeClr val="tx1"/>
+                </a:solidFill>
+                <a:latin typeface="+mn-lt"/>
+                <a:ea typeface="+mn-ea"/>
+                <a:cs typeface="+mn-cs"/>
+              </a:rPr>
+              <a:t> and </a:t>
+            </a:r>
+            <a:r>
+              <a:rPr lang="en-US" sz="1200" kern="1200" dirty="0" err="1">
+                <a:solidFill>
+                  <a:schemeClr val="tx1"/>
+                </a:solidFill>
+                <a:latin typeface="+mn-lt"/>
+                <a:ea typeface="+mn-ea"/>
+                <a:cs typeface="+mn-cs"/>
+              </a:rPr>
+              <a:t>SqlCommand</a:t>
+            </a:r>
+            <a:r>
+              <a:rPr lang="en-US" sz="1200" kern="1200" dirty="0">
+                <a:solidFill>
+                  <a:schemeClr val="bg1"/>
+                </a:solidFill>
+                <a:latin typeface="+mn-lt"/>
+                <a:ea typeface="+mn-ea"/>
+                <a:cs typeface="+mn-cs"/>
+              </a:rPr>
+              <a:t> objects in C# along with input validation in order to protect the database against SQL Injection</a:t>
+            </a:r>
+          </a:p>
+          <a:p>
+            <a:endParaRPr lang="en-US" sz="1200" kern="1200" dirty="0">
+              <a:solidFill>
+                <a:schemeClr val="bg1"/>
+              </a:solidFill>
+              <a:latin typeface="+mn-lt"/>
+              <a:ea typeface="+mn-ea"/>
+              <a:cs typeface="+mn-cs"/>
+            </a:endParaRPr>
+          </a:p>
+          <a:p>
+            <a:r>
+              <a:rPr lang="en-US" sz="1200" kern="1200" dirty="0">
+                <a:solidFill>
+                  <a:schemeClr val="bg1"/>
+                </a:solidFill>
+                <a:latin typeface="+mn-lt"/>
+                <a:ea typeface="+mn-ea"/>
+                <a:cs typeface="+mn-cs"/>
+              </a:rPr>
+              <a:t>Each field is validated before the item is added, and there is an additional query in my database interface file that makes sure they are not adding a duplicate file</a:t>
+            </a:r>
+          </a:p>
+          <a:p>
+            <a:endParaRPr lang="en-US" sz="1200" kern="1200" dirty="0">
+              <a:solidFill>
+                <a:schemeClr val="bg1"/>
+              </a:solidFill>
+              <a:latin typeface="+mn-lt"/>
+              <a:ea typeface="+mn-ea"/>
+              <a:cs typeface="+mn-cs"/>
+            </a:endParaRPr>
+          </a:p>
+          <a:p>
+            <a:r>
+              <a:rPr lang="en-US" sz="1200" kern="1200" dirty="0">
+                <a:solidFill>
+                  <a:schemeClr val="bg1"/>
+                </a:solidFill>
+                <a:latin typeface="+mn-lt"/>
+                <a:ea typeface="+mn-ea"/>
+                <a:cs typeface="+mn-cs"/>
+              </a:rPr>
+              <a:t>I have code ready to allow the customer to delete/modify items as well, but that was not implemented this version</a:t>
+            </a:r>
             <a:endParaRPr lang="en-US" dirty="0"/>
+          </a:p>
+        </p:txBody>
+      </p:sp>
+      <p:sp>
+        <p:nvSpPr>
+          <p:cNvPr id="4" name="Slide Number Placeholder 3"/>
+          <p:cNvSpPr>
+            <a:spLocks noGrp="1"/>
+          </p:cNvSpPr>
+          <p:nvPr>
+            <p:ph type="sldNum" sz="quarter" idx="10"/>
+          </p:nvPr>
+        </p:nvSpPr>
+        <p:spPr/>
+        <p:txBody>
+          <a:bodyPr/>
+          <a:lstStyle/>
+          <a:p>
+            <a:fld id="{4B507116-022E-4EE0-8E6F-78EEB57C82DB}" type="slidenum">
+              <a:rPr lang="en-US" smtClean="0"/>
+              <a:t>11</a:t>
+            </a:fld>
+            <a:endParaRPr lang="en-US"/>
+          </a:p>
+        </p:txBody>
+      </p:sp>
+    </p:spTree>
+    <p:extLst>
+      <p:ext uri="{BB962C8B-B14F-4D97-AF65-F5344CB8AC3E}">
+        <p14:creationId xmlns:p14="http://schemas.microsoft.com/office/powerpoint/2010/main" val="2886626410"/>
+      </p:ext>
+    </p:extLst>
+  </p:cSld>
+  <p:clrMapOvr>
+    <a:masterClrMapping/>
+  </p:clrMapOvr>
+</p:notes>
+</file>
+
+<file path=ppt/notesSlides/notesSlide12.xml><?xml version="1.0" encoding="utf-8"?>
+<p:notes xmlns:a="http://schemas.openxmlformats.org/drawingml/2006/main" xmlns:r="http://schemas.openxmlformats.org/officeDocument/2006/relationships" xmlns:p="http://schemas.openxmlformats.org/presentationml/2006/main">
+  <p:cSld>
+    <p:spTree>
+      <p:nvGrpSpPr>
+        <p:cNvPr id="1" name=""/>
+        <p:cNvGrpSpPr/>
+        <p:nvPr/>
+      </p:nvGrpSpPr>
+      <p:grpSpPr>
+        <a:xfrm>
+          <a:off x="0" y="0"/>
+          <a:ext cx="0" cy="0"/>
+          <a:chOff x="0" y="0"/>
+          <a:chExt cx="0" cy="0"/>
+        </a:xfrm>
+      </p:grpSpPr>
+      <p:sp>
+        <p:nvSpPr>
+          <p:cNvPr id="2" name="Slide Image Placeholder 1"/>
+          <p:cNvSpPr>
+            <a:spLocks noGrp="1" noRot="1" noChangeAspect="1"/>
+          </p:cNvSpPr>
+          <p:nvPr>
+            <p:ph type="sldImg"/>
+          </p:nvPr>
+        </p:nvSpPr>
+        <p:spPr/>
+      </p:sp>
+      <p:sp>
+        <p:nvSpPr>
+          <p:cNvPr id="3" name="Notes Placeholder 2"/>
+          <p:cNvSpPr>
+            <a:spLocks noGrp="1"/>
+          </p:cNvSpPr>
+          <p:nvPr>
+            <p:ph type="body" idx="1"/>
+          </p:nvPr>
+        </p:nvSpPr>
+        <p:spPr/>
+        <p:txBody>
+          <a:bodyPr/>
+          <a:lstStyle/>
+          <a:p>
+            <a:r>
+              <a:rPr lang="en-US" dirty="0"/>
+              <a:t>This is the flyer history</a:t>
+            </a:r>
+          </a:p>
+          <a:p>
+            <a:endParaRPr lang="en-US" dirty="0"/>
+          </a:p>
+          <a:p>
+            <a:r>
+              <a:rPr lang="en-US" dirty="0"/>
+              <a:t>Every time a flyer is printed, the data for the flyer is transformed into text and saved inside the database</a:t>
+            </a:r>
+          </a:p>
+          <a:p>
+            <a:endParaRPr lang="en-US" dirty="0"/>
+          </a:p>
+          <a:p>
+            <a:r>
+              <a:rPr lang="en-US" dirty="0"/>
+              <a:t>This program allows a district manager to search the database for previously-created flyers and regenerate them to see what their store managers have did</a:t>
+            </a:r>
+          </a:p>
+          <a:p>
+            <a:endParaRPr lang="en-US" dirty="0"/>
+          </a:p>
+          <a:p>
+            <a:r>
+              <a:rPr lang="en-US" dirty="0"/>
+              <a:t>Clicking the generate flyer pulls the data out of the database and populates the Generic Flyer class to recreate the flyer.  Again, please look at my video demo if you’d like more details</a:t>
+            </a:r>
+          </a:p>
+        </p:txBody>
+      </p:sp>
+      <p:sp>
+        <p:nvSpPr>
+          <p:cNvPr id="4" name="Slide Number Placeholder 3"/>
+          <p:cNvSpPr>
+            <a:spLocks noGrp="1"/>
+          </p:cNvSpPr>
+          <p:nvPr>
+            <p:ph type="sldNum" sz="quarter" idx="10"/>
+          </p:nvPr>
+        </p:nvSpPr>
+        <p:spPr/>
+        <p:txBody>
+          <a:bodyPr/>
+          <a:lstStyle/>
+          <a:p>
+            <a:fld id="{4B507116-022E-4EE0-8E6F-78EEB57C82DB}" type="slidenum">
+              <a:rPr lang="en-US" smtClean="0"/>
+              <a:t>12</a:t>
+            </a:fld>
+            <a:endParaRPr lang="en-US"/>
+          </a:p>
+        </p:txBody>
+      </p:sp>
+    </p:spTree>
+    <p:extLst>
+      <p:ext uri="{BB962C8B-B14F-4D97-AF65-F5344CB8AC3E}">
+        <p14:creationId xmlns:p14="http://schemas.microsoft.com/office/powerpoint/2010/main" val="2704452988"/>
+      </p:ext>
+    </p:extLst>
+  </p:cSld>
+  <p:clrMapOvr>
+    <a:masterClrMapping/>
+  </p:clrMapOvr>
+</p:notes>
+</file>
+
+<file path=ppt/notesSlides/notesSlide13.xml><?xml version="1.0" encoding="utf-8"?>
+<p:notes xmlns:a="http://schemas.openxmlformats.org/drawingml/2006/main" xmlns:r="http://schemas.openxmlformats.org/officeDocument/2006/relationships" xmlns:p="http://schemas.openxmlformats.org/presentationml/2006/main">
+  <p:cSld>
+    <p:spTree>
+      <p:nvGrpSpPr>
+        <p:cNvPr id="1" name=""/>
+        <p:cNvGrpSpPr/>
+        <p:nvPr/>
+      </p:nvGrpSpPr>
+      <p:grpSpPr>
+        <a:xfrm>
+          <a:off x="0" y="0"/>
+          <a:ext cx="0" cy="0"/>
+          <a:chOff x="0" y="0"/>
+          <a:chExt cx="0" cy="0"/>
+        </a:xfrm>
+      </p:grpSpPr>
+      <p:sp>
+        <p:nvSpPr>
+          <p:cNvPr id="2" name="Slide Image Placeholder 1"/>
+          <p:cNvSpPr>
+            <a:spLocks noGrp="1" noRot="1" noChangeAspect="1"/>
+          </p:cNvSpPr>
+          <p:nvPr>
+            <p:ph type="sldImg"/>
+          </p:nvPr>
+        </p:nvSpPr>
+        <p:spPr/>
+      </p:sp>
+      <p:sp>
+        <p:nvSpPr>
+          <p:cNvPr id="3" name="Notes Placeholder 2"/>
+          <p:cNvSpPr>
+            <a:spLocks noGrp="1"/>
+          </p:cNvSpPr>
+          <p:nvPr>
+            <p:ph type="body" idx="1"/>
+          </p:nvPr>
+        </p:nvSpPr>
+        <p:spPr/>
+        <p:txBody>
+          <a:bodyPr/>
+          <a:lstStyle/>
+          <a:p>
+            <a:r>
+              <a:rPr lang="en-US" dirty="0"/>
+              <a:t>So, in conclusion, I’ve explained my client’s problem domain implementation and testing work that went into delivering them a product</a:t>
+            </a:r>
+          </a:p>
+          <a:p>
+            <a:r>
+              <a:rPr lang="en-US" dirty="0"/>
+              <a:t>I outlined the project’s purpose and explained why software engineering was important</a:t>
+            </a:r>
+          </a:p>
+          <a:p>
+            <a:r>
+              <a:rPr lang="en-US" dirty="0"/>
+              <a:t>I described my implementation work and room for improvement</a:t>
+            </a:r>
+          </a:p>
+          <a:p>
+            <a:r>
+              <a:rPr lang="en-US" dirty="0"/>
+              <a:t>I discussed the importance of proper software documentation a testing</a:t>
+            </a:r>
+          </a:p>
+          <a:p>
+            <a:r>
+              <a:rPr lang="en-US" dirty="0"/>
+              <a:t>Finally, I gave some basic examples of the product</a:t>
+            </a:r>
+          </a:p>
+          <a:p>
+            <a:r>
+              <a:rPr lang="en-US" dirty="0"/>
+              <a:t>Please look at my capstone video on </a:t>
+            </a:r>
+            <a:r>
+              <a:rPr lang="en-US" dirty="0" err="1"/>
+              <a:t>Youtube</a:t>
+            </a:r>
+            <a:r>
+              <a:rPr lang="en-US" dirty="0"/>
+              <a:t> at https://youtu.be/CuRSOrhd9bA</a:t>
+            </a:r>
+          </a:p>
+          <a:p>
+            <a:endParaRPr lang="en-US" dirty="0"/>
+          </a:p>
+          <a:p>
+            <a:endParaRPr lang="en-US" dirty="0"/>
+          </a:p>
+          <a:p>
+            <a:r>
+              <a:rPr lang="en-US" dirty="0"/>
+              <a:t>I think this application should help Food Giant use more modern ways to sale products</a:t>
+            </a:r>
+          </a:p>
+          <a:p>
+            <a:r>
+              <a:rPr lang="en-US" dirty="0"/>
+              <a:t>Maybe a future option could be sending the completed flyers to subscribing customers’ smart phones, just a thought</a:t>
+            </a:r>
+          </a:p>
+          <a:p>
+            <a:endParaRPr lang="en-US" dirty="0"/>
+          </a:p>
+          <a:p>
+            <a:r>
+              <a:rPr lang="en-US" dirty="0"/>
+              <a:t>Overall, I am happy with how things turned out, and hope to continue working on the software in the future, past my Master’s degree</a:t>
+            </a:r>
+          </a:p>
+          <a:p>
+            <a:endParaRPr lang="en-US" dirty="0"/>
+          </a:p>
+          <a:p>
+            <a:r>
+              <a:rPr lang="en-US" dirty="0"/>
+              <a:t>Thank you.</a:t>
+            </a:r>
+          </a:p>
+        </p:txBody>
+      </p:sp>
+      <p:sp>
+        <p:nvSpPr>
+          <p:cNvPr id="4" name="Slide Number Placeholder 3"/>
+          <p:cNvSpPr>
+            <a:spLocks noGrp="1"/>
+          </p:cNvSpPr>
+          <p:nvPr>
+            <p:ph type="sldNum" sz="quarter" idx="10"/>
+          </p:nvPr>
+        </p:nvSpPr>
+        <p:spPr/>
+        <p:txBody>
+          <a:bodyPr/>
+          <a:lstStyle/>
+          <a:p>
+            <a:fld id="{4B507116-022E-4EE0-8E6F-78EEB57C82DB}" type="slidenum">
+              <a:rPr lang="en-US" smtClean="0"/>
+              <a:t>13</a:t>
+            </a:fld>
+            <a:endParaRPr lang="en-US"/>
           </a:p>
         </p:txBody>
       </p:sp>
@@ -719,6 +1248,90 @@
     <p:extLst>
       <p:ext uri="{BB962C8B-B14F-4D97-AF65-F5344CB8AC3E}">
         <p14:creationId xmlns:p14="http://schemas.microsoft.com/office/powerpoint/2010/main" val="3371260429"/>
+      </p:ext>
+    </p:extLst>
+  </p:cSld>
+  <p:clrMapOvr>
+    <a:masterClrMapping/>
+  </p:clrMapOvr>
+</p:notes>
+</file>
+
+<file path=ppt/notesSlides/notesSlide14.xml><?xml version="1.0" encoding="utf-8"?>
+<p:notes xmlns:a="http://schemas.openxmlformats.org/drawingml/2006/main" xmlns:r="http://schemas.openxmlformats.org/officeDocument/2006/relationships" xmlns:p="http://schemas.openxmlformats.org/presentationml/2006/main">
+  <p:cSld>
+    <p:spTree>
+      <p:nvGrpSpPr>
+        <p:cNvPr id="1" name=""/>
+        <p:cNvGrpSpPr/>
+        <p:nvPr/>
+      </p:nvGrpSpPr>
+      <p:grpSpPr>
+        <a:xfrm>
+          <a:off x="0" y="0"/>
+          <a:ext cx="0" cy="0"/>
+          <a:chOff x="0" y="0"/>
+          <a:chExt cx="0" cy="0"/>
+        </a:xfrm>
+      </p:grpSpPr>
+      <p:sp>
+        <p:nvSpPr>
+          <p:cNvPr id="2" name="Slide Image Placeholder 1"/>
+          <p:cNvSpPr>
+            <a:spLocks noGrp="1" noRot="1" noChangeAspect="1"/>
+          </p:cNvSpPr>
+          <p:nvPr>
+            <p:ph type="sldImg"/>
+          </p:nvPr>
+        </p:nvSpPr>
+        <p:spPr/>
+      </p:sp>
+      <p:sp>
+        <p:nvSpPr>
+          <p:cNvPr id="3" name="Notes Placeholder 2"/>
+          <p:cNvSpPr>
+            <a:spLocks noGrp="1"/>
+          </p:cNvSpPr>
+          <p:nvPr>
+            <p:ph type="body" idx="1"/>
+          </p:nvPr>
+        </p:nvSpPr>
+        <p:spPr/>
+        <p:txBody>
+          <a:bodyPr/>
+          <a:lstStyle/>
+          <a:p>
+            <a:endParaRPr lang="en-US" dirty="0"/>
+          </a:p>
+        </p:txBody>
+      </p:sp>
+      <p:sp>
+        <p:nvSpPr>
+          <p:cNvPr id="4" name="Slide Number Placeholder 3"/>
+          <p:cNvSpPr>
+            <a:spLocks noGrp="1"/>
+          </p:cNvSpPr>
+          <p:nvPr>
+            <p:ph type="sldNum" sz="quarter" idx="10"/>
+          </p:nvPr>
+        </p:nvSpPr>
+        <p:spPr/>
+        <p:txBody>
+          <a:bodyPr/>
+          <a:lstStyle/>
+          <a:p>
+            <a:fld id="{4B507116-022E-4EE0-8E6F-78EEB57C82DB}" type="slidenum">
+              <a:rPr lang="en-US" smtClean="0"/>
+              <a:t>14</a:t>
+            </a:fld>
+            <a:endParaRPr lang="en-US"/>
+          </a:p>
+        </p:txBody>
+      </p:sp>
+    </p:spTree>
+    <p:extLst>
+      <p:ext uri="{BB962C8B-B14F-4D97-AF65-F5344CB8AC3E}">
+        <p14:creationId xmlns:p14="http://schemas.microsoft.com/office/powerpoint/2010/main" val="1971611536"/>
       </p:ext>
     </p:extLst>
   </p:cSld>
@@ -782,8 +1395,44 @@
           </a:p>
           <a:p>
             <a:r>
-              <a:rPr lang="en-US" dirty="0"/>
-              <a:t>Project Definition</a:t>
+              <a:rPr lang="en-US" sz="1200" dirty="0"/>
+              <a:t>Background</a:t>
+            </a:r>
+          </a:p>
+          <a:p>
+            <a:r>
+              <a:rPr lang="en-US" sz="1200" dirty="0"/>
+              <a:t>Flyer Comparison</a:t>
+            </a:r>
+          </a:p>
+          <a:p>
+            <a:r>
+              <a:rPr lang="en-US" sz="1200" dirty="0"/>
+              <a:t>Implementation Steps</a:t>
+            </a:r>
+          </a:p>
+          <a:p>
+            <a:r>
+              <a:rPr lang="en-US" sz="1200" dirty="0"/>
+              <a:t>Deploying to Azure</a:t>
+            </a:r>
+          </a:p>
+          <a:p>
+            <a:r>
+              <a:rPr lang="en-US" sz="1200" dirty="0"/>
+              <a:t>Testing and Documentation</a:t>
+            </a:r>
+          </a:p>
+          <a:p>
+            <a:r>
+              <a:rPr lang="en-US" sz="1200" dirty="0"/>
+              <a:t>Program Pictures</a:t>
+            </a:r>
+          </a:p>
+          <a:p>
+            <a:r>
+              <a:rPr lang="en-US" sz="1200" dirty="0"/>
+              <a:t>Summary</a:t>
             </a:r>
           </a:p>
           <a:p>
@@ -819,7 +1468,7 @@
               <a:rPr lang="en-US" smtClean="0"/>
               <a:t>2</a:t>
             </a:fld>
-            <a:endParaRPr lang="en-US" dirty="0"/>
+            <a:endParaRPr lang="en-US"/>
           </a:p>
         </p:txBody>
       </p:sp>
@@ -1147,7 +1796,7 @@
               <a:rPr lang="en-US" smtClean="0"/>
               <a:t>3</a:t>
             </a:fld>
-            <a:endParaRPr lang="en-US" dirty="0"/>
+            <a:endParaRPr lang="en-US"/>
           </a:p>
         </p:txBody>
       </p:sp>
@@ -1208,34 +1857,9 @@
           <a:bodyPr/>
           <a:lstStyle/>
           <a:p>
-            <a:pPr marL="0" marR="0" lvl="0" indent="0" algn="l" defTabSz="914400" rtl="0" eaLnBrk="1" fontAlgn="auto" latinLnBrk="0" hangingPunct="1">
-              <a:lnSpc>
-                <a:spcPct val="100000"/>
-              </a:lnSpc>
-              <a:spcBef>
-                <a:spcPts val="0"/>
-              </a:spcBef>
-              <a:spcAft>
-                <a:spcPts val="0"/>
-              </a:spcAft>
-              <a:buClrTx/>
-              <a:buSzTx/>
-              <a:buFontTx/>
-              <a:buNone/>
-              <a:tabLst/>
-              <a:defRPr/>
-            </a:pPr>
-            <a:r>
-              <a:rPr lang="en-US" sz="1200" kern="1200" dirty="0">
-                <a:solidFill>
-                  <a:schemeClr val="tx1"/>
-                </a:solidFill>
-                <a:effectLst/>
-                <a:latin typeface="+mn-lt"/>
-                <a:ea typeface="+mn-ea"/>
-                <a:cs typeface="+mn-cs"/>
-              </a:rPr>
-              <a:t>Food Giant is a much smaller company than a large grocery store chain like Publix, and lacks a consistent flyer design</a:t>
+            <a:r>
+              <a:rPr lang="en-US" dirty="0"/>
+              <a:t>Essentially, All my client wanted is for their store managers to be able to create flyers that look like the standard store flyers.</a:t>
             </a:r>
           </a:p>
           <a:p>
@@ -1244,37 +1868,31 @@
           <a:p>
             <a:r>
               <a:rPr lang="en-US" dirty="0"/>
-              <a:t>This is one of the official Food Giant Flyers.</a:t>
-            </a:r>
+              <a:t>Here’s a picture of what they have on the right, with what I did on the left.  We have multiple demos of the product and they decided they liked the less bold font, and didn’t like how text could be obscured around the image, so I made those changes</a:t>
+            </a:r>
+          </a:p>
+          <a:p>
+            <a:endParaRPr lang="en-US" dirty="0"/>
           </a:p>
           <a:p>
             <a:r>
               <a:rPr lang="en-US" dirty="0"/>
-              <a:t>This is designed by a single person in the corporate office</a:t>
-            </a:r>
+              <a:t>There is much more work that can be done to make things more aesthetically pleasing, but this was more of a nice to have, not an immediate SRS requirement</a:t>
+            </a:r>
+          </a:p>
+          <a:p>
+            <a:endParaRPr lang="en-US" dirty="0"/>
           </a:p>
           <a:p>
             <a:r>
               <a:rPr lang="en-US" dirty="0"/>
-              <a:t>As you can see, it’s pretty basic compared to something like Publix </a:t>
+              <a:t>This is still something planned for future versions!  But I explained it’s best I give them a stable product to initially use and provide suggestions that way</a:t>
             </a:r>
           </a:p>
           <a:p>
             <a:r>
               <a:rPr lang="en-US" dirty="0"/>
-              <a:t>It looks to be manually assembled in paint or word, you can see a Green Underline over the Russet Potatoes</a:t>
-            </a:r>
-          </a:p>
-          <a:p>
-            <a:r>
-              <a:rPr lang="en-US" dirty="0"/>
-              <a:t>Some of the lettering isn’t lined up</a:t>
-            </a:r>
-          </a:p>
-          <a:p>
-            <a:r>
-              <a:rPr lang="en-US" dirty="0"/>
-              <a:t>After seeing that these are the standard flyers for the store, I feel like I can at least generate this kind of Flyer Programmatically, even with my limited design skills</a:t>
+              <a:t>A saying I’ve heard is if the customer asks for a Ford, don’t give them a Ferrari.  They wanted a basic flyer outline, so that’s what I provided</a:t>
             </a:r>
           </a:p>
         </p:txBody>
@@ -1298,14 +1916,14 @@
               <a:rPr lang="en-US" smtClean="0"/>
               <a:t>4</a:t>
             </a:fld>
-            <a:endParaRPr lang="en-US" dirty="0"/>
+            <a:endParaRPr lang="en-US"/>
           </a:p>
         </p:txBody>
       </p:sp>
     </p:spTree>
     <p:extLst>
       <p:ext uri="{BB962C8B-B14F-4D97-AF65-F5344CB8AC3E}">
-        <p14:creationId xmlns:p14="http://schemas.microsoft.com/office/powerpoint/2010/main" val="1873263033"/>
+        <p14:creationId xmlns:p14="http://schemas.microsoft.com/office/powerpoint/2010/main" val="3175983238"/>
       </p:ext>
     </p:extLst>
   </p:cSld>
@@ -1361,94 +1979,23 @@
           <a:p>
             <a:r>
               <a:rPr lang="en-US" dirty="0"/>
-              <a:t>First, I just wrote down thoughts on what I think the project should do</a:t>
+              <a:t>This is also because my customer was not sure of what they wanted the software to do, which leads to me showing them what I think they want. </a:t>
             </a:r>
           </a:p>
           <a:p>
             <a:r>
               <a:rPr lang="en-US" dirty="0"/>
-              <a:t>While I was doing that, I worked on the Project Definition like everyone else to better understand the objective and requirements of the project</a:t>
-            </a:r>
-          </a:p>
-          <a:p>
-            <a:pPr marL="0" marR="0" lvl="0" indent="0" algn="l" defTabSz="914400" rtl="0" eaLnBrk="1" fontAlgn="auto" latinLnBrk="0" hangingPunct="1">
-              <a:lnSpc>
-                <a:spcPct val="100000"/>
-              </a:lnSpc>
-              <a:spcBef>
-                <a:spcPts val="0"/>
-              </a:spcBef>
-              <a:spcAft>
-                <a:spcPts val="0"/>
-              </a:spcAft>
-              <a:buClrTx/>
-              <a:buSzTx/>
-              <a:buFontTx/>
-              <a:buNone/>
-              <a:tabLst/>
-              <a:defRPr/>
-            </a:pPr>
+              <a:t>This is the dilemma of every software developer and engineer, as shown by this classic cartoon</a:t>
+            </a:r>
+          </a:p>
+          <a:p>
+            <a:endParaRPr lang="en-US" dirty="0"/>
+          </a:p>
+          <a:p>
             <a:r>
               <a:rPr lang="en-US" dirty="0"/>
-              <a:t>I talked with my client once I organized a step by step process of what the project should do and how it fits into the overall store work flow</a:t>
-            </a:r>
-          </a:p>
-          <a:p>
-            <a:r>
-              <a:rPr lang="en-US" dirty="0"/>
-              <a:t>I tried to think about how you could create a page programmatically that would look similar or better than the flyer I just showed</a:t>
-            </a:r>
-          </a:p>
-          <a:p>
-            <a:r>
-              <a:rPr lang="en-US" dirty="0"/>
-              <a:t>I know it’s easy to create a template file in something like word that can be manually edited, but it needs to be done via a program to eliminate the chance of user error and simplify the process to where anyone can do it</a:t>
-            </a:r>
-          </a:p>
-          <a:p>
-            <a:r>
-              <a:rPr lang="en-US" dirty="0"/>
-              <a:t>This is even more important given the User Base, which is why I mentioned the UI’s ease of use as a requirement in my SRS</a:t>
-            </a:r>
-          </a:p>
-          <a:p>
-            <a:r>
-              <a:rPr lang="en-US" dirty="0"/>
-              <a:t>The client had informed me that the managers using the product may have very little computer experience.</a:t>
-            </a:r>
-          </a:p>
-          <a:p>
-            <a:r>
-              <a:rPr lang="en-US" dirty="0"/>
-              <a:t>And like most programs, there will be a varied user base.</a:t>
-            </a:r>
-          </a:p>
-          <a:p>
-            <a:r>
-              <a:rPr lang="en-US" dirty="0"/>
-              <a:t>I cannot trust the user to know exactly what input they need to enter or even to enter it correctly.</a:t>
-            </a:r>
-          </a:p>
-          <a:p>
-            <a:r>
-              <a:rPr lang="en-US" dirty="0"/>
-              <a:t>This eliminated the possibility of a simple template file satisfying the requirements</a:t>
-            </a:r>
-          </a:p>
-          <a:p>
-            <a:r>
-              <a:rPr lang="en-US" dirty="0"/>
-              <a:t>This is what really allowed me to say that this project could be complex enough to work on for a Capstone</a:t>
-            </a:r>
-          </a:p>
-          <a:p>
-            <a:endParaRPr lang="en-US" dirty="0"/>
-          </a:p>
-          <a:p>
-            <a:endParaRPr lang="en-US" dirty="0"/>
-          </a:p>
-          <a:p>
-            <a:endParaRPr lang="en-US" dirty="0"/>
+              <a:t>Reference: https://www.tamingdata.com/wp-content/uploads/2010/07/tree-swing-project-management-large.png</a:t>
+            </a:r>
           </a:p>
         </p:txBody>
       </p:sp>
@@ -1471,14 +2018,14 @@
               <a:rPr lang="en-US" smtClean="0"/>
               <a:t>5</a:t>
             </a:fld>
-            <a:endParaRPr lang="en-US" dirty="0"/>
+            <a:endParaRPr lang="en-US"/>
           </a:p>
         </p:txBody>
       </p:sp>
     </p:spTree>
     <p:extLst>
       <p:ext uri="{BB962C8B-B14F-4D97-AF65-F5344CB8AC3E}">
-        <p14:creationId xmlns:p14="http://schemas.microsoft.com/office/powerpoint/2010/main" val="2654081818"/>
+        <p14:creationId xmlns:p14="http://schemas.microsoft.com/office/powerpoint/2010/main" val="767984204"/>
       </p:ext>
     </p:extLst>
   </p:cSld>
@@ -1534,187 +2081,47 @@
           <a:p>
             <a:r>
               <a:rPr lang="en-US" dirty="0"/>
-              <a:t>So, after completing the initial few sections of the definition, I started my research paper and design documents</a:t>
-            </a:r>
+              <a:t>This was my implementation for the product</a:t>
+            </a:r>
+          </a:p>
+          <a:p>
+            <a:endParaRPr lang="en-US" dirty="0"/>
           </a:p>
           <a:p>
             <a:r>
               <a:rPr lang="en-US" dirty="0"/>
-              <a:t>During my discussion with the client, I found that all the store computers at each store use desktop Windows</a:t>
-            </a:r>
+              <a:t>I created sprints where I broke the SRS items into User Stories and decided on how many I could do every sprint</a:t>
+            </a:r>
+          </a:p>
+          <a:p>
+            <a:endParaRPr lang="en-US" dirty="0"/>
           </a:p>
           <a:p>
             <a:r>
               <a:rPr lang="en-US" dirty="0"/>
-              <a:t>Some are running outdated versions of XP and some are running Windows 10, so I have a broad list of machine requirements</a:t>
-            </a:r>
+              <a:t>I updated my test cases as I developed the program, and tested previous test cases throughout the development, especially on virtual machines</a:t>
+            </a:r>
+          </a:p>
+          <a:p>
+            <a:endParaRPr lang="en-US" dirty="0"/>
           </a:p>
           <a:p>
             <a:r>
               <a:rPr lang="en-US" dirty="0"/>
-              <a:t>However, they are all in Windows, and there are no plans to run Mac on Food Giant machines, so that eliminated a requirements to make the program cross-platform</a:t>
-            </a:r>
-          </a:p>
-          <a:p>
-            <a:r>
-              <a:rPr lang="en-US" dirty="0"/>
-              <a:t>I wanted to use a language that makes it easy to quickly generate and edit user interfaces, and I’m more familiar with C# than Java.</a:t>
-            </a:r>
-          </a:p>
-          <a:p>
-            <a:r>
-              <a:rPr lang="en-US" dirty="0"/>
-              <a:t>Java is much easier to write cross-platform applications for,  but C# can still be cross platform through Xamarin, which can allow C# applications to run through Android or iOS</a:t>
-            </a:r>
-          </a:p>
-          <a:p>
-            <a:r>
-              <a:rPr lang="en-US" dirty="0"/>
-              <a:t>But since this is not a requirement, I decided on C#</a:t>
+              <a:t>This was an iterative process that was done every sprint, allowing me to focus on one SRS item at a time, reducing the chance of me breaking other functionality during development</a:t>
             </a:r>
           </a:p>
           <a:p>
             <a:endParaRPr lang="en-US" dirty="0"/>
           </a:p>
           <a:p>
-            <a:r>
-              <a:rPr lang="en-US" dirty="0"/>
-              <a:t>Also, due to the varied amount of machine configurations, my client and I decided on hosting the application on a server for now.</a:t>
-            </a:r>
-          </a:p>
-          <a:p>
-            <a:r>
-              <a:rPr lang="en-US" dirty="0"/>
-              <a:t>This mitigated the biggest risk, which is the Managers’ machines</a:t>
-            </a:r>
-          </a:p>
-          <a:p>
             <a:endParaRPr lang="en-US" dirty="0"/>
           </a:p>
           <a:p>
-            <a:r>
-              <a:rPr lang="en-US" dirty="0"/>
-              <a:t>Next I continued research into how I should design my application</a:t>
-            </a:r>
-          </a:p>
-          <a:p>
             <a:endParaRPr lang="en-US" dirty="0"/>
           </a:p>
           <a:p>
-            <a:r>
-              <a:rPr lang="en-US" dirty="0"/>
-              <a:t>Since I’m using C#, I wanted to use Extensible Application Markup Language or XAML </a:t>
-            </a:r>
-          </a:p>
-          <a:p>
-            <a:r>
-              <a:rPr lang="en-US" dirty="0"/>
-              <a:t>XAML is a more modern design language that we’re starting to use at work, so I had an interest to learn more about XAML by using it in my program</a:t>
-            </a:r>
-          </a:p>
-          <a:p>
-            <a:r>
-              <a:rPr lang="en-US" dirty="0"/>
-              <a:t>XAML also helps make the GUI much more customizable over Win Forms</a:t>
-            </a:r>
-          </a:p>
-          <a:p>
             <a:endParaRPr lang="en-US" dirty="0"/>
-          </a:p>
-          <a:p>
-            <a:r>
-              <a:rPr lang="en-US" dirty="0"/>
-              <a:t>Next, I decided on Model View View-Model Pattern – Reference https://msdn.microsoft.com/en-us/library/hh848246.aspx</a:t>
-            </a:r>
-          </a:p>
-          <a:p>
-            <a:r>
-              <a:rPr lang="en-US" dirty="0"/>
-              <a:t>I like separating my logic out of my design components, so MVVM was an easy choice</a:t>
-            </a:r>
-          </a:p>
-          <a:p>
-            <a:endParaRPr lang="en-US" dirty="0"/>
-          </a:p>
-          <a:p>
-            <a:r>
-              <a:rPr lang="en-US" dirty="0"/>
-              <a:t>I also decided to use Caliburn Micro – Reference http://caliburnmicro.com/</a:t>
-            </a:r>
-          </a:p>
-          <a:p>
-            <a:r>
-              <a:rPr lang="en-US" dirty="0"/>
-              <a:t>CM helps to let me quickly set up MVVM layouts without creating excessive lines of code, and has an open license, so I can use it for this application without future legal issues</a:t>
-            </a:r>
-          </a:p>
-          <a:p>
-            <a:endParaRPr lang="en-US" dirty="0"/>
-          </a:p>
-          <a:p>
-            <a:pPr marL="0" marR="0" lvl="0" indent="0" algn="l" defTabSz="914400" rtl="0" eaLnBrk="1" fontAlgn="auto" latinLnBrk="0" hangingPunct="1">
-              <a:lnSpc>
-                <a:spcPct val="100000"/>
-              </a:lnSpc>
-              <a:spcBef>
-                <a:spcPts val="0"/>
-              </a:spcBef>
-              <a:spcAft>
-                <a:spcPts val="0"/>
-              </a:spcAft>
-              <a:buClrTx/>
-              <a:buSzTx/>
-              <a:buFontTx/>
-              <a:buNone/>
-              <a:tabLst/>
-              <a:defRPr/>
-            </a:pPr>
-            <a:r>
-              <a:rPr lang="en-US" dirty="0"/>
-              <a:t>I will show how XAML, MVVM and Caliburn work together in my prototype application in my YouTube Presentation when I demonstrate my prototype application</a:t>
-            </a:r>
-          </a:p>
-          <a:p>
-            <a:endParaRPr lang="en-US" dirty="0"/>
-          </a:p>
-          <a:p>
-            <a:r>
-              <a:rPr lang="en-US" dirty="0"/>
-              <a:t>We’re currently going to use Microsoft Azure to host the program so stores can start testing it out and giving us feedback.</a:t>
-            </a:r>
-          </a:p>
-          <a:p>
-            <a:r>
-              <a:rPr lang="en-US" dirty="0"/>
-              <a:t>It’s important to see how this program works small scale and see if it actually saves the company money before deploying it to the entire company</a:t>
-            </a:r>
-          </a:p>
-          <a:p>
-            <a:endParaRPr lang="en-US" dirty="0"/>
-          </a:p>
-          <a:p>
-            <a:r>
-              <a:rPr lang="en-US" dirty="0"/>
-              <a:t>Finally, I created a Git Repository because I’m paranoid</a:t>
-            </a:r>
-          </a:p>
-          <a:p>
-            <a:r>
-              <a:rPr lang="en-US" dirty="0"/>
-              <a:t>But seriously, I think Source Control is mandatory for developing any application that’s going to take more than a few days</a:t>
-            </a:r>
-          </a:p>
-          <a:p>
-            <a:r>
-              <a:rPr lang="en-US" dirty="0"/>
-              <a:t>It also helps remind me of what I was doing when I talk a few days off from it</a:t>
-            </a:r>
-          </a:p>
-          <a:p>
-            <a:r>
-              <a:rPr lang="en-US" dirty="0"/>
-              <a:t>I’ll be detailing how I plan to use Git in my YouTube presentation.  This picture is from Git Extensions, a shell extension for Git</a:t>
-            </a:r>
           </a:p>
           <a:p>
             <a:endParaRPr lang="en-US" dirty="0"/>
@@ -1740,14 +2147,14 @@
               <a:rPr lang="en-US" smtClean="0"/>
               <a:t>6</a:t>
             </a:fld>
-            <a:endParaRPr lang="en-US" dirty="0"/>
+            <a:endParaRPr lang="en-US"/>
           </a:p>
         </p:txBody>
       </p:sp>
     </p:spTree>
     <p:extLst>
       <p:ext uri="{BB962C8B-B14F-4D97-AF65-F5344CB8AC3E}">
-        <p14:creationId xmlns:p14="http://schemas.microsoft.com/office/powerpoint/2010/main" val="3370510774"/>
+        <p14:creationId xmlns:p14="http://schemas.microsoft.com/office/powerpoint/2010/main" val="2654081818"/>
       </p:ext>
     </p:extLst>
   </p:cSld>
@@ -1801,321 +2208,67 @@
           <a:bodyPr/>
           <a:lstStyle/>
           <a:p>
-            <a:pPr marL="0" marR="0" lvl="0" indent="0" algn="l" defTabSz="914400" rtl="0" eaLnBrk="1" fontAlgn="auto" latinLnBrk="0" hangingPunct="1">
-              <a:lnSpc>
-                <a:spcPct val="100000"/>
-              </a:lnSpc>
-              <a:spcBef>
-                <a:spcPts val="0"/>
-              </a:spcBef>
-              <a:spcAft>
-                <a:spcPts val="0"/>
-              </a:spcAft>
-              <a:buClrTx/>
-              <a:buSzTx/>
-              <a:buFontTx/>
-              <a:buNone/>
-              <a:tabLst/>
-              <a:defRPr/>
-            </a:pPr>
-            <a:r>
-              <a:rPr lang="en-US" sz="1200" kern="1200" dirty="0">
-                <a:solidFill>
-                  <a:schemeClr val="tx1"/>
-                </a:solidFill>
-                <a:effectLst/>
-                <a:latin typeface="+mn-lt"/>
-                <a:ea typeface="+mn-ea"/>
-                <a:cs typeface="+mn-cs"/>
-              </a:rPr>
-              <a:t>I started with wanting to use an ASP page to populate my flyer, but I eventually removed it.</a:t>
-            </a:r>
-          </a:p>
-          <a:p>
-            <a:pPr marL="0" marR="0" lvl="0" indent="0" algn="l" defTabSz="914400" rtl="0" eaLnBrk="1" fontAlgn="auto" latinLnBrk="0" hangingPunct="1">
-              <a:lnSpc>
-                <a:spcPct val="100000"/>
-              </a:lnSpc>
-              <a:spcBef>
-                <a:spcPts val="0"/>
-              </a:spcBef>
-              <a:spcAft>
-                <a:spcPts val="0"/>
-              </a:spcAft>
-              <a:buClrTx/>
-              <a:buSzTx/>
-              <a:buFontTx/>
-              <a:buNone/>
-              <a:tabLst/>
-              <a:defRPr/>
-            </a:pPr>
-            <a:r>
-              <a:rPr lang="en-US" sz="1200" kern="1200" dirty="0">
-                <a:solidFill>
-                  <a:schemeClr val="tx1"/>
-                </a:solidFill>
-                <a:effectLst/>
-                <a:latin typeface="+mn-lt"/>
-                <a:ea typeface="+mn-ea"/>
-                <a:cs typeface="+mn-cs"/>
-              </a:rPr>
-              <a:t>I decided I wanted to keep the amount of languages in this at a minimum, since others may end up working on this, and I want to keep the application as simple as possible</a:t>
-            </a:r>
-          </a:p>
-          <a:p>
-            <a:pPr marL="0" marR="0" lvl="0" indent="0" algn="l" defTabSz="914400" rtl="0" eaLnBrk="1" fontAlgn="auto" latinLnBrk="0" hangingPunct="1">
-              <a:lnSpc>
-                <a:spcPct val="100000"/>
-              </a:lnSpc>
-              <a:spcBef>
-                <a:spcPts val="0"/>
-              </a:spcBef>
-              <a:spcAft>
-                <a:spcPts val="0"/>
-              </a:spcAft>
-              <a:buClrTx/>
-              <a:buSzTx/>
-              <a:buFontTx/>
-              <a:buNone/>
-              <a:tabLst/>
-              <a:defRPr/>
-            </a:pPr>
             <a:r>
               <a:rPr lang="en-US" dirty="0"/>
-              <a:t>I needed a database to store all the data for the flyer, and decided on a SQL database, since it’s the industry standard and can be managed in Visual Studio</a:t>
-            </a:r>
-          </a:p>
-          <a:p>
-            <a:pPr marL="0" marR="0" lvl="0" indent="0" algn="l" defTabSz="914400" rtl="0" eaLnBrk="1" fontAlgn="auto" latinLnBrk="0" hangingPunct="1">
-              <a:lnSpc>
-                <a:spcPct val="100000"/>
-              </a:lnSpc>
-              <a:spcBef>
-                <a:spcPts val="0"/>
-              </a:spcBef>
-              <a:spcAft>
-                <a:spcPts val="0"/>
-              </a:spcAft>
-              <a:buClrTx/>
-              <a:buSzTx/>
-              <a:buFontTx/>
-              <a:buNone/>
-              <a:tabLst/>
-              <a:defRPr/>
-            </a:pPr>
+              <a:t>For creating the product, I used visual studio 2015 just like my prototype and used my design document</a:t>
+            </a:r>
+          </a:p>
+          <a:p>
             <a:endParaRPr lang="en-US" dirty="0"/>
           </a:p>
           <a:p>
-            <a:pPr marL="0" marR="0" lvl="0" indent="0" algn="l" defTabSz="914400" rtl="0" eaLnBrk="1" fontAlgn="auto" latinLnBrk="0" hangingPunct="1">
-              <a:lnSpc>
-                <a:spcPct val="100000"/>
-              </a:lnSpc>
-              <a:spcBef>
-                <a:spcPts val="0"/>
-              </a:spcBef>
-              <a:spcAft>
-                <a:spcPts val="0"/>
-              </a:spcAft>
-              <a:buClrTx/>
-              <a:buSzTx/>
-              <a:buFontTx/>
-              <a:buNone/>
-              <a:tabLst/>
-              <a:defRPr/>
-            </a:pPr>
             <a:r>
               <a:rPr lang="en-US" dirty="0"/>
-              <a:t>So, I continued developing my</a:t>
-            </a:r>
-            <a:r>
-              <a:rPr lang="en-US" sz="1200" kern="1200" dirty="0">
-                <a:solidFill>
-                  <a:schemeClr val="tx1"/>
-                </a:solidFill>
-                <a:effectLst/>
-                <a:latin typeface="+mn-lt"/>
-                <a:ea typeface="+mn-ea"/>
-                <a:cs typeface="+mn-cs"/>
-              </a:rPr>
-              <a:t> Software Design Document (SDD), Software Product Management Plan (SPMP),  Schedule,  Coding Standards Document, Software Test Document (STD), Risk Management Document and my Software Requirement Specification (SRS)</a:t>
-            </a:r>
-          </a:p>
-          <a:p>
-            <a:pPr marL="0" marR="0" lvl="0" indent="0" algn="l" defTabSz="914400" rtl="0" eaLnBrk="1" fontAlgn="auto" latinLnBrk="0" hangingPunct="1">
-              <a:lnSpc>
-                <a:spcPct val="100000"/>
-              </a:lnSpc>
-              <a:spcBef>
-                <a:spcPts val="0"/>
-              </a:spcBef>
-              <a:spcAft>
-                <a:spcPts val="0"/>
-              </a:spcAft>
-              <a:buClrTx/>
-              <a:buSzTx/>
-              <a:buFontTx/>
-              <a:buNone/>
-              <a:tabLst/>
-              <a:defRPr/>
-            </a:pPr>
-            <a:endParaRPr lang="en-US" sz="1200" kern="1200" dirty="0">
-              <a:solidFill>
-                <a:schemeClr val="tx1"/>
-              </a:solidFill>
-              <a:effectLst/>
-              <a:latin typeface="+mn-lt"/>
-              <a:ea typeface="+mn-ea"/>
-              <a:cs typeface="+mn-cs"/>
-            </a:endParaRPr>
-          </a:p>
-          <a:p>
-            <a:pPr marL="0" marR="0" lvl="0" indent="0" algn="l" defTabSz="914400" rtl="0" eaLnBrk="1" fontAlgn="auto" latinLnBrk="0" hangingPunct="1">
-              <a:lnSpc>
-                <a:spcPct val="100000"/>
-              </a:lnSpc>
-              <a:spcBef>
-                <a:spcPts val="0"/>
-              </a:spcBef>
-              <a:spcAft>
-                <a:spcPts val="0"/>
-              </a:spcAft>
-              <a:buClrTx/>
-              <a:buSzTx/>
-              <a:buFontTx/>
-              <a:buNone/>
-              <a:tabLst/>
-              <a:defRPr/>
-            </a:pPr>
-            <a:r>
-              <a:rPr lang="en-US" sz="1200" kern="1200" dirty="0">
-                <a:solidFill>
-                  <a:schemeClr val="tx1"/>
-                </a:solidFill>
-                <a:effectLst/>
-                <a:latin typeface="+mn-lt"/>
-                <a:ea typeface="+mn-ea"/>
-                <a:cs typeface="+mn-cs"/>
-              </a:rPr>
-              <a:t>I started my prototype early on as well, since my client is not very experienced with computers either, and I felt like having him see what my design idea were early on will help him to list requirements for the program</a:t>
-            </a:r>
-          </a:p>
-          <a:p>
-            <a:pPr marL="0" marR="0" lvl="0" indent="0" algn="l" defTabSz="914400" rtl="0" eaLnBrk="1" fontAlgn="auto" latinLnBrk="0" hangingPunct="1">
-              <a:lnSpc>
-                <a:spcPct val="100000"/>
-              </a:lnSpc>
-              <a:spcBef>
-                <a:spcPts val="0"/>
-              </a:spcBef>
-              <a:spcAft>
-                <a:spcPts val="0"/>
-              </a:spcAft>
-              <a:buClrTx/>
-              <a:buSzTx/>
-              <a:buFontTx/>
-              <a:buNone/>
-              <a:tabLst/>
-              <a:defRPr/>
-            </a:pPr>
-            <a:r>
-              <a:rPr lang="en-US" sz="1200" kern="1200" dirty="0">
-                <a:solidFill>
-                  <a:schemeClr val="tx1"/>
-                </a:solidFill>
-                <a:effectLst/>
-                <a:latin typeface="+mn-lt"/>
-                <a:ea typeface="+mn-ea"/>
-                <a:cs typeface="+mn-cs"/>
-              </a:rPr>
-              <a:t>I feel like this was a great plan, every prototype and discussion got us closer and closer to the (hopefully) final SRS requirements</a:t>
-            </a:r>
-          </a:p>
-          <a:p>
-            <a:pPr marL="0" marR="0" lvl="0" indent="0" algn="l" defTabSz="914400" rtl="0" eaLnBrk="1" fontAlgn="auto" latinLnBrk="0" hangingPunct="1">
-              <a:lnSpc>
-                <a:spcPct val="100000"/>
-              </a:lnSpc>
-              <a:spcBef>
-                <a:spcPts val="0"/>
-              </a:spcBef>
-              <a:spcAft>
-                <a:spcPts val="0"/>
-              </a:spcAft>
-              <a:buClrTx/>
-              <a:buSzTx/>
-              <a:buFontTx/>
-              <a:buNone/>
-              <a:tabLst/>
-              <a:defRPr/>
-            </a:pPr>
-            <a:endParaRPr lang="en-US" sz="1200" kern="1200" dirty="0">
-              <a:solidFill>
-                <a:schemeClr val="tx1"/>
-              </a:solidFill>
-              <a:effectLst/>
-              <a:latin typeface="+mn-lt"/>
-              <a:ea typeface="+mn-ea"/>
-              <a:cs typeface="+mn-cs"/>
-            </a:endParaRPr>
-          </a:p>
-          <a:p>
-            <a:pPr marL="0" marR="0" lvl="0" indent="0" algn="l" defTabSz="914400" rtl="0" eaLnBrk="1" fontAlgn="auto" latinLnBrk="0" hangingPunct="1">
-              <a:lnSpc>
-                <a:spcPct val="100000"/>
-              </a:lnSpc>
-              <a:spcBef>
-                <a:spcPts val="0"/>
-              </a:spcBef>
-              <a:spcAft>
-                <a:spcPts val="0"/>
-              </a:spcAft>
-              <a:buClrTx/>
-              <a:buSzTx/>
-              <a:buFontTx/>
-              <a:buNone/>
-              <a:tabLst/>
-              <a:defRPr/>
-            </a:pPr>
-            <a:r>
-              <a:rPr lang="en-US" sz="1200" kern="1200" dirty="0">
-                <a:solidFill>
-                  <a:schemeClr val="tx1"/>
-                </a:solidFill>
-                <a:effectLst/>
-                <a:latin typeface="+mn-lt"/>
-                <a:ea typeface="+mn-ea"/>
-                <a:cs typeface="+mn-cs"/>
-              </a:rPr>
-              <a:t>In actuality, this wasn’t an infinite process, it was an iterative process</a:t>
-            </a:r>
-          </a:p>
-          <a:p>
-            <a:pPr marL="0" marR="0" lvl="0" indent="0" algn="l" defTabSz="914400" rtl="0" eaLnBrk="1" fontAlgn="auto" latinLnBrk="0" hangingPunct="1">
-              <a:lnSpc>
-                <a:spcPct val="100000"/>
-              </a:lnSpc>
-              <a:spcBef>
-                <a:spcPts val="0"/>
-              </a:spcBef>
-              <a:spcAft>
-                <a:spcPts val="0"/>
-              </a:spcAft>
-              <a:buClrTx/>
-              <a:buSzTx/>
-              <a:buFontTx/>
-              <a:buNone/>
-              <a:tabLst/>
-              <a:defRPr/>
-            </a:pPr>
-            <a:endParaRPr lang="en-US" sz="1200" kern="1200" dirty="0">
-              <a:solidFill>
-                <a:schemeClr val="tx1"/>
-              </a:solidFill>
-              <a:effectLst/>
-              <a:latin typeface="+mn-lt"/>
-              <a:ea typeface="+mn-ea"/>
-              <a:cs typeface="+mn-cs"/>
-            </a:endParaRPr>
+              <a:t>I started a new project and did not copy over my classes from the prototype</a:t>
+            </a:r>
+          </a:p>
+          <a:p>
+            <a:r>
+              <a:rPr lang="en-US" dirty="0"/>
+              <a:t>Still, there were some methods in my prototype that were fully applicable to my final product, so those were refactored and copied over</a:t>
+            </a:r>
+          </a:p>
+          <a:p>
+            <a:endParaRPr lang="en-US" dirty="0"/>
+          </a:p>
+          <a:p>
+            <a:r>
+              <a:rPr lang="en-US" dirty="0"/>
+              <a:t>I stuck with MVVM and Caliburn for the final project and made various improvements in how my software was organized throughout the project</a:t>
+            </a:r>
+          </a:p>
+          <a:p>
+            <a:endParaRPr lang="en-US" dirty="0"/>
+          </a:p>
+          <a:p>
+            <a:r>
+              <a:rPr lang="en-US" dirty="0"/>
+              <a:t>I created a SQLite Database in Visual Studio and implemented application-level access to the database via my database interface class, which has all my database queries stored in one located</a:t>
+            </a:r>
+          </a:p>
+          <a:p>
+            <a:endParaRPr lang="en-US" dirty="0"/>
+          </a:p>
+          <a:p>
+            <a:r>
+              <a:rPr lang="en-US" dirty="0"/>
+              <a:t>Overall my implementation as very close to my design documents, which was encouraging</a:t>
+            </a:r>
+          </a:p>
+          <a:p>
+            <a:endParaRPr lang="en-US" dirty="0"/>
+          </a:p>
+          <a:p>
+            <a:r>
+              <a:rPr lang="en-US" dirty="0"/>
+              <a:t>Still used Git Extensions to track commits to SRS items where applicable.</a:t>
+            </a:r>
+          </a:p>
+          <a:p>
+            <a:r>
+              <a:rPr lang="en-US" dirty="0"/>
+              <a:t>Only working on project by myself, but my degree is for software engineering, so good software engineering practices are required</a:t>
+            </a:r>
           </a:p>
         </p:txBody>
       </p:sp>
@@ -2138,14 +2291,14 @@
               <a:rPr lang="en-US" smtClean="0"/>
               <a:t>7</a:t>
             </a:fld>
-            <a:endParaRPr lang="en-US" dirty="0"/>
+            <a:endParaRPr lang="en-US"/>
           </a:p>
         </p:txBody>
       </p:sp>
     </p:spTree>
     <p:extLst>
       <p:ext uri="{BB962C8B-B14F-4D97-AF65-F5344CB8AC3E}">
-        <p14:creationId xmlns:p14="http://schemas.microsoft.com/office/powerpoint/2010/main" val="4119035330"/>
+        <p14:creationId xmlns:p14="http://schemas.microsoft.com/office/powerpoint/2010/main" val="1941768749"/>
       </p:ext>
     </p:extLst>
   </p:cSld>
@@ -2201,80 +2354,74 @@
           <a:p>
             <a:r>
               <a:rPr lang="en-US" dirty="0"/>
-              <a:t>So, here’s a picture of my flyer creation form in the prototype</a:t>
-            </a:r>
+              <a:t>I used Microsoft Azure to generate a virtual machine to run the program. Reference: https://azure.microsoft.com/</a:t>
+            </a:r>
+          </a:p>
+          <a:p>
+            <a:endParaRPr lang="en-US" dirty="0"/>
           </a:p>
           <a:p>
             <a:r>
               <a:rPr lang="en-US" dirty="0"/>
-              <a:t>As you can see, it’s not pretty yet.</a:t>
-            </a:r>
+              <a:t>This was so we could keep the files under source control and backed up as well</a:t>
+            </a:r>
+          </a:p>
+          <a:p>
+            <a:endParaRPr lang="en-US" dirty="0"/>
           </a:p>
           <a:p>
             <a:r>
               <a:rPr lang="en-US" dirty="0"/>
-              <a:t>This prototype wasn’t much more than verifying C#, MVVM and Caliburn would all play well together and allow me to confirm that I can implement my design as I expect</a:t>
+              <a:t>First step was getting the machine set up to run the program</a:t>
             </a:r>
           </a:p>
           <a:p>
             <a:r>
               <a:rPr lang="en-US" dirty="0"/>
-              <a:t>It’s a throwaway UI, in that I am not going to use it in any form for the full program</a:t>
+              <a:t>This was pretty simple, but still took some time to install SQL Express, and I struggled for 30 minutes to an hour or so getting the right add-ons installed</a:t>
+            </a:r>
+          </a:p>
+          <a:p>
+            <a:r>
+              <a:rPr lang="en-US" dirty="0"/>
+              <a:t>Made a machine image to prevent me from redoing work</a:t>
             </a:r>
           </a:p>
           <a:p>
             <a:endParaRPr lang="en-US" dirty="0"/>
           </a:p>
           <a:p>
+            <a:r>
+              <a:rPr lang="en-US" dirty="0"/>
+              <a:t>Then, it was setting up user accounts, and making sure people could connect to the service.</a:t>
+            </a:r>
+          </a:p>
+          <a:p>
             <a:endParaRPr lang="en-US" dirty="0"/>
           </a:p>
           <a:p>
             <a:r>
               <a:rPr lang="en-US" dirty="0"/>
-              <a:t>The way the project will be used will be as follows</a:t>
+              <a:t>Still, I feel like this entire section should be done better</a:t>
+            </a:r>
+          </a:p>
+          <a:p>
+            <a:r>
+              <a:rPr lang="en-US" dirty="0"/>
+              <a:t>The program would be much more efficient and easier to deploy and access as a web app, this is something I plan to do after this semester by embedding my C# code in an ASP project using Razor, or at least, that’s my current idea</a:t>
+            </a:r>
+          </a:p>
+          <a:p>
+            <a:r>
+              <a:rPr lang="en-US" dirty="0"/>
+              <a:t>Going from MVVM to MVC shouldn’t require that much effort, or at least I hope not, think I’ll be spending some time designing and estimating this part before jumping into it</a:t>
             </a:r>
           </a:p>
           <a:p>
             <a:endParaRPr lang="en-US" dirty="0"/>
           </a:p>
           <a:p>
-            <a:r>
-              <a:rPr lang="en-US" dirty="0"/>
-              <a:t>A store manager logs onto a virtual machine and enters in their user name and password via standard windows authentication services</a:t>
-            </a:r>
-          </a:p>
-          <a:p>
-            <a:r>
-              <a:rPr lang="en-US" dirty="0"/>
-              <a:t>A flyer creator page will display (a better looking version of this one)</a:t>
-            </a:r>
-          </a:p>
-          <a:p>
-            <a:r>
-              <a:rPr lang="en-US" dirty="0"/>
-              <a:t>The manager will enter in the flyer type the wish to use </a:t>
-            </a:r>
-          </a:p>
-          <a:p>
-            <a:r>
-              <a:rPr lang="en-US" dirty="0"/>
-              <a:t>The number of items to generate</a:t>
-            </a:r>
-          </a:p>
-          <a:p>
-            <a:r>
-              <a:rPr lang="en-US" dirty="0"/>
-              <a:t>Then they will select an item from a drop down box, which is populated from the SQL database, enter the item’s price, item size, and any miscellaneous notes then and select an image for the flyer to display</a:t>
-            </a:r>
-          </a:p>
-          <a:p>
             <a:endParaRPr lang="en-US" dirty="0"/>
-          </a:p>
-          <a:p>
-            <a:r>
-              <a:rPr lang="en-US" dirty="0"/>
-              <a:t>The generate button will send all of this data to a flyer template to be populated into a flyer that the user can print to a PDF or directly to paper</a:t>
-            </a:r>
           </a:p>
           <a:p>
             <a:endParaRPr lang="en-US" dirty="0"/>
@@ -2303,14 +2450,14 @@
               <a:rPr lang="en-US" smtClean="0"/>
               <a:t>8</a:t>
             </a:fld>
-            <a:endParaRPr lang="en-US" dirty="0"/>
+            <a:endParaRPr lang="en-US"/>
           </a:p>
         </p:txBody>
       </p:sp>
     </p:spTree>
     <p:extLst>
       <p:ext uri="{BB962C8B-B14F-4D97-AF65-F5344CB8AC3E}">
-        <p14:creationId xmlns:p14="http://schemas.microsoft.com/office/powerpoint/2010/main" val="2611027499"/>
+        <p14:creationId xmlns:p14="http://schemas.microsoft.com/office/powerpoint/2010/main" val="1108499309"/>
       </p:ext>
     </p:extLst>
   </p:cSld>
@@ -2366,310 +2513,53 @@
           <a:p>
             <a:r>
               <a:rPr lang="en-US" dirty="0"/>
-              <a:t>And here’s a picture of my GUI that lets the user add data to the database</a:t>
+              <a:t>Finally, I performed continuous testing on the software and re-ran all tests on the Virtual Machine to ensure I had all system requirements written down</a:t>
             </a:r>
           </a:p>
           <a:p>
             <a:r>
               <a:rPr lang="en-US" dirty="0"/>
-              <a:t>Again, it’s not pretty, but was designed to show my client what options the user would have</a:t>
+              <a:t>Added new test cases every time I finished a relevant SRS item</a:t>
             </a:r>
           </a:p>
           <a:p>
             <a:endParaRPr lang="en-US" dirty="0"/>
           </a:p>
           <a:p>
-            <a:pPr marL="0" marR="0" lvl="0" indent="0" algn="l" defTabSz="914400" rtl="0" eaLnBrk="1" fontAlgn="auto" latinLnBrk="0" hangingPunct="1">
-              <a:lnSpc>
-                <a:spcPct val="100000"/>
-              </a:lnSpc>
-              <a:spcBef>
-                <a:spcPts val="0"/>
-              </a:spcBef>
-              <a:spcAft>
-                <a:spcPts val="0"/>
-              </a:spcAft>
-              <a:buClrTx/>
-              <a:buSzTx/>
-              <a:buFontTx/>
-              <a:buNone/>
-              <a:tabLst/>
-              <a:defRPr/>
-            </a:pPr>
             <a:r>
               <a:rPr lang="en-US" dirty="0"/>
-              <a:t>Go through prototype functions and how they relate to design documents</a:t>
-            </a:r>
-          </a:p>
-          <a:p>
-            <a:pPr marL="0" marR="0" lvl="0" indent="0" algn="l" defTabSz="914400" rtl="0" eaLnBrk="1" fontAlgn="auto" latinLnBrk="0" hangingPunct="1">
-              <a:lnSpc>
-                <a:spcPct val="100000"/>
-              </a:lnSpc>
-              <a:spcBef>
-                <a:spcPts val="0"/>
-              </a:spcBef>
-              <a:spcAft>
-                <a:spcPts val="0"/>
-              </a:spcAft>
-              <a:buClrTx/>
-              <a:buSzTx/>
-              <a:buFontTx/>
-              <a:buNone/>
-              <a:tabLst/>
-              <a:defRPr/>
-            </a:pPr>
+              <a:t>Created Test Case document, User’s Manual and System Requirements document</a:t>
+            </a:r>
+          </a:p>
+          <a:p>
+            <a:r>
+              <a:rPr lang="en-US" dirty="0"/>
+              <a:t>The two latter items are SRS requirements, and have also been checked into the Git Source Control</a:t>
+            </a:r>
+          </a:p>
+          <a:p>
             <a:endParaRPr lang="en-US" dirty="0"/>
           </a:p>
           <a:p>
-            <a:pPr marL="0" marR="0" lvl="0" indent="0" algn="l" defTabSz="914400" rtl="0" eaLnBrk="1" fontAlgn="auto" latinLnBrk="0" hangingPunct="1">
-              <a:lnSpc>
-                <a:spcPct val="100000"/>
-              </a:lnSpc>
-              <a:spcBef>
-                <a:spcPts val="0"/>
-              </a:spcBef>
-              <a:spcAft>
-                <a:spcPts val="0"/>
-              </a:spcAft>
-              <a:buClrTx/>
-              <a:buSzTx/>
-              <a:buFontTx/>
-              <a:buNone/>
-              <a:tabLst/>
-              <a:defRPr/>
-            </a:pPr>
             <a:r>
               <a:rPr lang="en-US" dirty="0"/>
-              <a:t>This program is only accessible by district managers or whomever the put in charge of maintaining the database</a:t>
-            </a:r>
-          </a:p>
-          <a:p>
-            <a:pPr marL="0" marR="0" lvl="0" indent="0" algn="l" defTabSz="914400" rtl="0" eaLnBrk="1" fontAlgn="auto" latinLnBrk="0" hangingPunct="1">
-              <a:lnSpc>
-                <a:spcPct val="100000"/>
-              </a:lnSpc>
-              <a:spcBef>
-                <a:spcPts val="0"/>
-              </a:spcBef>
-              <a:spcAft>
-                <a:spcPts val="0"/>
-              </a:spcAft>
-              <a:buClrTx/>
-              <a:buSzTx/>
-              <a:buFontTx/>
-              <a:buNone/>
-              <a:tabLst/>
-              <a:defRPr/>
-            </a:pPr>
+              <a:t>Found many various issues during testing, and documented those to send to Dr. Lohr to show how valuable testing was</a:t>
+            </a:r>
+          </a:p>
+          <a:p>
+            <a:endParaRPr lang="en-US" dirty="0"/>
+          </a:p>
+          <a:p>
             <a:r>
               <a:rPr lang="en-US" dirty="0"/>
-              <a:t>The user will enter an item name, category and up to 3 images</a:t>
-            </a:r>
-          </a:p>
-          <a:p>
-            <a:pPr marL="0" marR="0" lvl="0" indent="0" algn="l" defTabSz="914400" rtl="0" eaLnBrk="1" fontAlgn="auto" latinLnBrk="0" hangingPunct="1">
-              <a:lnSpc>
-                <a:spcPct val="100000"/>
-              </a:lnSpc>
-              <a:spcBef>
-                <a:spcPts val="0"/>
-              </a:spcBef>
-              <a:spcAft>
-                <a:spcPts val="0"/>
-              </a:spcAft>
-              <a:buClrTx/>
-              <a:buSzTx/>
-              <a:buFontTx/>
-              <a:buNone/>
-              <a:tabLst/>
-              <a:defRPr/>
-            </a:pPr>
+              <a:t>This is a shorter section, but don’t think it’s any less important than the previous slides.</a:t>
+            </a:r>
+          </a:p>
+          <a:p>
             <a:r>
               <a:rPr lang="en-US" dirty="0"/>
-              <a:t>Then the user clicks add item to database, and will get a confirmation message informing them the item was added successfully, or if they missed an option, like not adding an image</a:t>
-            </a:r>
-          </a:p>
-          <a:p>
-            <a:pPr marL="0" marR="0" lvl="0" indent="0" algn="l" defTabSz="914400" rtl="0" eaLnBrk="1" fontAlgn="auto" latinLnBrk="0" hangingPunct="1">
-              <a:lnSpc>
-                <a:spcPct val="100000"/>
-              </a:lnSpc>
-              <a:spcBef>
-                <a:spcPts val="0"/>
-              </a:spcBef>
-              <a:spcAft>
-                <a:spcPts val="0"/>
-              </a:spcAft>
-              <a:buClrTx/>
-              <a:buSzTx/>
-              <a:buFontTx/>
-              <a:buNone/>
-              <a:tabLst/>
-              <a:defRPr/>
-            </a:pPr>
-            <a:endParaRPr lang="en-US" dirty="0"/>
-          </a:p>
-          <a:p>
-            <a:pPr marL="0" marR="0" lvl="0" indent="0" algn="l" defTabSz="914400" rtl="0" eaLnBrk="1" fontAlgn="auto" latinLnBrk="0" hangingPunct="1">
-              <a:lnSpc>
-                <a:spcPct val="100000"/>
-              </a:lnSpc>
-              <a:spcBef>
-                <a:spcPts val="0"/>
-              </a:spcBef>
-              <a:spcAft>
-                <a:spcPts val="0"/>
-              </a:spcAft>
-              <a:buClrTx/>
-              <a:buSzTx/>
-              <a:buFontTx/>
-              <a:buNone/>
-              <a:tabLst/>
-              <a:defRPr/>
-            </a:pPr>
-            <a:r>
-              <a:rPr lang="en-US" dirty="0"/>
-              <a:t>My client decided that the district managers don’t need to be able to enter a price field into the database, and the store managers need a item size value in the previous Flyer Creator Window, so I was glad I got us to talk about this early on</a:t>
-            </a:r>
-          </a:p>
-          <a:p>
-            <a:pPr marL="0" marR="0" lvl="0" indent="0" algn="l" defTabSz="914400" rtl="0" eaLnBrk="1" fontAlgn="auto" latinLnBrk="0" hangingPunct="1">
-              <a:lnSpc>
-                <a:spcPct val="100000"/>
-              </a:lnSpc>
-              <a:spcBef>
-                <a:spcPts val="0"/>
-              </a:spcBef>
-              <a:spcAft>
-                <a:spcPts val="0"/>
-              </a:spcAft>
-              <a:buClrTx/>
-              <a:buSzTx/>
-              <a:buFontTx/>
-              <a:buNone/>
-              <a:tabLst/>
-              <a:defRPr/>
-            </a:pPr>
-            <a:r>
-              <a:rPr lang="en-US" dirty="0"/>
-              <a:t>I didn’t go back to update the prototype, which is why you see the price field still there, like I said earlier, this is a throwaway UI</a:t>
-            </a:r>
-          </a:p>
-          <a:p>
-            <a:pPr marL="0" marR="0" lvl="0" indent="0" algn="l" defTabSz="914400" rtl="0" eaLnBrk="1" fontAlgn="auto" latinLnBrk="0" hangingPunct="1">
-              <a:lnSpc>
-                <a:spcPct val="100000"/>
-              </a:lnSpc>
-              <a:spcBef>
-                <a:spcPts val="0"/>
-              </a:spcBef>
-              <a:spcAft>
-                <a:spcPts val="0"/>
-              </a:spcAft>
-              <a:buClrTx/>
-              <a:buSzTx/>
-              <a:buFontTx/>
-              <a:buNone/>
-              <a:tabLst/>
-              <a:defRPr/>
-            </a:pPr>
-            <a:endParaRPr lang="en-US" dirty="0"/>
-          </a:p>
-          <a:p>
-            <a:pPr marL="0" marR="0" lvl="0" indent="0" algn="l" defTabSz="914400" rtl="0" eaLnBrk="1" fontAlgn="auto" latinLnBrk="0" hangingPunct="1">
-              <a:lnSpc>
-                <a:spcPct val="100000"/>
-              </a:lnSpc>
-              <a:spcBef>
-                <a:spcPts val="0"/>
-              </a:spcBef>
-              <a:spcAft>
-                <a:spcPts val="0"/>
-              </a:spcAft>
-              <a:buClrTx/>
-              <a:buSzTx/>
-              <a:buFontTx/>
-              <a:buNone/>
-              <a:tabLst/>
-              <a:defRPr/>
-            </a:pPr>
-            <a:r>
-              <a:rPr lang="en-US" dirty="0"/>
-              <a:t>The category field is to potentially add a sorting feature to the creator program that would be needed if the program takes off and ends up getting populated by 100s of items</a:t>
-            </a:r>
-          </a:p>
-          <a:p>
-            <a:pPr marL="0" marR="0" lvl="0" indent="0" algn="l" defTabSz="914400" rtl="0" eaLnBrk="1" fontAlgn="auto" latinLnBrk="0" hangingPunct="1">
-              <a:lnSpc>
-                <a:spcPct val="100000"/>
-              </a:lnSpc>
-              <a:spcBef>
-                <a:spcPts val="0"/>
-              </a:spcBef>
-              <a:spcAft>
-                <a:spcPts val="0"/>
-              </a:spcAft>
-              <a:buClrTx/>
-              <a:buSzTx/>
-              <a:buFontTx/>
-              <a:buNone/>
-              <a:tabLst/>
-              <a:defRPr/>
-            </a:pPr>
-            <a:r>
-              <a:rPr lang="en-US" dirty="0"/>
-              <a:t>It would just be adding another field to the flyer creator, like cereals – honey nut cheerios</a:t>
-            </a:r>
-          </a:p>
-          <a:p>
-            <a:pPr marL="0" marR="0" lvl="0" indent="0" algn="l" defTabSz="914400" rtl="0" eaLnBrk="1" fontAlgn="auto" latinLnBrk="0" hangingPunct="1">
-              <a:lnSpc>
-                <a:spcPct val="100000"/>
-              </a:lnSpc>
-              <a:spcBef>
-                <a:spcPts val="0"/>
-              </a:spcBef>
-              <a:spcAft>
-                <a:spcPts val="0"/>
-              </a:spcAft>
-              <a:buClrTx/>
-              <a:buSzTx/>
-              <a:buFontTx/>
-              <a:buNone/>
-              <a:tabLst/>
-              <a:defRPr/>
-            </a:pPr>
-            <a:r>
-              <a:rPr lang="en-US" dirty="0"/>
-              <a:t>This isn’t a requirement for this project, because I didn’t think there was enough time to add in a sorting feature, and I feel like that can be worked on if the program actually becomes something the chain wants to use</a:t>
-            </a:r>
-          </a:p>
-          <a:p>
-            <a:pPr marL="0" marR="0" lvl="0" indent="0" algn="l" defTabSz="914400" rtl="0" eaLnBrk="1" fontAlgn="auto" latinLnBrk="0" hangingPunct="1">
-              <a:lnSpc>
-                <a:spcPct val="100000"/>
-              </a:lnSpc>
-              <a:spcBef>
-                <a:spcPts val="0"/>
-              </a:spcBef>
-              <a:spcAft>
-                <a:spcPts val="0"/>
-              </a:spcAft>
-              <a:buClrTx/>
-              <a:buSzTx/>
-              <a:buFontTx/>
-              <a:buNone/>
-              <a:tabLst/>
-              <a:defRPr/>
-            </a:pPr>
-            <a:r>
-              <a:rPr lang="en-US" dirty="0"/>
-              <a:t>I’m trying to avoid requirements creep for the project because I’m limited on hours I can work on this</a:t>
-            </a:r>
-          </a:p>
-          <a:p>
-            <a:endParaRPr lang="en-US" dirty="0"/>
+              <a:t>Properly testing and documenting the software was extremely valuable for ensuring quality, even with a single developer</a:t>
+            </a:r>
           </a:p>
         </p:txBody>
       </p:sp>
@@ -2692,14 +2582,14 @@
               <a:rPr lang="en-US" smtClean="0"/>
               <a:t>9</a:t>
             </a:fld>
-            <a:endParaRPr lang="en-US" dirty="0"/>
+            <a:endParaRPr lang="en-US"/>
           </a:p>
         </p:txBody>
       </p:sp>
     </p:spTree>
     <p:extLst>
       <p:ext uri="{BB962C8B-B14F-4D97-AF65-F5344CB8AC3E}">
-        <p14:creationId xmlns:p14="http://schemas.microsoft.com/office/powerpoint/2010/main" val="2981331255"/>
+        <p14:creationId xmlns:p14="http://schemas.microsoft.com/office/powerpoint/2010/main" val="1466254125"/>
       </p:ext>
     </p:extLst>
   </p:cSld>
@@ -2838,9 +2728,9 @@
           <a:p>
             <a:fld id="{396585B6-2C13-4E10-84B2-CD093CB09F1A}" type="datetimeFigureOut">
               <a:rPr lang="en-US" smtClean="0"/>
-              <a:t>4/26/2017</a:t>
+              <a:t>7/29/2017</a:t>
             </a:fld>
-            <a:endParaRPr lang="en-US" dirty="0"/>
+            <a:endParaRPr lang="en-US"/>
           </a:p>
         </p:txBody>
       </p:sp>
@@ -2859,7 +2749,7 @@
           <a:bodyPr/>
           <a:lstStyle/>
           <a:p>
-            <a:endParaRPr lang="en-US" dirty="0"/>
+            <a:endParaRPr lang="en-US"/>
           </a:p>
         </p:txBody>
       </p:sp>
@@ -2882,7 +2772,7 @@
               <a:rPr lang="en-US" smtClean="0"/>
               <a:t>‹#›</a:t>
             </a:fld>
-            <a:endParaRPr lang="en-US" dirty="0"/>
+            <a:endParaRPr lang="en-US"/>
           </a:p>
         </p:txBody>
       </p:sp>
@@ -3006,9 +2896,9 @@
           <a:p>
             <a:fld id="{396585B6-2C13-4E10-84B2-CD093CB09F1A}" type="datetimeFigureOut">
               <a:rPr lang="en-US" smtClean="0"/>
-              <a:t>4/26/2017</a:t>
+              <a:t>7/29/2017</a:t>
             </a:fld>
-            <a:endParaRPr lang="en-US" dirty="0"/>
+            <a:endParaRPr lang="en-US"/>
           </a:p>
         </p:txBody>
       </p:sp>
@@ -3027,7 +2917,7 @@
           <a:bodyPr/>
           <a:lstStyle/>
           <a:p>
-            <a:endParaRPr lang="en-US" dirty="0"/>
+            <a:endParaRPr lang="en-US"/>
           </a:p>
         </p:txBody>
       </p:sp>
@@ -3050,7 +2940,7 @@
               <a:rPr lang="en-US" smtClean="0"/>
               <a:t>‹#›</a:t>
             </a:fld>
-            <a:endParaRPr lang="en-US" dirty="0"/>
+            <a:endParaRPr lang="en-US"/>
           </a:p>
         </p:txBody>
       </p:sp>
@@ -3184,9 +3074,9 @@
           <a:p>
             <a:fld id="{396585B6-2C13-4E10-84B2-CD093CB09F1A}" type="datetimeFigureOut">
               <a:rPr lang="en-US" smtClean="0"/>
-              <a:t>4/26/2017</a:t>
+              <a:t>7/29/2017</a:t>
             </a:fld>
-            <a:endParaRPr lang="en-US" dirty="0"/>
+            <a:endParaRPr lang="en-US"/>
           </a:p>
         </p:txBody>
       </p:sp>
@@ -3205,7 +3095,7 @@
           <a:bodyPr/>
           <a:lstStyle/>
           <a:p>
-            <a:endParaRPr lang="en-US" dirty="0"/>
+            <a:endParaRPr lang="en-US"/>
           </a:p>
         </p:txBody>
       </p:sp>
@@ -3228,7 +3118,7 @@
               <a:rPr lang="en-US" smtClean="0"/>
               <a:t>‹#›</a:t>
             </a:fld>
-            <a:endParaRPr lang="en-US" dirty="0"/>
+            <a:endParaRPr lang="en-US"/>
           </a:p>
         </p:txBody>
       </p:sp>
@@ -3352,9 +3242,9 @@
           <a:p>
             <a:fld id="{396585B6-2C13-4E10-84B2-CD093CB09F1A}" type="datetimeFigureOut">
               <a:rPr lang="en-US" smtClean="0"/>
-              <a:t>4/26/2017</a:t>
+              <a:t>7/29/2017</a:t>
             </a:fld>
-            <a:endParaRPr lang="en-US" dirty="0"/>
+            <a:endParaRPr lang="en-US"/>
           </a:p>
         </p:txBody>
       </p:sp>
@@ -3373,7 +3263,7 @@
           <a:bodyPr/>
           <a:lstStyle/>
           <a:p>
-            <a:endParaRPr lang="en-US" dirty="0"/>
+            <a:endParaRPr lang="en-US"/>
           </a:p>
         </p:txBody>
       </p:sp>
@@ -3396,7 +3286,7 @@
               <a:rPr lang="en-US" smtClean="0"/>
               <a:t>‹#›</a:t>
             </a:fld>
-            <a:endParaRPr lang="en-US" dirty="0"/>
+            <a:endParaRPr lang="en-US"/>
           </a:p>
         </p:txBody>
       </p:sp>
@@ -3597,9 +3487,9 @@
           <a:p>
             <a:fld id="{396585B6-2C13-4E10-84B2-CD093CB09F1A}" type="datetimeFigureOut">
               <a:rPr lang="en-US" smtClean="0"/>
-              <a:t>4/26/2017</a:t>
+              <a:t>7/29/2017</a:t>
             </a:fld>
-            <a:endParaRPr lang="en-US" dirty="0"/>
+            <a:endParaRPr lang="en-US"/>
           </a:p>
         </p:txBody>
       </p:sp>
@@ -3618,7 +3508,7 @@
           <a:bodyPr/>
           <a:lstStyle/>
           <a:p>
-            <a:endParaRPr lang="en-US" dirty="0"/>
+            <a:endParaRPr lang="en-US"/>
           </a:p>
         </p:txBody>
       </p:sp>
@@ -3641,7 +3531,7 @@
               <a:rPr lang="en-US" smtClean="0"/>
               <a:t>‹#›</a:t>
             </a:fld>
-            <a:endParaRPr lang="en-US" dirty="0"/>
+            <a:endParaRPr lang="en-US"/>
           </a:p>
         </p:txBody>
       </p:sp>
@@ -3826,9 +3716,9 @@
           <a:p>
             <a:fld id="{396585B6-2C13-4E10-84B2-CD093CB09F1A}" type="datetimeFigureOut">
               <a:rPr lang="en-US" smtClean="0"/>
-              <a:t>4/26/2017</a:t>
+              <a:t>7/29/2017</a:t>
             </a:fld>
-            <a:endParaRPr lang="en-US" dirty="0"/>
+            <a:endParaRPr lang="en-US"/>
           </a:p>
         </p:txBody>
       </p:sp>
@@ -3847,7 +3737,7 @@
           <a:bodyPr/>
           <a:lstStyle/>
           <a:p>
-            <a:endParaRPr lang="en-US" dirty="0"/>
+            <a:endParaRPr lang="en-US"/>
           </a:p>
         </p:txBody>
       </p:sp>
@@ -3870,7 +3760,7 @@
               <a:rPr lang="en-US" smtClean="0"/>
               <a:t>‹#›</a:t>
             </a:fld>
-            <a:endParaRPr lang="en-US" dirty="0"/>
+            <a:endParaRPr lang="en-US"/>
           </a:p>
         </p:txBody>
       </p:sp>
@@ -4190,9 +4080,9 @@
           <a:p>
             <a:fld id="{396585B6-2C13-4E10-84B2-CD093CB09F1A}" type="datetimeFigureOut">
               <a:rPr lang="en-US" smtClean="0"/>
-              <a:t>4/26/2017</a:t>
+              <a:t>7/29/2017</a:t>
             </a:fld>
-            <a:endParaRPr lang="en-US" dirty="0"/>
+            <a:endParaRPr lang="en-US"/>
           </a:p>
         </p:txBody>
       </p:sp>
@@ -4211,7 +4101,7 @@
           <a:bodyPr/>
           <a:lstStyle/>
           <a:p>
-            <a:endParaRPr lang="en-US" dirty="0"/>
+            <a:endParaRPr lang="en-US"/>
           </a:p>
         </p:txBody>
       </p:sp>
@@ -4234,7 +4124,7 @@
               <a:rPr lang="en-US" smtClean="0"/>
               <a:t>‹#›</a:t>
             </a:fld>
-            <a:endParaRPr lang="en-US" dirty="0"/>
+            <a:endParaRPr lang="en-US"/>
           </a:p>
         </p:txBody>
       </p:sp>
@@ -4307,9 +4197,9 @@
           <a:p>
             <a:fld id="{396585B6-2C13-4E10-84B2-CD093CB09F1A}" type="datetimeFigureOut">
               <a:rPr lang="en-US" smtClean="0"/>
-              <a:t>4/26/2017</a:t>
+              <a:t>7/29/2017</a:t>
             </a:fld>
-            <a:endParaRPr lang="en-US" dirty="0"/>
+            <a:endParaRPr lang="en-US"/>
           </a:p>
         </p:txBody>
       </p:sp>
@@ -4328,7 +4218,7 @@
           <a:bodyPr/>
           <a:lstStyle/>
           <a:p>
-            <a:endParaRPr lang="en-US" dirty="0"/>
+            <a:endParaRPr lang="en-US"/>
           </a:p>
         </p:txBody>
       </p:sp>
@@ -4351,7 +4241,7 @@
               <a:rPr lang="en-US" smtClean="0"/>
               <a:t>‹#›</a:t>
             </a:fld>
-            <a:endParaRPr lang="en-US" dirty="0"/>
+            <a:endParaRPr lang="en-US"/>
           </a:p>
         </p:txBody>
       </p:sp>
@@ -4402,9 +4292,9 @@
           <a:p>
             <a:fld id="{396585B6-2C13-4E10-84B2-CD093CB09F1A}" type="datetimeFigureOut">
               <a:rPr lang="en-US" smtClean="0"/>
-              <a:t>4/26/2017</a:t>
+              <a:t>7/29/2017</a:t>
             </a:fld>
-            <a:endParaRPr lang="en-US" dirty="0"/>
+            <a:endParaRPr lang="en-US"/>
           </a:p>
         </p:txBody>
       </p:sp>
@@ -4423,7 +4313,7 @@
           <a:bodyPr/>
           <a:lstStyle/>
           <a:p>
-            <a:endParaRPr lang="en-US" dirty="0"/>
+            <a:endParaRPr lang="en-US"/>
           </a:p>
         </p:txBody>
       </p:sp>
@@ -4446,7 +4336,7 @@
               <a:rPr lang="en-US" smtClean="0"/>
               <a:t>‹#›</a:t>
             </a:fld>
-            <a:endParaRPr lang="en-US" dirty="0"/>
+            <a:endParaRPr lang="en-US"/>
           </a:p>
         </p:txBody>
       </p:sp>
@@ -4677,9 +4567,9 @@
           <a:p>
             <a:fld id="{396585B6-2C13-4E10-84B2-CD093CB09F1A}" type="datetimeFigureOut">
               <a:rPr lang="en-US" smtClean="0"/>
-              <a:t>4/26/2017</a:t>
+              <a:t>7/29/2017</a:t>
             </a:fld>
-            <a:endParaRPr lang="en-US" dirty="0"/>
+            <a:endParaRPr lang="en-US"/>
           </a:p>
         </p:txBody>
       </p:sp>
@@ -4698,7 +4588,7 @@
           <a:bodyPr/>
           <a:lstStyle/>
           <a:p>
-            <a:endParaRPr lang="en-US" dirty="0"/>
+            <a:endParaRPr lang="en-US"/>
           </a:p>
         </p:txBody>
       </p:sp>
@@ -4721,7 +4611,7 @@
               <a:rPr lang="en-US" smtClean="0"/>
               <a:t>‹#›</a:t>
             </a:fld>
-            <a:endParaRPr lang="en-US" dirty="0"/>
+            <a:endParaRPr lang="en-US"/>
           </a:p>
         </p:txBody>
       </p:sp>
@@ -4843,7 +4733,7 @@
             </a:lvl9pPr>
           </a:lstStyle>
           <a:p>
-            <a:endParaRPr lang="en-US" dirty="0"/>
+            <a:endParaRPr lang="en-US"/>
           </a:p>
         </p:txBody>
       </p:sp>
@@ -4929,9 +4819,9 @@
           <a:p>
             <a:fld id="{396585B6-2C13-4E10-84B2-CD093CB09F1A}" type="datetimeFigureOut">
               <a:rPr lang="en-US" smtClean="0"/>
-              <a:t>4/26/2017</a:t>
+              <a:t>7/29/2017</a:t>
             </a:fld>
-            <a:endParaRPr lang="en-US" dirty="0"/>
+            <a:endParaRPr lang="en-US"/>
           </a:p>
         </p:txBody>
       </p:sp>
@@ -4950,7 +4840,7 @@
           <a:bodyPr/>
           <a:lstStyle/>
           <a:p>
-            <a:endParaRPr lang="en-US" dirty="0"/>
+            <a:endParaRPr lang="en-US"/>
           </a:p>
         </p:txBody>
       </p:sp>
@@ -4973,7 +4863,7 @@
               <a:rPr lang="en-US" smtClean="0"/>
               <a:t>‹#›</a:t>
             </a:fld>
-            <a:endParaRPr lang="en-US" dirty="0"/>
+            <a:endParaRPr lang="en-US"/>
           </a:p>
         </p:txBody>
       </p:sp>
@@ -5140,9 +5030,9 @@
           <a:p>
             <a:fld id="{396585B6-2C13-4E10-84B2-CD093CB09F1A}" type="datetimeFigureOut">
               <a:rPr lang="en-US" smtClean="0"/>
-              <a:t>4/26/2017</a:t>
+              <a:t>7/29/2017</a:t>
             </a:fld>
-            <a:endParaRPr lang="en-US" dirty="0"/>
+            <a:endParaRPr lang="en-US"/>
           </a:p>
         </p:txBody>
       </p:sp>
@@ -5179,7 +5069,7 @@
             </a:lvl1pPr>
           </a:lstStyle>
           <a:p>
-            <a:endParaRPr lang="en-US" dirty="0"/>
+            <a:endParaRPr lang="en-US"/>
           </a:p>
         </p:txBody>
       </p:sp>
@@ -5220,7 +5110,7 @@
               <a:rPr lang="en-US" smtClean="0"/>
               <a:t>‹#›</a:t>
             </a:fld>
-            <a:endParaRPr lang="en-US" dirty="0"/>
+            <a:endParaRPr lang="en-US"/>
           </a:p>
         </p:txBody>
       </p:sp>
@@ -5531,6 +5421,16 @@
 <file path=ppt/slides/slide1.xml><?xml version="1.0" encoding="utf-8"?>
 <p:sld xmlns:a="http://schemas.openxmlformats.org/drawingml/2006/main" xmlns:r="http://schemas.openxmlformats.org/officeDocument/2006/relationships" xmlns:p="http://schemas.openxmlformats.org/presentationml/2006/main">
   <p:cSld>
+    <p:bg>
+      <p:bgPr>
+        <a:solidFill>
+          <a:schemeClr val="accent3">
+            <a:lumMod val="75000"/>
+          </a:schemeClr>
+        </a:solidFill>
+        <a:effectLst/>
+      </p:bgPr>
+    </p:bg>
     <p:spTree>
       <p:nvGrpSpPr>
         <p:cNvPr id="1" name=""/>
@@ -5547,6 +5447,343 @@
       </p:grpSpPr>
       <p:sp>
         <p:nvSpPr>
+          <p:cNvPr id="8" name="Rectangle 7"/>
+          <p:cNvSpPr>
+            <a:spLocks noGrp="1" noRot="1" noChangeAspect="1" noMove="1" noResize="1" noEditPoints="1" noAdjustHandles="1" noChangeArrowheads="1" noChangeShapeType="1" noTextEdit="1"/>
+          </p:cNvSpPr>
+          <p:nvPr>
+            <p:extLst>
+              <p:ext uri="{386F3935-93C4-4BCD-93E2-E3B085C9AB24}">
+                <p16:designElem xmlns:p16="http://schemas.microsoft.com/office/powerpoint/2015/main" val="1"/>
+              </p:ext>
+            </p:extLst>
+          </p:nvPr>
+        </p:nvSpPr>
+        <p:spPr>
+          <a:xfrm>
+            <a:off x="0" y="-3324"/>
+            <a:ext cx="12192000" cy="6861324"/>
+          </a:xfrm>
+          <a:prstGeom prst="rect">
+            <a:avLst/>
+          </a:prstGeom>
+          <a:solidFill>
+            <a:schemeClr val="accent3">
+              <a:lumMod val="75000"/>
+            </a:schemeClr>
+          </a:solidFill>
+          <a:ln>
+            <a:noFill/>
+          </a:ln>
+        </p:spPr>
+        <p:style>
+          <a:lnRef idx="2">
+            <a:schemeClr val="accent1">
+              <a:shade val="50000"/>
+            </a:schemeClr>
+          </a:lnRef>
+          <a:fillRef idx="1">
+            <a:schemeClr val="accent1"/>
+          </a:fillRef>
+          <a:effectRef idx="0">
+            <a:schemeClr val="accent1"/>
+          </a:effectRef>
+          <a:fontRef idx="minor">
+            <a:schemeClr val="lt1"/>
+          </a:fontRef>
+        </p:style>
+        <p:txBody>
+          <a:bodyPr rtlCol="0" anchor="ctr"/>
+          <a:lstStyle/>
+          <a:p>
+            <a:pPr algn="ctr"/>
+            <a:endParaRPr lang="en-US"/>
+          </a:p>
+        </p:txBody>
+      </p:sp>
+      <p:sp>
+        <p:nvSpPr>
+          <p:cNvPr id="10" name="Freeform 3"/>
+          <p:cNvSpPr>
+            <a:spLocks noGrp="1" noRot="1" noChangeAspect="1" noMove="1" noResize="1" noEditPoints="1" noAdjustHandles="1" noChangeArrowheads="1" noChangeShapeType="1" noTextEdit="1"/>
+          </p:cNvSpPr>
+          <p:nvPr>
+            <p:extLst>
+              <p:ext uri="{386F3935-93C4-4BCD-93E2-E3B085C9AB24}">
+                <p16:designElem xmlns:p16="http://schemas.microsoft.com/office/powerpoint/2015/main" val="1"/>
+              </p:ext>
+            </p:extLst>
+          </p:nvPr>
+        </p:nvSpPr>
+        <p:spPr>
+          <a:xfrm>
+            <a:off x="1246925" y="-479"/>
+            <a:ext cx="9468701" cy="6858478"/>
+          </a:xfrm>
+          <a:custGeom>
+            <a:avLst/>
+            <a:gdLst>
+              <a:gd name="connsiteX0" fmla="*/ 0 w 8078051"/>
+              <a:gd name="connsiteY0" fmla="*/ 0 h 5829300"/>
+              <a:gd name="connsiteX1" fmla="*/ 4453793 w 8078051"/>
+              <a:gd name="connsiteY1" fmla="*/ 0 h 5829300"/>
+              <a:gd name="connsiteX2" fmla="*/ 5363426 w 8078051"/>
+              <a:gd name="connsiteY2" fmla="*/ 0 h 5829300"/>
+              <a:gd name="connsiteX3" fmla="*/ 5368184 w 8078051"/>
+              <a:gd name="connsiteY3" fmla="*/ 0 h 5829300"/>
+              <a:gd name="connsiteX4" fmla="*/ 8078051 w 8078051"/>
+              <a:gd name="connsiteY4" fmla="*/ 5829300 h 5829300"/>
+              <a:gd name="connsiteX5" fmla="*/ 1743926 w 8078051"/>
+              <a:gd name="connsiteY5" fmla="*/ 5829300 h 5829300"/>
+              <a:gd name="connsiteX6" fmla="*/ 1744148 w 8078051"/>
+              <a:gd name="connsiteY6" fmla="*/ 5828822 h 5829300"/>
+              <a:gd name="connsiteX7" fmla="*/ 0 w 8078051"/>
+              <a:gd name="connsiteY7" fmla="*/ 5828822 h 5829300"/>
+            </a:gdLst>
+            <a:ahLst/>
+            <a:cxnLst>
+              <a:cxn ang="0">
+                <a:pos x="connsiteX0" y="connsiteY0"/>
+              </a:cxn>
+              <a:cxn ang="0">
+                <a:pos x="connsiteX1" y="connsiteY1"/>
+              </a:cxn>
+              <a:cxn ang="0">
+                <a:pos x="connsiteX2" y="connsiteY2"/>
+              </a:cxn>
+              <a:cxn ang="0">
+                <a:pos x="connsiteX3" y="connsiteY3"/>
+              </a:cxn>
+              <a:cxn ang="0">
+                <a:pos x="connsiteX4" y="connsiteY4"/>
+              </a:cxn>
+              <a:cxn ang="0">
+                <a:pos x="connsiteX5" y="connsiteY5"/>
+              </a:cxn>
+              <a:cxn ang="0">
+                <a:pos x="connsiteX6" y="connsiteY6"/>
+              </a:cxn>
+              <a:cxn ang="0">
+                <a:pos x="connsiteX7" y="connsiteY7"/>
+              </a:cxn>
+            </a:cxnLst>
+            <a:rect l="l" t="t" r="r" b="b"/>
+            <a:pathLst>
+              <a:path w="8078051" h="5829300">
+                <a:moveTo>
+                  <a:pt x="0" y="0"/>
+                </a:moveTo>
+                <a:lnTo>
+                  <a:pt x="4453793" y="0"/>
+                </a:lnTo>
+                <a:lnTo>
+                  <a:pt x="5363426" y="0"/>
+                </a:lnTo>
+                <a:lnTo>
+                  <a:pt x="5368184" y="0"/>
+                </a:lnTo>
+                <a:lnTo>
+                  <a:pt x="8078051" y="5829300"/>
+                </a:lnTo>
+                <a:lnTo>
+                  <a:pt x="1743926" y="5829300"/>
+                </a:lnTo>
+                <a:lnTo>
+                  <a:pt x="1744148" y="5828822"/>
+                </a:lnTo>
+                <a:lnTo>
+                  <a:pt x="0" y="5828822"/>
+                </a:lnTo>
+                <a:close/>
+              </a:path>
+            </a:pathLst>
+          </a:custGeom>
+          <a:solidFill>
+            <a:schemeClr val="bg1">
+              <a:lumMod val="85000"/>
+              <a:lumOff val="15000"/>
+              <a:alpha val="70000"/>
+            </a:schemeClr>
+          </a:solidFill>
+          <a:ln>
+            <a:noFill/>
+          </a:ln>
+        </p:spPr>
+        <p:style>
+          <a:lnRef idx="2">
+            <a:schemeClr val="accent1">
+              <a:shade val="50000"/>
+            </a:schemeClr>
+          </a:lnRef>
+          <a:fillRef idx="1">
+            <a:schemeClr val="accent1"/>
+          </a:fillRef>
+          <a:effectRef idx="0">
+            <a:schemeClr val="accent1"/>
+          </a:effectRef>
+          <a:fontRef idx="minor">
+            <a:schemeClr val="lt1"/>
+          </a:fontRef>
+        </p:style>
+        <p:txBody>
+          <a:bodyPr rtlCol="0" anchor="ctr"/>
+          <a:lstStyle/>
+          <a:p>
+            <a:pPr algn="ctr"/>
+            <a:endParaRPr lang="en-US"/>
+          </a:p>
+        </p:txBody>
+      </p:sp>
+      <p:sp>
+        <p:nvSpPr>
+          <p:cNvPr id="12" name="Freeform 16"/>
+          <p:cNvSpPr>
+            <a:spLocks noGrp="1" noRot="1" noChangeAspect="1" noMove="1" noResize="1" noEditPoints="1" noAdjustHandles="1" noChangeArrowheads="1" noChangeShapeType="1" noTextEdit="1"/>
+          </p:cNvSpPr>
+          <p:nvPr>
+            <p:extLst>
+              <p:ext uri="{386F3935-93C4-4BCD-93E2-E3B085C9AB24}">
+                <p16:designElem xmlns:p16="http://schemas.microsoft.com/office/powerpoint/2015/main" val="1"/>
+              </p:ext>
+            </p:extLst>
+          </p:nvPr>
+        </p:nvSpPr>
+        <p:spPr>
+          <a:xfrm>
+            <a:off x="-1" y="-479"/>
+            <a:ext cx="9324977" cy="6858479"/>
+          </a:xfrm>
+          <a:custGeom>
+            <a:avLst/>
+            <a:gdLst>
+              <a:gd name="connsiteX0" fmla="*/ 1246925 w 9324977"/>
+              <a:gd name="connsiteY0" fmla="*/ 0 h 6858479"/>
+              <a:gd name="connsiteX1" fmla="*/ 5076797 w 9324977"/>
+              <a:gd name="connsiteY1" fmla="*/ 0 h 6858479"/>
+              <a:gd name="connsiteX2" fmla="*/ 6143025 w 9324977"/>
+              <a:gd name="connsiteY2" fmla="*/ 0 h 6858479"/>
+              <a:gd name="connsiteX3" fmla="*/ 6148602 w 9324977"/>
+              <a:gd name="connsiteY3" fmla="*/ 0 h 6858479"/>
+              <a:gd name="connsiteX4" fmla="*/ 9324977 w 9324977"/>
+              <a:gd name="connsiteY4" fmla="*/ 6858478 h 6858479"/>
+              <a:gd name="connsiteX5" fmla="*/ 3359025 w 9324977"/>
+              <a:gd name="connsiteY5" fmla="*/ 6858478 h 6858479"/>
+              <a:gd name="connsiteX6" fmla="*/ 3359025 w 9324977"/>
+              <a:gd name="connsiteY6" fmla="*/ 6858479 h 6858479"/>
+              <a:gd name="connsiteX7" fmla="*/ 0 w 9324977"/>
+              <a:gd name="connsiteY7" fmla="*/ 6858479 h 6858479"/>
+              <a:gd name="connsiteX8" fmla="*/ 0 w 9324977"/>
+              <a:gd name="connsiteY8" fmla="*/ 479 h 6858479"/>
+              <a:gd name="connsiteX9" fmla="*/ 1246925 w 9324977"/>
+              <a:gd name="connsiteY9" fmla="*/ 479 h 6858479"/>
+            </a:gdLst>
+            <a:ahLst/>
+            <a:cxnLst>
+              <a:cxn ang="0">
+                <a:pos x="connsiteX0" y="connsiteY0"/>
+              </a:cxn>
+              <a:cxn ang="0">
+                <a:pos x="connsiteX1" y="connsiteY1"/>
+              </a:cxn>
+              <a:cxn ang="0">
+                <a:pos x="connsiteX2" y="connsiteY2"/>
+              </a:cxn>
+              <a:cxn ang="0">
+                <a:pos x="connsiteX3" y="connsiteY3"/>
+              </a:cxn>
+              <a:cxn ang="0">
+                <a:pos x="connsiteX4" y="connsiteY4"/>
+              </a:cxn>
+              <a:cxn ang="0">
+                <a:pos x="connsiteX5" y="connsiteY5"/>
+              </a:cxn>
+              <a:cxn ang="0">
+                <a:pos x="connsiteX6" y="connsiteY6"/>
+              </a:cxn>
+              <a:cxn ang="0">
+                <a:pos x="connsiteX7" y="connsiteY7"/>
+              </a:cxn>
+              <a:cxn ang="0">
+                <a:pos x="connsiteX8" y="connsiteY8"/>
+              </a:cxn>
+              <a:cxn ang="0">
+                <a:pos x="connsiteX9" y="connsiteY9"/>
+              </a:cxn>
+            </a:cxnLst>
+            <a:rect l="l" t="t" r="r" b="b"/>
+            <a:pathLst>
+              <a:path w="9324977" h="6858479">
+                <a:moveTo>
+                  <a:pt x="1246925" y="0"/>
+                </a:moveTo>
+                <a:lnTo>
+                  <a:pt x="5076797" y="0"/>
+                </a:lnTo>
+                <a:lnTo>
+                  <a:pt x="6143025" y="0"/>
+                </a:lnTo>
+                <a:lnTo>
+                  <a:pt x="6148602" y="0"/>
+                </a:lnTo>
+                <a:lnTo>
+                  <a:pt x="9324977" y="6858478"/>
+                </a:lnTo>
+                <a:lnTo>
+                  <a:pt x="3359025" y="6858478"/>
+                </a:lnTo>
+                <a:lnTo>
+                  <a:pt x="3359025" y="6858479"/>
+                </a:lnTo>
+                <a:lnTo>
+                  <a:pt x="0" y="6858479"/>
+                </a:lnTo>
+                <a:lnTo>
+                  <a:pt x="0" y="479"/>
+                </a:lnTo>
+                <a:lnTo>
+                  <a:pt x="1246925" y="479"/>
+                </a:lnTo>
+                <a:close/>
+              </a:path>
+            </a:pathLst>
+          </a:custGeom>
+          <a:solidFill>
+            <a:schemeClr val="bg1">
+              <a:lumMod val="85000"/>
+              <a:lumOff val="15000"/>
+            </a:schemeClr>
+          </a:solidFill>
+          <a:ln>
+            <a:noFill/>
+          </a:ln>
+        </p:spPr>
+        <p:style>
+          <a:lnRef idx="2">
+            <a:schemeClr val="accent1">
+              <a:shade val="50000"/>
+            </a:schemeClr>
+          </a:lnRef>
+          <a:fillRef idx="1">
+            <a:schemeClr val="accent1"/>
+          </a:fillRef>
+          <a:effectRef idx="0">
+            <a:schemeClr val="accent1"/>
+          </a:effectRef>
+          <a:fontRef idx="minor">
+            <a:schemeClr val="lt1"/>
+          </a:fontRef>
+        </p:style>
+        <p:txBody>
+          <a:bodyPr rtlCol="0" anchor="ctr"/>
+          <a:lstStyle/>
+          <a:p>
+            <a:pPr algn="ctr"/>
+            <a:endParaRPr lang="en-US"/>
+          </a:p>
+        </p:txBody>
+      </p:sp>
+      <p:sp>
+        <p:nvSpPr>
           <p:cNvPr id="2" name="Title 1"/>
           <p:cNvSpPr>
             <a:spLocks noGrp="1"/>
@@ -5555,14 +5792,21 @@
             <p:ph type="ctrTitle"/>
           </p:nvPr>
         </p:nvSpPr>
-        <p:spPr/>
-        <p:txBody>
-          <a:bodyPr/>
-          <a:lstStyle/>
-          <a:p>
-            <a:r>
-              <a:rPr lang="en-US" dirty="0"/>
-              <a:t>Food Giant Flyer Generator</a:t>
+        <p:spPr>
+          <a:xfrm>
+            <a:off x="804671" y="2600324"/>
+            <a:ext cx="10696767" cy="3277961"/>
+          </a:xfrm>
+        </p:spPr>
+        <p:txBody>
+          <a:bodyPr anchor="t">
+            <a:normAutofit/>
+          </a:bodyPr>
+          <a:lstStyle/>
+          <a:p>
+            <a:r>
+              <a:rPr lang="en-US" sz="5400" dirty="0"/>
+              <a:t>Food Giant Flyer Creator</a:t>
             </a:r>
           </a:p>
         </p:txBody>
@@ -5577,19 +5821,28 @@
             <p:ph type="subTitle" idx="1"/>
           </p:nvPr>
         </p:nvSpPr>
-        <p:spPr/>
-        <p:txBody>
-          <a:bodyPr/>
-          <a:lstStyle/>
-          <a:p>
-            <a:r>
-              <a:rPr lang="en-US" dirty="0"/>
+        <p:spPr>
+          <a:xfrm>
+            <a:off x="804672" y="1300450"/>
+            <a:ext cx="4167376" cy="1155525"/>
+          </a:xfrm>
+        </p:spPr>
+        <p:txBody>
+          <a:bodyPr anchor="b">
+            <a:normAutofit/>
+          </a:bodyPr>
+          <a:lstStyle/>
+          <a:p>
+            <a:pPr algn="l"/>
+            <a:r>
+              <a:rPr lang="en-US" sz="2000" dirty="0"/>
               <a:t>Kendrick Hagerman</a:t>
             </a:r>
           </a:p>
           <a:p>
-            <a:r>
-              <a:rPr lang="en-US" dirty="0"/>
+            <a:pPr algn="l"/>
+            <a:r>
+              <a:rPr lang="en-US" sz="2000" dirty="0"/>
               <a:t>Computer Science Project - COT6931</a:t>
             </a:r>
           </a:p>
@@ -5603,7 +5856,7 @@
     </p:extLst>
   </p:cSld>
   <p:clrMapOvr>
-    <a:masterClrMapping/>
+    <a:overrideClrMapping bg1="dk1" tx1="lt1" bg2="dk2" tx2="lt2" accent1="accent1" accent2="accent2" accent3="accent3" accent4="accent4" accent5="accent5" accent6="accent6" hlink="hlink" folHlink="folHlink"/>
   </p:clrMapOvr>
 </p:sld>
 </file>
@@ -5627,29 +5880,100 @@
       </p:grpSpPr>
       <p:sp>
         <p:nvSpPr>
-          <p:cNvPr id="2" name="Title 1"/>
-          <p:cNvSpPr>
-            <a:spLocks noGrp="1"/>
-          </p:cNvSpPr>
-          <p:nvPr>
-            <p:ph type="title"/>
-          </p:nvPr>
-        </p:nvSpPr>
-        <p:spPr/>
-        <p:txBody>
-          <a:bodyPr/>
-          <a:lstStyle/>
-          <a:p>
-            <a:r>
-              <a:rPr lang="en-US" dirty="0"/>
-              <a:t>Summary</a:t>
-            </a:r>
+          <p:cNvPr id="13" name="Rectangle 8"/>
+          <p:cNvSpPr>
+            <a:spLocks noGrp="1" noRot="1" noChangeAspect="1" noMove="1" noResize="1" noEditPoints="1" noAdjustHandles="1" noChangeArrowheads="1" noChangeShapeType="1" noTextEdit="1"/>
+          </p:cNvSpPr>
+          <p:nvPr>
+            <p:extLst>
+              <p:ext uri="{386F3935-93C4-4BCD-93E2-E3B085C9AB24}">
+                <p16:designElem xmlns:p16="http://schemas.microsoft.com/office/powerpoint/2015/main" val="1"/>
+              </p:ext>
+            </p:extLst>
+          </p:nvPr>
+        </p:nvSpPr>
+        <p:spPr bwMode="white">
+          <a:xfrm>
+            <a:off x="0" y="0"/>
+            <a:ext cx="12192000" cy="6858000"/>
+          </a:xfrm>
+          <a:prstGeom prst="rect">
+            <a:avLst/>
+          </a:prstGeom>
+          <a:solidFill>
+            <a:schemeClr val="bg1"/>
+          </a:solidFill>
+          <a:ln>
+            <a:noFill/>
+          </a:ln>
+          <a:effectLst/>
+        </p:spPr>
+      </p:sp>
+      <p:sp>
+        <p:nvSpPr>
+          <p:cNvPr id="14" name="Rectangle 10"/>
+          <p:cNvSpPr>
+            <a:spLocks noGrp="1" noRot="1" noChangeAspect="1" noMove="1" noResize="1" noEditPoints="1" noAdjustHandles="1" noChangeArrowheads="1" noChangeShapeType="1" noTextEdit="1"/>
+          </p:cNvSpPr>
+          <p:nvPr>
+            <p:extLst>
+              <p:ext uri="{386F3935-93C4-4BCD-93E2-E3B085C9AB24}">
+                <p16:designElem xmlns:p16="http://schemas.microsoft.com/office/powerpoint/2015/main" val="1"/>
+              </p:ext>
+            </p:extLst>
+          </p:nvPr>
+        </p:nvSpPr>
+        <p:spPr>
+          <a:xfrm>
+            <a:off x="0" y="651752"/>
+            <a:ext cx="12192000" cy="736551"/>
+          </a:xfrm>
+          <a:prstGeom prst="rect">
+            <a:avLst/>
+          </a:prstGeom>
+          <a:solidFill>
+            <a:schemeClr val="tx1">
+              <a:alpha val="75000"/>
+            </a:schemeClr>
+          </a:solidFill>
+          <a:ln>
+            <a:noFill/>
+          </a:ln>
+        </p:spPr>
+        <p:style>
+          <a:lnRef idx="2">
+            <a:schemeClr val="accent1">
+              <a:shade val="50000"/>
+            </a:schemeClr>
+          </a:lnRef>
+          <a:fillRef idx="1">
+            <a:schemeClr val="accent1"/>
+          </a:fillRef>
+          <a:effectRef idx="0">
+            <a:schemeClr val="accent1"/>
+          </a:effectRef>
+          <a:fontRef idx="minor">
+            <a:schemeClr val="lt1"/>
+          </a:fontRef>
+        </p:style>
+        <p:txBody>
+          <a:bodyPr rtlCol="0" anchor="ctr"/>
+          <a:lstStyle/>
+          <a:p>
+            <a:pPr algn="ctr"/>
+            <a:endParaRPr lang="en-US"/>
           </a:p>
         </p:txBody>
       </p:sp>
       <p:pic>
         <p:nvPicPr>
-          <p:cNvPr id="4" name="Content Placeholder 4"/>
+          <p:cNvPr id="4" name="Content Placeholder 3" descr="A screenshot of a social media post&#10;&#10;Description generated with very high confidence">
+            <a:extLst>
+              <a:ext uri="{FF2B5EF4-FFF2-40B4-BE49-F238E27FC236}">
+                <a16:creationId xmlns:a16="http://schemas.microsoft.com/office/drawing/2014/main" id="{0021B1F2-23A6-4AB7-A728-39D18743F45F}"/>
+              </a:ext>
+            </a:extLst>
+          </p:cNvPr>
           <p:cNvPicPr>
             <a:picLocks noGrp="1" noChangeAspect="1"/>
           </p:cNvPicPr>
@@ -5671,9 +5995,1799 @@
         </p:blipFill>
         <p:spPr>
           <a:xfrm>
-            <a:off x="838200" y="1690688"/>
-            <a:ext cx="2499577" cy="762066"/>
+            <a:off x="1701801" y="1675227"/>
+            <a:ext cx="8788398" cy="4394199"/>
           </a:xfrm>
+          <a:prstGeom prst="rect">
+            <a:avLst/>
+          </a:prstGeom>
+        </p:spPr>
+      </p:pic>
+      <p:sp>
+        <p:nvSpPr>
+          <p:cNvPr id="2" name="Title 1"/>
+          <p:cNvSpPr>
+            <a:spLocks noGrp="1"/>
+          </p:cNvSpPr>
+          <p:nvPr>
+            <p:ph type="title"/>
+          </p:nvPr>
+        </p:nvSpPr>
+        <p:spPr>
+          <a:xfrm>
+            <a:off x="556532" y="643467"/>
+            <a:ext cx="11210925" cy="744836"/>
+          </a:xfrm>
+        </p:spPr>
+        <p:txBody>
+          <a:bodyPr vert="horz" lIns="91440" tIns="45720" rIns="91440" bIns="45720" rtlCol="0" anchor="ctr">
+            <a:normAutofit/>
+          </a:bodyPr>
+          <a:lstStyle/>
+          <a:p>
+            <a:pPr algn="ctr"/>
+            <a:r>
+              <a:rPr lang="en-US" sz="3200" kern="1200">
+                <a:solidFill>
+                  <a:schemeClr val="bg1"/>
+                </a:solidFill>
+                <a:latin typeface="+mj-lt"/>
+                <a:ea typeface="+mj-ea"/>
+                <a:cs typeface="+mj-cs"/>
+              </a:rPr>
+              <a:t>Flyer Pictures – Flyer Creator</a:t>
+            </a:r>
+          </a:p>
+        </p:txBody>
+      </p:sp>
+    </p:spTree>
+    <p:extLst>
+      <p:ext uri="{BB962C8B-B14F-4D97-AF65-F5344CB8AC3E}">
+        <p14:creationId xmlns:p14="http://schemas.microsoft.com/office/powerpoint/2010/main" val="1401363821"/>
+      </p:ext>
+    </p:extLst>
+  </p:cSld>
+  <p:clrMapOvr>
+    <a:masterClrMapping/>
+  </p:clrMapOvr>
+</p:sld>
+</file>
+
+<file path=ppt/slides/slide11.xml><?xml version="1.0" encoding="utf-8"?>
+<p:sld xmlns:a="http://schemas.openxmlformats.org/drawingml/2006/main" xmlns:r="http://schemas.openxmlformats.org/officeDocument/2006/relationships" xmlns:p="http://schemas.openxmlformats.org/presentationml/2006/main">
+  <p:cSld>
+    <p:spTree>
+      <p:nvGrpSpPr>
+        <p:cNvPr id="1" name=""/>
+        <p:cNvGrpSpPr/>
+        <p:nvPr/>
+      </p:nvGrpSpPr>
+      <p:grpSpPr>
+        <a:xfrm>
+          <a:off x="0" y="0"/>
+          <a:ext cx="0" cy="0"/>
+          <a:chOff x="0" y="0"/>
+          <a:chExt cx="0" cy="0"/>
+        </a:xfrm>
+      </p:grpSpPr>
+      <p:sp>
+        <p:nvSpPr>
+          <p:cNvPr id="9" name="Rectangle 8"/>
+          <p:cNvSpPr>
+            <a:spLocks noGrp="1" noRot="1" noChangeAspect="1" noMove="1" noResize="1" noEditPoints="1" noAdjustHandles="1" noChangeArrowheads="1" noChangeShapeType="1" noTextEdit="1"/>
+          </p:cNvSpPr>
+          <p:nvPr>
+            <p:extLst>
+              <p:ext uri="{386F3935-93C4-4BCD-93E2-E3B085C9AB24}">
+                <p16:designElem xmlns:p16="http://schemas.microsoft.com/office/powerpoint/2015/main" val="1"/>
+              </p:ext>
+            </p:extLst>
+          </p:nvPr>
+        </p:nvSpPr>
+        <p:spPr bwMode="white">
+          <a:xfrm>
+            <a:off x="0" y="0"/>
+            <a:ext cx="12192000" cy="6858000"/>
+          </a:xfrm>
+          <a:prstGeom prst="rect">
+            <a:avLst/>
+          </a:prstGeom>
+          <a:solidFill>
+            <a:schemeClr val="bg1"/>
+          </a:solidFill>
+          <a:ln>
+            <a:noFill/>
+          </a:ln>
+          <a:effectLst/>
+        </p:spPr>
+      </p:sp>
+      <p:sp>
+        <p:nvSpPr>
+          <p:cNvPr id="11" name="Rectangle 10"/>
+          <p:cNvSpPr>
+            <a:spLocks noGrp="1" noRot="1" noChangeAspect="1" noMove="1" noResize="1" noEditPoints="1" noAdjustHandles="1" noChangeArrowheads="1" noChangeShapeType="1" noTextEdit="1"/>
+          </p:cNvSpPr>
+          <p:nvPr>
+            <p:extLst>
+              <p:ext uri="{386F3935-93C4-4BCD-93E2-E3B085C9AB24}">
+                <p16:designElem xmlns:p16="http://schemas.microsoft.com/office/powerpoint/2015/main" val="1"/>
+              </p:ext>
+            </p:extLst>
+          </p:nvPr>
+        </p:nvSpPr>
+        <p:spPr>
+          <a:xfrm>
+            <a:off x="0" y="0"/>
+            <a:ext cx="2013557" cy="6858000"/>
+          </a:xfrm>
+          <a:prstGeom prst="rect">
+            <a:avLst/>
+          </a:prstGeom>
+          <a:solidFill>
+            <a:schemeClr val="tx1">
+              <a:lumMod val="50000"/>
+              <a:lumOff val="50000"/>
+            </a:schemeClr>
+          </a:solidFill>
+          <a:ln>
+            <a:noFill/>
+          </a:ln>
+        </p:spPr>
+        <p:style>
+          <a:lnRef idx="2">
+            <a:schemeClr val="accent1">
+              <a:shade val="50000"/>
+            </a:schemeClr>
+          </a:lnRef>
+          <a:fillRef idx="1">
+            <a:schemeClr val="accent1"/>
+          </a:fillRef>
+          <a:effectRef idx="0">
+            <a:schemeClr val="accent1"/>
+          </a:effectRef>
+          <a:fontRef idx="minor">
+            <a:schemeClr val="lt1"/>
+          </a:fontRef>
+        </p:style>
+        <p:txBody>
+          <a:bodyPr rtlCol="0" anchor="ctr"/>
+          <a:lstStyle/>
+          <a:p>
+            <a:pPr algn="ctr"/>
+            <a:endParaRPr lang="en-US"/>
+          </a:p>
+        </p:txBody>
+      </p:sp>
+      <p:pic>
+        <p:nvPicPr>
+          <p:cNvPr id="4" name="Content Placeholder 3" descr="A screenshot of a social media post&#10;&#10;Description generated with very high confidence">
+            <a:extLst>
+              <a:ext uri="{FF2B5EF4-FFF2-40B4-BE49-F238E27FC236}">
+                <a16:creationId xmlns:a16="http://schemas.microsoft.com/office/drawing/2014/main" id="{B77CE002-3FDD-4785-85FF-E69853D087B6}"/>
+              </a:ext>
+            </a:extLst>
+          </p:cNvPr>
+          <p:cNvPicPr>
+            <a:picLocks noGrp="1" noChangeAspect="1"/>
+          </p:cNvPicPr>
+          <p:nvPr>
+            <p:ph idx="1"/>
+          </p:nvPr>
+        </p:nvPicPr>
+        <p:blipFill>
+          <a:blip r:embed="rId3">
+            <a:extLst>
+              <a:ext uri="{28A0092B-C50C-407E-A947-70E740481C1C}">
+                <a14:useLocalDpi xmlns:a14="http://schemas.microsoft.com/office/drawing/2010/main" val="0"/>
+              </a:ext>
+            </a:extLst>
+          </a:blip>
+          <a:stretch>
+            <a:fillRect/>
+          </a:stretch>
+        </p:blipFill>
+        <p:spPr>
+          <a:xfrm>
+            <a:off x="4038600" y="1836917"/>
+            <a:ext cx="7188199" cy="3180777"/>
+          </a:xfrm>
+          <a:prstGeom prst="rect">
+            <a:avLst/>
+          </a:prstGeom>
+        </p:spPr>
+      </p:pic>
+      <p:sp>
+        <p:nvSpPr>
+          <p:cNvPr id="2" name="Title 1"/>
+          <p:cNvSpPr>
+            <a:spLocks noGrp="1"/>
+          </p:cNvSpPr>
+          <p:nvPr>
+            <p:ph type="title"/>
+          </p:nvPr>
+        </p:nvSpPr>
+        <p:spPr>
+          <a:xfrm>
+            <a:off x="640080" y="2074363"/>
+            <a:ext cx="2752354" cy="2709275"/>
+          </a:xfrm>
+          <a:prstGeom prst="ellipse">
+            <a:avLst/>
+          </a:prstGeom>
+          <a:solidFill>
+            <a:schemeClr val="tx1">
+              <a:lumMod val="85000"/>
+              <a:lumOff val="15000"/>
+            </a:schemeClr>
+          </a:solidFill>
+          <a:ln w="174625" cmpd="thinThick">
+            <a:solidFill>
+              <a:schemeClr val="tx1">
+                <a:lumMod val="85000"/>
+                <a:lumOff val="15000"/>
+              </a:schemeClr>
+            </a:solidFill>
+          </a:ln>
+        </p:spPr>
+        <p:txBody>
+          <a:bodyPr vert="horz" lIns="91440" tIns="45720" rIns="91440" bIns="45720" rtlCol="0" anchor="ctr">
+            <a:normAutofit/>
+          </a:bodyPr>
+          <a:lstStyle/>
+          <a:p>
+            <a:pPr algn="ctr"/>
+            <a:r>
+              <a:rPr lang="en-US" sz="2600" kern="1200" dirty="0">
+                <a:solidFill>
+                  <a:schemeClr val="bg1"/>
+                </a:solidFill>
+                <a:latin typeface="+mj-lt"/>
+                <a:ea typeface="+mj-ea"/>
+                <a:cs typeface="+mj-cs"/>
+              </a:rPr>
+              <a:t>Flyer Pictures – Database Maintainer </a:t>
+            </a:r>
+          </a:p>
+        </p:txBody>
+      </p:sp>
+    </p:spTree>
+    <p:extLst>
+      <p:ext uri="{BB962C8B-B14F-4D97-AF65-F5344CB8AC3E}">
+        <p14:creationId xmlns:p14="http://schemas.microsoft.com/office/powerpoint/2010/main" val="1308453361"/>
+      </p:ext>
+    </p:extLst>
+  </p:cSld>
+  <p:clrMapOvr>
+    <a:masterClrMapping/>
+  </p:clrMapOvr>
+</p:sld>
+</file>
+
+<file path=ppt/slides/slide12.xml><?xml version="1.0" encoding="utf-8"?>
+<p:sld xmlns:a="http://schemas.openxmlformats.org/drawingml/2006/main" xmlns:r="http://schemas.openxmlformats.org/officeDocument/2006/relationships" xmlns:p="http://schemas.openxmlformats.org/presentationml/2006/main">
+  <p:cSld>
+    <p:spTree>
+      <p:nvGrpSpPr>
+        <p:cNvPr id="1" name=""/>
+        <p:cNvGrpSpPr/>
+        <p:nvPr/>
+      </p:nvGrpSpPr>
+      <p:grpSpPr>
+        <a:xfrm>
+          <a:off x="0" y="0"/>
+          <a:ext cx="0" cy="0"/>
+          <a:chOff x="0" y="0"/>
+          <a:chExt cx="0" cy="0"/>
+        </a:xfrm>
+      </p:grpSpPr>
+      <p:sp>
+        <p:nvSpPr>
+          <p:cNvPr id="9" name="Rectangle 8"/>
+          <p:cNvSpPr>
+            <a:spLocks noGrp="1" noRot="1" noChangeAspect="1" noMove="1" noResize="1" noEditPoints="1" noAdjustHandles="1" noChangeArrowheads="1" noChangeShapeType="1" noTextEdit="1"/>
+          </p:cNvSpPr>
+          <p:nvPr>
+            <p:extLst>
+              <p:ext uri="{386F3935-93C4-4BCD-93E2-E3B085C9AB24}">
+                <p16:designElem xmlns:p16="http://schemas.microsoft.com/office/powerpoint/2015/main" val="1"/>
+              </p:ext>
+            </p:extLst>
+          </p:nvPr>
+        </p:nvSpPr>
+        <p:spPr bwMode="white">
+          <a:xfrm>
+            <a:off x="0" y="0"/>
+            <a:ext cx="12192000" cy="6858000"/>
+          </a:xfrm>
+          <a:prstGeom prst="rect">
+            <a:avLst/>
+          </a:prstGeom>
+          <a:solidFill>
+            <a:schemeClr val="bg1"/>
+          </a:solidFill>
+          <a:ln>
+            <a:noFill/>
+          </a:ln>
+          <a:effectLst/>
+        </p:spPr>
+      </p:sp>
+      <p:sp>
+        <p:nvSpPr>
+          <p:cNvPr id="11" name="Rectangle 10"/>
+          <p:cNvSpPr>
+            <a:spLocks noGrp="1" noRot="1" noChangeAspect="1" noMove="1" noResize="1" noEditPoints="1" noAdjustHandles="1" noChangeArrowheads="1" noChangeShapeType="1" noTextEdit="1"/>
+          </p:cNvSpPr>
+          <p:nvPr>
+            <p:extLst>
+              <p:ext uri="{386F3935-93C4-4BCD-93E2-E3B085C9AB24}">
+                <p16:designElem xmlns:p16="http://schemas.microsoft.com/office/powerpoint/2015/main" val="1"/>
+              </p:ext>
+            </p:extLst>
+          </p:nvPr>
+        </p:nvSpPr>
+        <p:spPr>
+          <a:xfrm>
+            <a:off x="0" y="651752"/>
+            <a:ext cx="12192000" cy="736551"/>
+          </a:xfrm>
+          <a:prstGeom prst="rect">
+            <a:avLst/>
+          </a:prstGeom>
+          <a:solidFill>
+            <a:schemeClr val="tx1">
+              <a:alpha val="75000"/>
+            </a:schemeClr>
+          </a:solidFill>
+          <a:ln>
+            <a:noFill/>
+          </a:ln>
+        </p:spPr>
+        <p:style>
+          <a:lnRef idx="2">
+            <a:schemeClr val="accent1">
+              <a:shade val="50000"/>
+            </a:schemeClr>
+          </a:lnRef>
+          <a:fillRef idx="1">
+            <a:schemeClr val="accent1"/>
+          </a:fillRef>
+          <a:effectRef idx="0">
+            <a:schemeClr val="accent1"/>
+          </a:effectRef>
+          <a:fontRef idx="minor">
+            <a:schemeClr val="lt1"/>
+          </a:fontRef>
+        </p:style>
+        <p:txBody>
+          <a:bodyPr rtlCol="0" anchor="ctr"/>
+          <a:lstStyle/>
+          <a:p>
+            <a:pPr algn="ctr"/>
+            <a:endParaRPr lang="en-US"/>
+          </a:p>
+        </p:txBody>
+      </p:sp>
+      <p:pic>
+        <p:nvPicPr>
+          <p:cNvPr id="4" name="Content Placeholder 3" descr="A screenshot of a social media post&#10;&#10;Description generated with very high confidence">
+            <a:extLst>
+              <a:ext uri="{FF2B5EF4-FFF2-40B4-BE49-F238E27FC236}">
+                <a16:creationId xmlns:a16="http://schemas.microsoft.com/office/drawing/2014/main" id="{0A82BF91-53A7-4578-9DD2-3ACFDC421458}"/>
+              </a:ext>
+            </a:extLst>
+          </p:cNvPr>
+          <p:cNvPicPr>
+            <a:picLocks noGrp="1" noChangeAspect="1"/>
+          </p:cNvPicPr>
+          <p:nvPr>
+            <p:ph idx="1"/>
+          </p:nvPr>
+        </p:nvPicPr>
+        <p:blipFill>
+          <a:blip r:embed="rId3">
+            <a:extLst>
+              <a:ext uri="{28A0092B-C50C-407E-A947-70E740481C1C}">
+                <a14:useLocalDpi xmlns:a14="http://schemas.microsoft.com/office/drawing/2010/main" val="0"/>
+              </a:ext>
+            </a:extLst>
+          </a:blip>
+          <a:stretch>
+            <a:fillRect/>
+          </a:stretch>
+        </p:blipFill>
+        <p:spPr>
+          <a:xfrm>
+            <a:off x="643467" y="1839766"/>
+            <a:ext cx="10905066" cy="4065120"/>
+          </a:xfrm>
+          <a:prstGeom prst="rect">
+            <a:avLst/>
+          </a:prstGeom>
+        </p:spPr>
+      </p:pic>
+      <p:sp>
+        <p:nvSpPr>
+          <p:cNvPr id="2" name="Title 1"/>
+          <p:cNvSpPr>
+            <a:spLocks noGrp="1"/>
+          </p:cNvSpPr>
+          <p:nvPr>
+            <p:ph type="title"/>
+          </p:nvPr>
+        </p:nvSpPr>
+        <p:spPr>
+          <a:xfrm>
+            <a:off x="556532" y="643467"/>
+            <a:ext cx="11210925" cy="744836"/>
+          </a:xfrm>
+        </p:spPr>
+        <p:txBody>
+          <a:bodyPr vert="horz" lIns="91440" tIns="45720" rIns="91440" bIns="45720" rtlCol="0" anchor="ctr">
+            <a:normAutofit/>
+          </a:bodyPr>
+          <a:lstStyle/>
+          <a:p>
+            <a:pPr algn="ctr"/>
+            <a:r>
+              <a:rPr lang="en-US" sz="3200" kern="1200">
+                <a:solidFill>
+                  <a:schemeClr val="bg1"/>
+                </a:solidFill>
+                <a:latin typeface="+mj-lt"/>
+                <a:ea typeface="+mj-ea"/>
+                <a:cs typeface="+mj-cs"/>
+              </a:rPr>
+              <a:t>Flyer Pictures – Flyer History </a:t>
+            </a:r>
+          </a:p>
+        </p:txBody>
+      </p:sp>
+    </p:spTree>
+    <p:extLst>
+      <p:ext uri="{BB962C8B-B14F-4D97-AF65-F5344CB8AC3E}">
+        <p14:creationId xmlns:p14="http://schemas.microsoft.com/office/powerpoint/2010/main" val="1337732701"/>
+      </p:ext>
+    </p:extLst>
+  </p:cSld>
+  <p:clrMapOvr>
+    <a:masterClrMapping/>
+  </p:clrMapOvr>
+</p:sld>
+</file>
+
+<file path=ppt/slides/slide13.xml><?xml version="1.0" encoding="utf-8"?>
+<p:sld xmlns:a="http://schemas.openxmlformats.org/drawingml/2006/main" xmlns:r="http://schemas.openxmlformats.org/officeDocument/2006/relationships" xmlns:p="http://schemas.openxmlformats.org/presentationml/2006/main">
+  <p:cSld>
+    <p:spTree>
+      <p:nvGrpSpPr>
+        <p:cNvPr id="1" name=""/>
+        <p:cNvGrpSpPr/>
+        <p:nvPr/>
+      </p:nvGrpSpPr>
+      <p:grpSpPr>
+        <a:xfrm>
+          <a:off x="0" y="0"/>
+          <a:ext cx="0" cy="0"/>
+          <a:chOff x="0" y="0"/>
+          <a:chExt cx="0" cy="0"/>
+        </a:xfrm>
+      </p:grpSpPr>
+      <p:sp>
+        <p:nvSpPr>
+          <p:cNvPr id="11" name="Rectangle 10"/>
+          <p:cNvSpPr>
+            <a:spLocks noGrp="1" noRot="1" noChangeAspect="1" noMove="1" noResize="1" noEditPoints="1" noAdjustHandles="1" noChangeArrowheads="1" noChangeShapeType="1" noTextEdit="1"/>
+          </p:cNvSpPr>
+          <p:nvPr>
+            <p:extLst>
+              <p:ext uri="{386F3935-93C4-4BCD-93E2-E3B085C9AB24}">
+                <p16:designElem xmlns:p16="http://schemas.microsoft.com/office/powerpoint/2015/main" val="1"/>
+              </p:ext>
+            </p:extLst>
+          </p:nvPr>
+        </p:nvSpPr>
+        <p:spPr bwMode="white">
+          <a:xfrm>
+            <a:off x="0" y="0"/>
+            <a:ext cx="12192000" cy="6858000"/>
+          </a:xfrm>
+          <a:prstGeom prst="rect">
+            <a:avLst/>
+          </a:prstGeom>
+          <a:solidFill>
+            <a:schemeClr val="bg1"/>
+          </a:solidFill>
+          <a:ln>
+            <a:noFill/>
+          </a:ln>
+          <a:effectLst/>
+        </p:spPr>
+      </p:sp>
+      <p:sp>
+        <p:nvSpPr>
+          <p:cNvPr id="13" name="Freeform 18"/>
+          <p:cNvSpPr>
+            <a:spLocks noGrp="1" noRot="1" noChangeAspect="1" noMove="1" noResize="1" noEditPoints="1" noAdjustHandles="1" noChangeArrowheads="1" noChangeShapeType="1" noTextEdit="1"/>
+          </p:cNvSpPr>
+          <p:nvPr>
+            <p:extLst>
+              <p:ext uri="{386F3935-93C4-4BCD-93E2-E3B085C9AB24}">
+                <p16:designElem xmlns:p16="http://schemas.microsoft.com/office/powerpoint/2015/main" val="1"/>
+              </p:ext>
+            </p:extLst>
+          </p:nvPr>
+        </p:nvSpPr>
+        <p:spPr>
+          <a:xfrm>
+            <a:off x="-1" y="4683319"/>
+            <a:ext cx="6516874" cy="2174681"/>
+          </a:xfrm>
+          <a:custGeom>
+            <a:avLst/>
+            <a:gdLst>
+              <a:gd name="connsiteX0" fmla="*/ 0 w 6516874"/>
+              <a:gd name="connsiteY0" fmla="*/ 0 h 2174681"/>
+              <a:gd name="connsiteX1" fmla="*/ 819150 w 6516874"/>
+              <a:gd name="connsiteY1" fmla="*/ 0 h 2174681"/>
+              <a:gd name="connsiteX2" fmla="*/ 1038225 w 6516874"/>
+              <a:gd name="connsiteY2" fmla="*/ 0 h 2174681"/>
+              <a:gd name="connsiteX3" fmla="*/ 6516874 w 6516874"/>
+              <a:gd name="connsiteY3" fmla="*/ 0 h 2174681"/>
+              <a:gd name="connsiteX4" fmla="*/ 5509712 w 6516874"/>
+              <a:gd name="connsiteY4" fmla="*/ 2174681 h 2174681"/>
+              <a:gd name="connsiteX5" fmla="*/ 1038225 w 6516874"/>
+              <a:gd name="connsiteY5" fmla="*/ 2174681 h 2174681"/>
+              <a:gd name="connsiteX6" fmla="*/ 947987 w 6516874"/>
+              <a:gd name="connsiteY6" fmla="*/ 2174681 h 2174681"/>
+              <a:gd name="connsiteX7" fmla="*/ 819150 w 6516874"/>
+              <a:gd name="connsiteY7" fmla="*/ 2174681 h 2174681"/>
+              <a:gd name="connsiteX8" fmla="*/ 0 w 6516874"/>
+              <a:gd name="connsiteY8" fmla="*/ 2174681 h 2174681"/>
+            </a:gdLst>
+            <a:ahLst/>
+            <a:cxnLst>
+              <a:cxn ang="0">
+                <a:pos x="connsiteX0" y="connsiteY0"/>
+              </a:cxn>
+              <a:cxn ang="0">
+                <a:pos x="connsiteX1" y="connsiteY1"/>
+              </a:cxn>
+              <a:cxn ang="0">
+                <a:pos x="connsiteX2" y="connsiteY2"/>
+              </a:cxn>
+              <a:cxn ang="0">
+                <a:pos x="connsiteX3" y="connsiteY3"/>
+              </a:cxn>
+              <a:cxn ang="0">
+                <a:pos x="connsiteX4" y="connsiteY4"/>
+              </a:cxn>
+              <a:cxn ang="0">
+                <a:pos x="connsiteX5" y="connsiteY5"/>
+              </a:cxn>
+              <a:cxn ang="0">
+                <a:pos x="connsiteX6" y="connsiteY6"/>
+              </a:cxn>
+              <a:cxn ang="0">
+                <a:pos x="connsiteX7" y="connsiteY7"/>
+              </a:cxn>
+              <a:cxn ang="0">
+                <a:pos x="connsiteX8" y="connsiteY8"/>
+              </a:cxn>
+            </a:cxnLst>
+            <a:rect l="l" t="t" r="r" b="b"/>
+            <a:pathLst>
+              <a:path w="6516874" h="2174681">
+                <a:moveTo>
+                  <a:pt x="0" y="0"/>
+                </a:moveTo>
+                <a:lnTo>
+                  <a:pt x="819150" y="0"/>
+                </a:lnTo>
+                <a:lnTo>
+                  <a:pt x="1038225" y="0"/>
+                </a:lnTo>
+                <a:lnTo>
+                  <a:pt x="6516874" y="0"/>
+                </a:lnTo>
+                <a:lnTo>
+                  <a:pt x="5509712" y="2174681"/>
+                </a:lnTo>
+                <a:lnTo>
+                  <a:pt x="1038225" y="2174681"/>
+                </a:lnTo>
+                <a:lnTo>
+                  <a:pt x="947987" y="2174681"/>
+                </a:lnTo>
+                <a:lnTo>
+                  <a:pt x="819150" y="2174681"/>
+                </a:lnTo>
+                <a:lnTo>
+                  <a:pt x="0" y="2174681"/>
+                </a:lnTo>
+                <a:close/>
+              </a:path>
+            </a:pathLst>
+          </a:custGeom>
+          <a:solidFill>
+            <a:schemeClr val="tx1">
+              <a:lumMod val="75000"/>
+              <a:lumOff val="25000"/>
+            </a:schemeClr>
+          </a:solidFill>
+          <a:ln>
+            <a:noFill/>
+          </a:ln>
+        </p:spPr>
+        <p:style>
+          <a:lnRef idx="2">
+            <a:schemeClr val="accent1">
+              <a:shade val="50000"/>
+            </a:schemeClr>
+          </a:lnRef>
+          <a:fillRef idx="1">
+            <a:schemeClr val="accent1"/>
+          </a:fillRef>
+          <a:effectRef idx="0">
+            <a:schemeClr val="accent1"/>
+          </a:effectRef>
+          <a:fontRef idx="minor">
+            <a:schemeClr val="lt1"/>
+          </a:fontRef>
+        </p:style>
+        <p:txBody>
+          <a:bodyPr wrap="square" rtlCol="0" anchor="ctr">
+            <a:noAutofit/>
+          </a:bodyPr>
+          <a:lstStyle/>
+          <a:p>
+            <a:pPr algn="ctr"/>
+            <a:endParaRPr lang="en-US"/>
+          </a:p>
+        </p:txBody>
+      </p:sp>
+      <p:sp>
+        <p:nvSpPr>
+          <p:cNvPr id="15" name="Freeform 17"/>
+          <p:cNvSpPr>
+            <a:spLocks noGrp="1" noRot="1" noChangeAspect="1" noMove="1" noResize="1" noEditPoints="1" noAdjustHandles="1" noChangeArrowheads="1" noChangeShapeType="1" noTextEdit="1"/>
+          </p:cNvSpPr>
+          <p:nvPr>
+            <p:extLst>
+              <p:ext uri="{386F3935-93C4-4BCD-93E2-E3B085C9AB24}">
+                <p16:designElem xmlns:p16="http://schemas.microsoft.com/office/powerpoint/2015/main" val="1"/>
+              </p:ext>
+            </p:extLst>
+          </p:nvPr>
+        </p:nvSpPr>
+        <p:spPr>
+          <a:xfrm>
+            <a:off x="0" y="0"/>
+            <a:ext cx="8663110" cy="2130951"/>
+          </a:xfrm>
+          <a:custGeom>
+            <a:avLst/>
+            <a:gdLst>
+              <a:gd name="connsiteX0" fmla="*/ 0 w 8663110"/>
+              <a:gd name="connsiteY0" fmla="*/ 0 h 2130951"/>
+              <a:gd name="connsiteX1" fmla="*/ 819150 w 8663110"/>
+              <a:gd name="connsiteY1" fmla="*/ 0 h 2130951"/>
+              <a:gd name="connsiteX2" fmla="*/ 1028700 w 8663110"/>
+              <a:gd name="connsiteY2" fmla="*/ 0 h 2130951"/>
+              <a:gd name="connsiteX3" fmla="*/ 4187970 w 8663110"/>
+              <a:gd name="connsiteY3" fmla="*/ 0 h 2130951"/>
+              <a:gd name="connsiteX4" fmla="*/ 4400550 w 8663110"/>
+              <a:gd name="connsiteY4" fmla="*/ 0 h 2130951"/>
+              <a:gd name="connsiteX5" fmla="*/ 5262791 w 8663110"/>
+              <a:gd name="connsiteY5" fmla="*/ 0 h 2130951"/>
+              <a:gd name="connsiteX6" fmla="*/ 5262791 w 8663110"/>
+              <a:gd name="connsiteY6" fmla="*/ 478 h 2130951"/>
+              <a:gd name="connsiteX7" fmla="*/ 8663110 w 8663110"/>
+              <a:gd name="connsiteY7" fmla="*/ 478 h 2130951"/>
+              <a:gd name="connsiteX8" fmla="*/ 7676422 w 8663110"/>
+              <a:gd name="connsiteY8" fmla="*/ 2130951 h 2130951"/>
+              <a:gd name="connsiteX9" fmla="*/ 4400550 w 8663110"/>
+              <a:gd name="connsiteY9" fmla="*/ 2130951 h 2130951"/>
+              <a:gd name="connsiteX10" fmla="*/ 4187970 w 8663110"/>
+              <a:gd name="connsiteY10" fmla="*/ 2130951 h 2130951"/>
+              <a:gd name="connsiteX11" fmla="*/ 1028700 w 8663110"/>
+              <a:gd name="connsiteY11" fmla="*/ 2130951 h 2130951"/>
+              <a:gd name="connsiteX12" fmla="*/ 819150 w 8663110"/>
+              <a:gd name="connsiteY12" fmla="*/ 2130951 h 2130951"/>
+              <a:gd name="connsiteX13" fmla="*/ 0 w 8663110"/>
+              <a:gd name="connsiteY13" fmla="*/ 2130951 h 2130951"/>
+            </a:gdLst>
+            <a:ahLst/>
+            <a:cxnLst>
+              <a:cxn ang="0">
+                <a:pos x="connsiteX0" y="connsiteY0"/>
+              </a:cxn>
+              <a:cxn ang="0">
+                <a:pos x="connsiteX1" y="connsiteY1"/>
+              </a:cxn>
+              <a:cxn ang="0">
+                <a:pos x="connsiteX2" y="connsiteY2"/>
+              </a:cxn>
+              <a:cxn ang="0">
+                <a:pos x="connsiteX3" y="connsiteY3"/>
+              </a:cxn>
+              <a:cxn ang="0">
+                <a:pos x="connsiteX4" y="connsiteY4"/>
+              </a:cxn>
+              <a:cxn ang="0">
+                <a:pos x="connsiteX5" y="connsiteY5"/>
+              </a:cxn>
+              <a:cxn ang="0">
+                <a:pos x="connsiteX6" y="connsiteY6"/>
+              </a:cxn>
+              <a:cxn ang="0">
+                <a:pos x="connsiteX7" y="connsiteY7"/>
+              </a:cxn>
+              <a:cxn ang="0">
+                <a:pos x="connsiteX8" y="connsiteY8"/>
+              </a:cxn>
+              <a:cxn ang="0">
+                <a:pos x="connsiteX9" y="connsiteY9"/>
+              </a:cxn>
+              <a:cxn ang="0">
+                <a:pos x="connsiteX10" y="connsiteY10"/>
+              </a:cxn>
+              <a:cxn ang="0">
+                <a:pos x="connsiteX11" y="connsiteY11"/>
+              </a:cxn>
+              <a:cxn ang="0">
+                <a:pos x="connsiteX12" y="connsiteY12"/>
+              </a:cxn>
+              <a:cxn ang="0">
+                <a:pos x="connsiteX13" y="connsiteY13"/>
+              </a:cxn>
+            </a:cxnLst>
+            <a:rect l="l" t="t" r="r" b="b"/>
+            <a:pathLst>
+              <a:path w="8663110" h="2130951">
+                <a:moveTo>
+                  <a:pt x="0" y="0"/>
+                </a:moveTo>
+                <a:lnTo>
+                  <a:pt x="819150" y="0"/>
+                </a:lnTo>
+                <a:lnTo>
+                  <a:pt x="1028700" y="0"/>
+                </a:lnTo>
+                <a:lnTo>
+                  <a:pt x="4187970" y="0"/>
+                </a:lnTo>
+                <a:lnTo>
+                  <a:pt x="4400550" y="0"/>
+                </a:lnTo>
+                <a:lnTo>
+                  <a:pt x="5262791" y="0"/>
+                </a:lnTo>
+                <a:lnTo>
+                  <a:pt x="5262791" y="478"/>
+                </a:lnTo>
+                <a:lnTo>
+                  <a:pt x="8663110" y="478"/>
+                </a:lnTo>
+                <a:lnTo>
+                  <a:pt x="7676422" y="2130951"/>
+                </a:lnTo>
+                <a:lnTo>
+                  <a:pt x="4400550" y="2130951"/>
+                </a:lnTo>
+                <a:lnTo>
+                  <a:pt x="4187970" y="2130951"/>
+                </a:lnTo>
+                <a:lnTo>
+                  <a:pt x="1028700" y="2130951"/>
+                </a:lnTo>
+                <a:lnTo>
+                  <a:pt x="819150" y="2130951"/>
+                </a:lnTo>
+                <a:lnTo>
+                  <a:pt x="0" y="2130951"/>
+                </a:lnTo>
+                <a:close/>
+              </a:path>
+            </a:pathLst>
+          </a:custGeom>
+          <a:solidFill>
+            <a:srgbClr val="D1A866"/>
+          </a:solidFill>
+          <a:ln>
+            <a:noFill/>
+          </a:ln>
+        </p:spPr>
+        <p:style>
+          <a:lnRef idx="2">
+            <a:schemeClr val="accent1">
+              <a:shade val="50000"/>
+            </a:schemeClr>
+          </a:lnRef>
+          <a:fillRef idx="1">
+            <a:schemeClr val="accent1"/>
+          </a:fillRef>
+          <a:effectRef idx="0">
+            <a:schemeClr val="accent1"/>
+          </a:effectRef>
+          <a:fontRef idx="minor">
+            <a:schemeClr val="lt1"/>
+          </a:fontRef>
+        </p:style>
+        <p:txBody>
+          <a:bodyPr rtlCol="0" anchor="ctr"/>
+          <a:lstStyle/>
+          <a:p>
+            <a:pPr algn="ctr"/>
+            <a:endParaRPr lang="en-US"/>
+          </a:p>
+        </p:txBody>
+      </p:sp>
+      <p:pic>
+        <p:nvPicPr>
+          <p:cNvPr id="6" name="Picture 5" descr="A close up of a sign&#10;&#10;Description generated with very high confidence"/>
+          <p:cNvPicPr>
+            <a:picLocks noChangeAspect="1"/>
+          </p:cNvPicPr>
+          <p:nvPr/>
+        </p:nvPicPr>
+        <p:blipFill>
+          <a:blip r:embed="rId3">
+            <a:extLst>
+              <a:ext uri="{28A0092B-C50C-407E-A947-70E740481C1C}">
+                <a14:useLocalDpi xmlns:a14="http://schemas.microsoft.com/office/drawing/2010/main" val="0"/>
+              </a:ext>
+            </a:extLst>
+          </a:blip>
+          <a:stretch>
+            <a:fillRect/>
+          </a:stretch>
+        </p:blipFill>
+        <p:spPr>
+          <a:xfrm>
+            <a:off x="9319453" y="321733"/>
+            <a:ext cx="1894469" cy="1809218"/>
+          </a:xfrm>
+          <a:prstGeom prst="rect">
+            <a:avLst/>
+          </a:prstGeom>
+        </p:spPr>
+      </p:pic>
+      <p:pic>
+        <p:nvPicPr>
+          <p:cNvPr id="4" name="Content Placeholder 4" descr="A picture containing indoor, bottle, road, sitting&#10;&#10;Description generated with high confidence"/>
+          <p:cNvPicPr>
+            <a:picLocks noGrp="1" noChangeAspect="1"/>
+          </p:cNvPicPr>
+          <p:nvPr>
+            <p:ph idx="1"/>
+          </p:nvPr>
+        </p:nvPicPr>
+        <p:blipFill>
+          <a:blip r:embed="rId4">
+            <a:extLst>
+              <a:ext uri="{28A0092B-C50C-407E-A947-70E740481C1C}">
+                <a14:useLocalDpi xmlns:a14="http://schemas.microsoft.com/office/drawing/2010/main" val="0"/>
+              </a:ext>
+            </a:extLst>
+          </a:blip>
+          <a:stretch>
+            <a:fillRect/>
+          </a:stretch>
+        </p:blipFill>
+        <p:spPr>
+          <a:xfrm>
+            <a:off x="7695879" y="4821484"/>
+            <a:ext cx="4174388" cy="1272679"/>
+          </a:xfrm>
+          <a:prstGeom prst="rect">
+            <a:avLst/>
+          </a:prstGeom>
+        </p:spPr>
+      </p:pic>
+      <p:pic>
+        <p:nvPicPr>
+          <p:cNvPr id="5" name="Picture 4"/>
+          <p:cNvPicPr>
+            <a:picLocks noChangeAspect="1"/>
+          </p:cNvPicPr>
+          <p:nvPr/>
+        </p:nvPicPr>
+        <p:blipFill>
+          <a:blip r:embed="rId5">
+            <a:extLst>
+              <a:ext uri="{28A0092B-C50C-407E-A947-70E740481C1C}">
+                <a14:useLocalDpi xmlns:a14="http://schemas.microsoft.com/office/drawing/2010/main" val="0"/>
+              </a:ext>
+            </a:extLst>
+          </a:blip>
+          <a:stretch>
+            <a:fillRect/>
+          </a:stretch>
+        </p:blipFill>
+        <p:spPr>
+          <a:xfrm>
+            <a:off x="8178478" y="2724965"/>
+            <a:ext cx="3623170" cy="1213761"/>
+          </a:xfrm>
+          <a:prstGeom prst="rect">
+            <a:avLst/>
+          </a:prstGeom>
+        </p:spPr>
+      </p:pic>
+      <p:sp>
+        <p:nvSpPr>
+          <p:cNvPr id="2" name="Title 1"/>
+          <p:cNvSpPr>
+            <a:spLocks noGrp="1"/>
+          </p:cNvSpPr>
+          <p:nvPr>
+            <p:ph type="title"/>
+          </p:nvPr>
+        </p:nvSpPr>
+        <p:spPr>
+          <a:xfrm>
+            <a:off x="1524000" y="2245810"/>
+            <a:ext cx="6413500" cy="1355750"/>
+          </a:xfrm>
+        </p:spPr>
+        <p:txBody>
+          <a:bodyPr vert="horz" lIns="91440" tIns="45720" rIns="91440" bIns="45720" rtlCol="0" anchor="b">
+            <a:normAutofit/>
+          </a:bodyPr>
+          <a:lstStyle/>
+          <a:p>
+            <a:r>
+              <a:rPr lang="en-US" sz="5400"/>
+              <a:t>Summary</a:t>
+            </a:r>
+          </a:p>
+        </p:txBody>
+      </p:sp>
+    </p:spTree>
+    <p:extLst>
+      <p:ext uri="{BB962C8B-B14F-4D97-AF65-F5344CB8AC3E}">
+        <p14:creationId xmlns:p14="http://schemas.microsoft.com/office/powerpoint/2010/main" val="3408605044"/>
+      </p:ext>
+    </p:extLst>
+  </p:cSld>
+  <p:clrMapOvr>
+    <a:masterClrMapping/>
+  </p:clrMapOvr>
+</p:sld>
+</file>
+
+<file path=ppt/slides/slide14.xml><?xml version="1.0" encoding="utf-8"?>
+<p:sld xmlns:a="http://schemas.openxmlformats.org/drawingml/2006/main" xmlns:r="http://schemas.openxmlformats.org/officeDocument/2006/relationships" xmlns:p="http://schemas.openxmlformats.org/presentationml/2006/main">
+  <p:cSld>
+    <p:spTree>
+      <p:nvGrpSpPr>
+        <p:cNvPr id="1" name=""/>
+        <p:cNvGrpSpPr/>
+        <p:nvPr/>
+      </p:nvGrpSpPr>
+      <p:grpSpPr>
+        <a:xfrm>
+          <a:off x="0" y="0"/>
+          <a:ext cx="0" cy="0"/>
+          <a:chOff x="0" y="0"/>
+          <a:chExt cx="0" cy="0"/>
+        </a:xfrm>
+      </p:grpSpPr>
+      <p:sp>
+        <p:nvSpPr>
+          <p:cNvPr id="2" name="Title 1">
+            <a:extLst>
+              <a:ext uri="{FF2B5EF4-FFF2-40B4-BE49-F238E27FC236}">
+                <a16:creationId xmlns:a16="http://schemas.microsoft.com/office/drawing/2014/main" id="{8ED64B8D-9B3C-4BA6-941B-62813FDCA84A}"/>
+              </a:ext>
+            </a:extLst>
+          </p:cNvPr>
+          <p:cNvSpPr>
+            <a:spLocks noGrp="1"/>
+          </p:cNvSpPr>
+          <p:nvPr>
+            <p:ph type="title"/>
+          </p:nvPr>
+        </p:nvSpPr>
+        <p:spPr/>
+        <p:txBody>
+          <a:bodyPr/>
+          <a:lstStyle/>
+          <a:p>
+            <a:r>
+              <a:rPr lang="en-US" dirty="0"/>
+              <a:t>References</a:t>
+            </a:r>
+          </a:p>
+        </p:txBody>
+      </p:sp>
+      <p:sp>
+        <p:nvSpPr>
+          <p:cNvPr id="3" name="Content Placeholder 2">
+            <a:extLst>
+              <a:ext uri="{FF2B5EF4-FFF2-40B4-BE49-F238E27FC236}">
+                <a16:creationId xmlns:a16="http://schemas.microsoft.com/office/drawing/2014/main" id="{862A66D1-A33D-4E22-9C01-39D4CA6147C2}"/>
+              </a:ext>
+            </a:extLst>
+          </p:cNvPr>
+          <p:cNvSpPr>
+            <a:spLocks noGrp="1"/>
+          </p:cNvSpPr>
+          <p:nvPr>
+            <p:ph idx="1"/>
+          </p:nvPr>
+        </p:nvSpPr>
+        <p:spPr/>
+        <p:txBody>
+          <a:bodyPr/>
+          <a:lstStyle/>
+          <a:p>
+            <a:r>
+              <a:rPr lang="en-US" dirty="0">
+                <a:hlinkClick r:id="rId3"/>
+              </a:rPr>
+              <a:t>YouTube Presentation Link</a:t>
+            </a:r>
+            <a:endParaRPr lang="en-US" dirty="0"/>
+          </a:p>
+          <a:p>
+            <a:r>
+              <a:rPr lang="en-US" dirty="0"/>
+              <a:t>Azure - </a:t>
+            </a:r>
+            <a:r>
+              <a:rPr lang="en-US" dirty="0">
+                <a:hlinkClick r:id="rId4"/>
+              </a:rPr>
+              <a:t>https://azure.microsoft.com/</a:t>
+            </a:r>
+            <a:endParaRPr lang="en-US" dirty="0"/>
+          </a:p>
+          <a:p>
+            <a:r>
+              <a:rPr lang="en-US" dirty="0"/>
+              <a:t>Tire Swing Comic - https://www.tamingdata.com/wp-content/uploads/2010/07/tree-swing-project-management-large.png</a:t>
+            </a:r>
+          </a:p>
+          <a:p>
+            <a:endParaRPr lang="en-US" dirty="0"/>
+          </a:p>
+        </p:txBody>
+      </p:sp>
+    </p:spTree>
+    <p:extLst>
+      <p:ext uri="{BB962C8B-B14F-4D97-AF65-F5344CB8AC3E}">
+        <p14:creationId xmlns:p14="http://schemas.microsoft.com/office/powerpoint/2010/main" val="359660680"/>
+      </p:ext>
+    </p:extLst>
+  </p:cSld>
+  <p:clrMapOvr>
+    <a:masterClrMapping/>
+  </p:clrMapOvr>
+</p:sld>
+</file>
+
+<file path=ppt/slides/slide2.xml><?xml version="1.0" encoding="utf-8"?>
+<p:sld xmlns:a="http://schemas.openxmlformats.org/drawingml/2006/main" xmlns:r="http://schemas.openxmlformats.org/officeDocument/2006/relationships" xmlns:p="http://schemas.openxmlformats.org/presentationml/2006/main">
+  <p:cSld>
+    <p:bg>
+      <p:bgPr>
+        <a:solidFill>
+          <a:srgbClr val="404040"/>
+        </a:solidFill>
+        <a:effectLst/>
+      </p:bgPr>
+    </p:bg>
+    <p:spTree>
+      <p:nvGrpSpPr>
+        <p:cNvPr id="1" name=""/>
+        <p:cNvGrpSpPr/>
+        <p:nvPr/>
+      </p:nvGrpSpPr>
+      <p:grpSpPr>
+        <a:xfrm>
+          <a:off x="0" y="0"/>
+          <a:ext cx="0" cy="0"/>
+          <a:chOff x="0" y="0"/>
+          <a:chExt cx="0" cy="0"/>
+        </a:xfrm>
+      </p:grpSpPr>
+      <p:sp>
+        <p:nvSpPr>
+          <p:cNvPr id="8" name="Rectangle 7"/>
+          <p:cNvSpPr>
+            <a:spLocks noGrp="1" noRot="1" noChangeAspect="1" noMove="1" noResize="1" noEditPoints="1" noAdjustHandles="1" noChangeArrowheads="1" noChangeShapeType="1" noTextEdit="1"/>
+          </p:cNvSpPr>
+          <p:nvPr>
+            <p:extLst>
+              <p:ext uri="{386F3935-93C4-4BCD-93E2-E3B085C9AB24}">
+                <p16:designElem xmlns:p16="http://schemas.microsoft.com/office/powerpoint/2015/main" val="1"/>
+              </p:ext>
+            </p:extLst>
+          </p:nvPr>
+        </p:nvSpPr>
+        <p:spPr>
+          <a:xfrm>
+            <a:off x="0" y="-3324"/>
+            <a:ext cx="12192000" cy="6861324"/>
+          </a:xfrm>
+          <a:prstGeom prst="rect">
+            <a:avLst/>
+          </a:prstGeom>
+          <a:solidFill>
+            <a:srgbClr val="404040"/>
+          </a:solidFill>
+          <a:ln>
+            <a:noFill/>
+          </a:ln>
+        </p:spPr>
+        <p:style>
+          <a:lnRef idx="2">
+            <a:schemeClr val="accent1">
+              <a:shade val="50000"/>
+            </a:schemeClr>
+          </a:lnRef>
+          <a:fillRef idx="1">
+            <a:schemeClr val="accent1"/>
+          </a:fillRef>
+          <a:effectRef idx="0">
+            <a:schemeClr val="accent1"/>
+          </a:effectRef>
+          <a:fontRef idx="minor">
+            <a:schemeClr val="lt1"/>
+          </a:fontRef>
+        </p:style>
+        <p:txBody>
+          <a:bodyPr rtlCol="0" anchor="ctr"/>
+          <a:lstStyle/>
+          <a:p>
+            <a:pPr algn="ctr"/>
+            <a:endParaRPr lang="en-US"/>
+          </a:p>
+        </p:txBody>
+      </p:sp>
+      <p:sp>
+        <p:nvSpPr>
+          <p:cNvPr id="10" name="Freeform 13"/>
+          <p:cNvSpPr>
+            <a:spLocks noGrp="1" noRot="1" noChangeAspect="1" noMove="1" noResize="1" noEditPoints="1" noAdjustHandles="1" noChangeArrowheads="1" noChangeShapeType="1" noTextEdit="1"/>
+          </p:cNvSpPr>
+          <p:nvPr>
+            <p:extLst>
+              <p:ext uri="{386F3935-93C4-4BCD-93E2-E3B085C9AB24}">
+                <p16:designElem xmlns:p16="http://schemas.microsoft.com/office/powerpoint/2015/main" val="1"/>
+              </p:ext>
+            </p:extLst>
+          </p:nvPr>
+        </p:nvSpPr>
+        <p:spPr>
+          <a:xfrm>
+            <a:off x="0" y="0"/>
+            <a:ext cx="11786754" cy="6858000"/>
+          </a:xfrm>
+          <a:custGeom>
+            <a:avLst/>
+            <a:gdLst>
+              <a:gd name="connsiteX0" fmla="*/ 0 w 11786754"/>
+              <a:gd name="connsiteY0" fmla="*/ 0 h 6858000"/>
+              <a:gd name="connsiteX1" fmla="*/ 8610600 w 11786754"/>
+              <a:gd name="connsiteY1" fmla="*/ 0 h 6858000"/>
+              <a:gd name="connsiteX2" fmla="*/ 11786754 w 11786754"/>
+              <a:gd name="connsiteY2" fmla="*/ 6858000 h 6858000"/>
+              <a:gd name="connsiteX3" fmla="*/ 0 w 11786754"/>
+              <a:gd name="connsiteY3" fmla="*/ 6858000 h 6858000"/>
+            </a:gdLst>
+            <a:ahLst/>
+            <a:cxnLst>
+              <a:cxn ang="0">
+                <a:pos x="connsiteX0" y="connsiteY0"/>
+              </a:cxn>
+              <a:cxn ang="0">
+                <a:pos x="connsiteX1" y="connsiteY1"/>
+              </a:cxn>
+              <a:cxn ang="0">
+                <a:pos x="connsiteX2" y="connsiteY2"/>
+              </a:cxn>
+              <a:cxn ang="0">
+                <a:pos x="connsiteX3" y="connsiteY3"/>
+              </a:cxn>
+            </a:cxnLst>
+            <a:rect l="l" t="t" r="r" b="b"/>
+            <a:pathLst>
+              <a:path w="11786754" h="6858000">
+                <a:moveTo>
+                  <a:pt x="0" y="0"/>
+                </a:moveTo>
+                <a:lnTo>
+                  <a:pt x="8610600" y="0"/>
+                </a:lnTo>
+                <a:lnTo>
+                  <a:pt x="11786754" y="6858000"/>
+                </a:lnTo>
+                <a:lnTo>
+                  <a:pt x="0" y="6858000"/>
+                </a:lnTo>
+                <a:close/>
+              </a:path>
+            </a:pathLst>
+          </a:custGeom>
+          <a:solidFill>
+            <a:schemeClr val="bg1">
+              <a:alpha val="30000"/>
+            </a:schemeClr>
+          </a:solidFill>
+          <a:ln>
+            <a:noFill/>
+          </a:ln>
+        </p:spPr>
+        <p:style>
+          <a:lnRef idx="2">
+            <a:schemeClr val="accent1">
+              <a:shade val="50000"/>
+            </a:schemeClr>
+          </a:lnRef>
+          <a:fillRef idx="1">
+            <a:schemeClr val="accent1"/>
+          </a:fillRef>
+          <a:effectRef idx="0">
+            <a:schemeClr val="accent1"/>
+          </a:effectRef>
+          <a:fontRef idx="minor">
+            <a:schemeClr val="lt1"/>
+          </a:fontRef>
+        </p:style>
+        <p:txBody>
+          <a:bodyPr rtlCol="0" anchor="ctr"/>
+          <a:lstStyle/>
+          <a:p>
+            <a:pPr algn="ctr"/>
+            <a:endParaRPr lang="en-US"/>
+          </a:p>
+        </p:txBody>
+      </p:sp>
+      <p:sp>
+        <p:nvSpPr>
+          <p:cNvPr id="12" name="Freeform 11"/>
+          <p:cNvSpPr>
+            <a:spLocks noGrp="1" noRot="1" noChangeAspect="1" noMove="1" noResize="1" noEditPoints="1" noAdjustHandles="1" noChangeArrowheads="1" noChangeShapeType="1" noTextEdit="1"/>
+          </p:cNvSpPr>
+          <p:nvPr>
+            <p:extLst>
+              <p:ext uri="{386F3935-93C4-4BCD-93E2-E3B085C9AB24}">
+                <p16:designElem xmlns:p16="http://schemas.microsoft.com/office/powerpoint/2015/main" val="1"/>
+              </p:ext>
+            </p:extLst>
+          </p:nvPr>
+        </p:nvSpPr>
+        <p:spPr>
+          <a:xfrm>
+            <a:off x="0" y="0"/>
+            <a:ext cx="3581400" cy="6858000"/>
+          </a:xfrm>
+          <a:custGeom>
+            <a:avLst/>
+            <a:gdLst>
+              <a:gd name="connsiteX0" fmla="*/ 0 w 3581400"/>
+              <a:gd name="connsiteY0" fmla="*/ 0 h 6858000"/>
+              <a:gd name="connsiteX1" fmla="*/ 405246 w 3581400"/>
+              <a:gd name="connsiteY1" fmla="*/ 0 h 6858000"/>
+              <a:gd name="connsiteX2" fmla="*/ 3581400 w 3581400"/>
+              <a:gd name="connsiteY2" fmla="*/ 6858000 h 6858000"/>
+              <a:gd name="connsiteX3" fmla="*/ 0 w 3581400"/>
+              <a:gd name="connsiteY3" fmla="*/ 6858000 h 6858000"/>
+            </a:gdLst>
+            <a:ahLst/>
+            <a:cxnLst>
+              <a:cxn ang="0">
+                <a:pos x="connsiteX0" y="connsiteY0"/>
+              </a:cxn>
+              <a:cxn ang="0">
+                <a:pos x="connsiteX1" y="connsiteY1"/>
+              </a:cxn>
+              <a:cxn ang="0">
+                <a:pos x="connsiteX2" y="connsiteY2"/>
+              </a:cxn>
+              <a:cxn ang="0">
+                <a:pos x="connsiteX3" y="connsiteY3"/>
+              </a:cxn>
+            </a:cxnLst>
+            <a:rect l="l" t="t" r="r" b="b"/>
+            <a:pathLst>
+              <a:path w="3581400" h="6858000">
+                <a:moveTo>
+                  <a:pt x="0" y="0"/>
+                </a:moveTo>
+                <a:lnTo>
+                  <a:pt x="405246" y="0"/>
+                </a:lnTo>
+                <a:lnTo>
+                  <a:pt x="3581400" y="6858000"/>
+                </a:lnTo>
+                <a:lnTo>
+                  <a:pt x="0" y="6858000"/>
+                </a:lnTo>
+                <a:close/>
+              </a:path>
+            </a:pathLst>
+          </a:custGeom>
+          <a:solidFill>
+            <a:schemeClr val="bg1">
+              <a:alpha val="30000"/>
+            </a:schemeClr>
+          </a:solidFill>
+          <a:ln>
+            <a:noFill/>
+          </a:ln>
+        </p:spPr>
+        <p:style>
+          <a:lnRef idx="2">
+            <a:schemeClr val="accent1">
+              <a:shade val="50000"/>
+            </a:schemeClr>
+          </a:lnRef>
+          <a:fillRef idx="1">
+            <a:schemeClr val="accent1"/>
+          </a:fillRef>
+          <a:effectRef idx="0">
+            <a:schemeClr val="accent1"/>
+          </a:effectRef>
+          <a:fontRef idx="minor">
+            <a:schemeClr val="lt1"/>
+          </a:fontRef>
+        </p:style>
+        <p:txBody>
+          <a:bodyPr wrap="square" rtlCol="0" anchor="ctr">
+            <a:noAutofit/>
+          </a:bodyPr>
+          <a:lstStyle/>
+          <a:p>
+            <a:pPr algn="ctr"/>
+            <a:endParaRPr lang="en-US"/>
+          </a:p>
+        </p:txBody>
+      </p:sp>
+      <p:sp>
+        <p:nvSpPr>
+          <p:cNvPr id="2" name="Title 1"/>
+          <p:cNvSpPr>
+            <a:spLocks noGrp="1"/>
+          </p:cNvSpPr>
+          <p:nvPr>
+            <p:ph type="title"/>
+          </p:nvPr>
+        </p:nvSpPr>
+        <p:spPr>
+          <a:xfrm>
+            <a:off x="833002" y="365125"/>
+            <a:ext cx="10520702" cy="1325563"/>
+          </a:xfrm>
+        </p:spPr>
+        <p:txBody>
+          <a:bodyPr>
+            <a:normAutofit/>
+          </a:bodyPr>
+          <a:lstStyle/>
+          <a:p>
+            <a:r>
+              <a:rPr lang="en-US" dirty="0"/>
+              <a:t>Overview</a:t>
+            </a:r>
+          </a:p>
+        </p:txBody>
+      </p:sp>
+      <p:sp>
+        <p:nvSpPr>
+          <p:cNvPr id="3" name="Content Placeholder 2"/>
+          <p:cNvSpPr>
+            <a:spLocks noGrp="1"/>
+          </p:cNvSpPr>
+          <p:nvPr>
+            <p:ph idx="1"/>
+          </p:nvPr>
+        </p:nvSpPr>
+        <p:spPr>
+          <a:xfrm>
+            <a:off x="838201" y="2022601"/>
+            <a:ext cx="10515598" cy="4154361"/>
+          </a:xfrm>
+        </p:spPr>
+        <p:txBody>
+          <a:bodyPr>
+            <a:normAutofit lnSpcReduction="10000"/>
+          </a:bodyPr>
+          <a:lstStyle/>
+          <a:p>
+            <a:r>
+              <a:rPr lang="en-US" sz="3600" dirty="0"/>
+              <a:t>Background</a:t>
+            </a:r>
+          </a:p>
+          <a:p>
+            <a:r>
+              <a:rPr lang="en-US" sz="3600" dirty="0"/>
+              <a:t>Flyer Comparison</a:t>
+            </a:r>
+          </a:p>
+          <a:p>
+            <a:r>
+              <a:rPr lang="en-US" sz="3600" dirty="0"/>
+              <a:t>Implementation Steps</a:t>
+            </a:r>
+          </a:p>
+          <a:p>
+            <a:r>
+              <a:rPr lang="en-US" sz="3600" dirty="0"/>
+              <a:t>Deploying to Azure</a:t>
+            </a:r>
+          </a:p>
+          <a:p>
+            <a:r>
+              <a:rPr lang="en-US" sz="3600" dirty="0"/>
+              <a:t>Testing and Documentation</a:t>
+            </a:r>
+          </a:p>
+          <a:p>
+            <a:r>
+              <a:rPr lang="en-US" sz="3600" dirty="0"/>
+              <a:t>Program Pictures</a:t>
+            </a:r>
+          </a:p>
+          <a:p>
+            <a:r>
+              <a:rPr lang="en-US" sz="3600" dirty="0"/>
+              <a:t>Summary</a:t>
+            </a:r>
+          </a:p>
+          <a:p>
+            <a:pPr marL="0" indent="0">
+              <a:buNone/>
+            </a:pPr>
+            <a:endParaRPr lang="en-US" sz="2000" dirty="0"/>
+          </a:p>
+        </p:txBody>
+      </p:sp>
+    </p:spTree>
+    <p:extLst>
+      <p:ext uri="{BB962C8B-B14F-4D97-AF65-F5344CB8AC3E}">
+        <p14:creationId xmlns:p14="http://schemas.microsoft.com/office/powerpoint/2010/main" val="2784239444"/>
+      </p:ext>
+    </p:extLst>
+  </p:cSld>
+  <p:clrMapOvr>
+    <a:overrideClrMapping bg1="dk1" tx1="lt1" bg2="dk2" tx2="lt2" accent1="accent1" accent2="accent2" accent3="accent3" accent4="accent4" accent5="accent5" accent6="accent6" hlink="hlink" folHlink="folHlink"/>
+  </p:clrMapOvr>
+</p:sld>
+</file>
+
+<file path=ppt/slides/slide3.xml><?xml version="1.0" encoding="utf-8"?>
+<p:sld xmlns:a="http://schemas.openxmlformats.org/drawingml/2006/main" xmlns:r="http://schemas.openxmlformats.org/officeDocument/2006/relationships" xmlns:p="http://schemas.openxmlformats.org/presentationml/2006/main">
+  <p:cSld>
+    <p:spTree>
+      <p:nvGrpSpPr>
+        <p:cNvPr id="1" name=""/>
+        <p:cNvGrpSpPr/>
+        <p:nvPr/>
+      </p:nvGrpSpPr>
+      <p:grpSpPr>
+        <a:xfrm>
+          <a:off x="0" y="0"/>
+          <a:ext cx="0" cy="0"/>
+          <a:chOff x="0" y="0"/>
+          <a:chExt cx="0" cy="0"/>
+        </a:xfrm>
+      </p:grpSpPr>
+      <p:sp>
+        <p:nvSpPr>
+          <p:cNvPr id="15" name="Freeform 11"/>
+          <p:cNvSpPr>
+            <a:spLocks noGrp="1" noRot="1" noChangeAspect="1" noMove="1" noResize="1" noEditPoints="1" noAdjustHandles="1" noChangeArrowheads="1" noChangeShapeType="1" noTextEdit="1"/>
+          </p:cNvSpPr>
+          <p:nvPr>
+            <p:extLst>
+              <p:ext uri="{386F3935-93C4-4BCD-93E2-E3B085C9AB24}">
+                <p16:designElem xmlns:p16="http://schemas.microsoft.com/office/powerpoint/2015/main" val="1"/>
+              </p:ext>
+            </p:extLst>
+          </p:nvPr>
+        </p:nvSpPr>
+        <p:spPr>
+          <a:xfrm>
+            <a:off x="4876801" y="1690688"/>
+            <a:ext cx="7316944" cy="5167312"/>
+          </a:xfrm>
+          <a:custGeom>
+            <a:avLst/>
+            <a:gdLst>
+              <a:gd name="connsiteX0" fmla="*/ 0 w 7316944"/>
+              <a:gd name="connsiteY0" fmla="*/ 0 h 5167312"/>
+              <a:gd name="connsiteX1" fmla="*/ 7316944 w 7316944"/>
+              <a:gd name="connsiteY1" fmla="*/ 0 h 5167312"/>
+              <a:gd name="connsiteX2" fmla="*/ 7316944 w 7316944"/>
+              <a:gd name="connsiteY2" fmla="*/ 5167312 h 5167312"/>
+              <a:gd name="connsiteX3" fmla="*/ 472697 w 7316944"/>
+              <a:gd name="connsiteY3" fmla="*/ 5167312 h 5167312"/>
+              <a:gd name="connsiteX4" fmla="*/ 2866576 w 7316944"/>
+              <a:gd name="connsiteY4" fmla="*/ 952 h 5167312"/>
+              <a:gd name="connsiteX5" fmla="*/ 0 w 7316944"/>
+              <a:gd name="connsiteY5" fmla="*/ 952 h 5167312"/>
+            </a:gdLst>
+            <a:ahLst/>
+            <a:cxnLst>
+              <a:cxn ang="0">
+                <a:pos x="connsiteX0" y="connsiteY0"/>
+              </a:cxn>
+              <a:cxn ang="0">
+                <a:pos x="connsiteX1" y="connsiteY1"/>
+              </a:cxn>
+              <a:cxn ang="0">
+                <a:pos x="connsiteX2" y="connsiteY2"/>
+              </a:cxn>
+              <a:cxn ang="0">
+                <a:pos x="connsiteX3" y="connsiteY3"/>
+              </a:cxn>
+              <a:cxn ang="0">
+                <a:pos x="connsiteX4" y="connsiteY4"/>
+              </a:cxn>
+              <a:cxn ang="0">
+                <a:pos x="connsiteX5" y="connsiteY5"/>
+              </a:cxn>
+            </a:cxnLst>
+            <a:rect l="l" t="t" r="r" b="b"/>
+            <a:pathLst>
+              <a:path w="7316944" h="5167312">
+                <a:moveTo>
+                  <a:pt x="0" y="0"/>
+                </a:moveTo>
+                <a:lnTo>
+                  <a:pt x="7316944" y="0"/>
+                </a:lnTo>
+                <a:lnTo>
+                  <a:pt x="7316944" y="5167312"/>
+                </a:lnTo>
+                <a:lnTo>
+                  <a:pt x="472697" y="5167312"/>
+                </a:lnTo>
+                <a:lnTo>
+                  <a:pt x="2866576" y="952"/>
+                </a:lnTo>
+                <a:lnTo>
+                  <a:pt x="0" y="952"/>
+                </a:lnTo>
+                <a:close/>
+              </a:path>
+            </a:pathLst>
+          </a:custGeom>
+          <a:solidFill>
+            <a:schemeClr val="bg2"/>
+          </a:solidFill>
+          <a:ln>
+            <a:noFill/>
+          </a:ln>
+        </p:spPr>
+        <p:style>
+          <a:lnRef idx="2">
+            <a:schemeClr val="accent1">
+              <a:shade val="50000"/>
+            </a:schemeClr>
+          </a:lnRef>
+          <a:fillRef idx="1">
+            <a:schemeClr val="accent1"/>
+          </a:fillRef>
+          <a:effectRef idx="0">
+            <a:schemeClr val="accent1"/>
+          </a:effectRef>
+          <a:fontRef idx="minor">
+            <a:schemeClr val="lt1"/>
+          </a:fontRef>
+        </p:style>
+        <p:txBody>
+          <a:bodyPr wrap="square" rtlCol="0" anchor="ctr">
+            <a:noAutofit/>
+          </a:bodyPr>
+          <a:lstStyle/>
+          <a:p>
+            <a:pPr algn="ctr"/>
+            <a:endParaRPr lang="en-US"/>
+          </a:p>
+        </p:txBody>
+      </p:sp>
+      <p:sp>
+        <p:nvSpPr>
+          <p:cNvPr id="16" name="Freeform 37"/>
+          <p:cNvSpPr>
+            <a:spLocks noGrp="1" noRot="1" noChangeAspect="1" noMove="1" noResize="1" noEditPoints="1" noAdjustHandles="1" noChangeArrowheads="1" noChangeShapeType="1" noTextEdit="1"/>
+          </p:cNvSpPr>
+          <p:nvPr>
+            <p:extLst>
+              <p:ext uri="{386F3935-93C4-4BCD-93E2-E3B085C9AB24}">
+                <p16:designElem xmlns:p16="http://schemas.microsoft.com/office/powerpoint/2015/main" val="1"/>
+              </p:ext>
+            </p:extLst>
+          </p:nvPr>
+        </p:nvSpPr>
+        <p:spPr>
+          <a:xfrm flipV="1">
+            <a:off x="-1746" y="1691164"/>
+            <a:ext cx="7571262" cy="5166360"/>
+          </a:xfrm>
+          <a:custGeom>
+            <a:avLst/>
+            <a:gdLst>
+              <a:gd name="connsiteX0" fmla="*/ 0 w 7571262"/>
+              <a:gd name="connsiteY0" fmla="*/ 5166360 h 5166360"/>
+              <a:gd name="connsiteX1" fmla="*/ 7571262 w 7571262"/>
+              <a:gd name="connsiteY1" fmla="*/ 5166360 h 5166360"/>
+              <a:gd name="connsiteX2" fmla="*/ 5177382 w 7571262"/>
+              <a:gd name="connsiteY2" fmla="*/ 0 h 5166360"/>
+              <a:gd name="connsiteX3" fmla="*/ 5171159 w 7571262"/>
+              <a:gd name="connsiteY3" fmla="*/ 0 h 5166360"/>
+              <a:gd name="connsiteX4" fmla="*/ 3981368 w 7571262"/>
+              <a:gd name="connsiteY4" fmla="*/ 0 h 5166360"/>
+              <a:gd name="connsiteX5" fmla="*/ 2331323 w 7571262"/>
+              <a:gd name="connsiteY5" fmla="*/ 0 h 5166360"/>
+              <a:gd name="connsiteX6" fmla="*/ 0 w 7571262"/>
+              <a:gd name="connsiteY6" fmla="*/ 0 h 5166360"/>
+            </a:gdLst>
+            <a:ahLst/>
+            <a:cxnLst>
+              <a:cxn ang="0">
+                <a:pos x="connsiteX0" y="connsiteY0"/>
+              </a:cxn>
+              <a:cxn ang="0">
+                <a:pos x="connsiteX1" y="connsiteY1"/>
+              </a:cxn>
+              <a:cxn ang="0">
+                <a:pos x="connsiteX2" y="connsiteY2"/>
+              </a:cxn>
+              <a:cxn ang="0">
+                <a:pos x="connsiteX3" y="connsiteY3"/>
+              </a:cxn>
+              <a:cxn ang="0">
+                <a:pos x="connsiteX4" y="connsiteY4"/>
+              </a:cxn>
+              <a:cxn ang="0">
+                <a:pos x="connsiteX5" y="connsiteY5"/>
+              </a:cxn>
+              <a:cxn ang="0">
+                <a:pos x="connsiteX6" y="connsiteY6"/>
+              </a:cxn>
+            </a:cxnLst>
+            <a:rect l="l" t="t" r="r" b="b"/>
+            <a:pathLst>
+              <a:path w="7571262" h="5166360">
+                <a:moveTo>
+                  <a:pt x="0" y="5166360"/>
+                </a:moveTo>
+                <a:lnTo>
+                  <a:pt x="7571262" y="5166360"/>
+                </a:lnTo>
+                <a:lnTo>
+                  <a:pt x="5177382" y="0"/>
+                </a:lnTo>
+                <a:lnTo>
+                  <a:pt x="5171159" y="0"/>
+                </a:lnTo>
+                <a:lnTo>
+                  <a:pt x="3981368" y="0"/>
+                </a:lnTo>
+                <a:lnTo>
+                  <a:pt x="2331323" y="0"/>
+                </a:lnTo>
+                <a:lnTo>
+                  <a:pt x="0" y="0"/>
+                </a:lnTo>
+                <a:close/>
+              </a:path>
+            </a:pathLst>
+          </a:custGeom>
+          <a:solidFill>
+            <a:schemeClr val="tx1">
+              <a:lumMod val="85000"/>
+              <a:lumOff val="15000"/>
+            </a:schemeClr>
+          </a:solidFill>
+          <a:ln>
+            <a:noFill/>
+          </a:ln>
+        </p:spPr>
+        <p:style>
+          <a:lnRef idx="2">
+            <a:schemeClr val="accent1">
+              <a:shade val="50000"/>
+            </a:schemeClr>
+          </a:lnRef>
+          <a:fillRef idx="1">
+            <a:schemeClr val="accent1"/>
+          </a:fillRef>
+          <a:effectRef idx="0">
+            <a:schemeClr val="accent1"/>
+          </a:effectRef>
+          <a:fontRef idx="minor">
+            <a:schemeClr val="lt1"/>
+          </a:fontRef>
+        </p:style>
+        <p:txBody>
+          <a:bodyPr wrap="square" rtlCol="0" anchor="ctr">
+            <a:noAutofit/>
+          </a:bodyPr>
+          <a:lstStyle/>
+          <a:p>
+            <a:pPr algn="ctr"/>
+            <a:endParaRPr lang="en-US"/>
+          </a:p>
+        </p:txBody>
+      </p:sp>
+      <p:pic>
+        <p:nvPicPr>
+          <p:cNvPr id="4" name="Picture 3" descr="A picture containing indoor, bottle, road, sitting&#10;&#10;Description generated with high confidence"/>
+          <p:cNvPicPr>
+            <a:picLocks noChangeAspect="1"/>
+          </p:cNvPicPr>
+          <p:nvPr/>
+        </p:nvPicPr>
+        <p:blipFill>
+          <a:blip r:embed="rId3">
+            <a:extLst>
+              <a:ext uri="{28A0092B-C50C-407E-A947-70E740481C1C}">
+                <a14:useLocalDpi xmlns:a14="http://schemas.microsoft.com/office/drawing/2010/main" val="0"/>
+              </a:ext>
+            </a:extLst>
+          </a:blip>
+          <a:stretch>
+            <a:fillRect/>
+          </a:stretch>
+        </p:blipFill>
+        <p:spPr>
+          <a:xfrm>
+            <a:off x="8366804" y="2459347"/>
+            <a:ext cx="2867025" cy="874092"/>
+          </a:xfrm>
+          <a:custGeom>
+            <a:avLst/>
+            <a:gdLst>
+              <a:gd name="connsiteX0" fmla="*/ 0 w 4636009"/>
+              <a:gd name="connsiteY0" fmla="*/ 0 h 5032375"/>
+              <a:gd name="connsiteX1" fmla="*/ 4636009 w 4636009"/>
+              <a:gd name="connsiteY1" fmla="*/ 0 h 5032375"/>
+              <a:gd name="connsiteX2" fmla="*/ 4636009 w 4636009"/>
+              <a:gd name="connsiteY2" fmla="*/ 5032375 h 5032375"/>
+              <a:gd name="connsiteX3" fmla="*/ 0 w 4636009"/>
+              <a:gd name="connsiteY3" fmla="*/ 5032375 h 5032375"/>
+            </a:gdLst>
+            <a:ahLst/>
+            <a:cxnLst>
+              <a:cxn ang="0">
+                <a:pos x="connsiteX0" y="connsiteY0"/>
+              </a:cxn>
+              <a:cxn ang="0">
+                <a:pos x="connsiteX1" y="connsiteY1"/>
+              </a:cxn>
+              <a:cxn ang="0">
+                <a:pos x="connsiteX2" y="connsiteY2"/>
+              </a:cxn>
+              <a:cxn ang="0">
+                <a:pos x="connsiteX3" y="connsiteY3"/>
+              </a:cxn>
+            </a:cxnLst>
+            <a:rect l="l" t="t" r="r" b="b"/>
+            <a:pathLst>
+              <a:path w="4636009" h="5032375">
+                <a:moveTo>
+                  <a:pt x="0" y="0"/>
+                </a:moveTo>
+                <a:lnTo>
+                  <a:pt x="4636009" y="0"/>
+                </a:lnTo>
+                <a:lnTo>
+                  <a:pt x="4636009" y="5032375"/>
+                </a:lnTo>
+                <a:lnTo>
+                  <a:pt x="0" y="5032375"/>
+                </a:lnTo>
+                <a:close/>
+              </a:path>
+            </a:pathLst>
+          </a:custGeom>
         </p:spPr>
       </p:pic>
       <p:pic>
@@ -5698,17 +7812,60 @@
         </p:blipFill>
         <p:spPr>
           <a:xfrm>
-            <a:off x="8854223" y="1873890"/>
-            <a:ext cx="2499577" cy="762066"/>
+            <a:off x="9458325" y="4728363"/>
+            <a:ext cx="2566886" cy="859906"/>
           </a:xfrm>
-          <a:prstGeom prst="rect">
+          <a:custGeom>
             <a:avLst/>
-          </a:prstGeom>
+            <a:gdLst>
+              <a:gd name="connsiteX0" fmla="*/ 0 w 4636009"/>
+              <a:gd name="connsiteY0" fmla="*/ 0 h 5032375"/>
+              <a:gd name="connsiteX1" fmla="*/ 4636009 w 4636009"/>
+              <a:gd name="connsiteY1" fmla="*/ 0 h 5032375"/>
+              <a:gd name="connsiteX2" fmla="*/ 4636009 w 4636009"/>
+              <a:gd name="connsiteY2" fmla="*/ 5032375 h 5032375"/>
+              <a:gd name="connsiteX3" fmla="*/ 0 w 4636009"/>
+              <a:gd name="connsiteY3" fmla="*/ 5032375 h 5032375"/>
+            </a:gdLst>
+            <a:ahLst/>
+            <a:cxnLst>
+              <a:cxn ang="0">
+                <a:pos x="connsiteX0" y="connsiteY0"/>
+              </a:cxn>
+              <a:cxn ang="0">
+                <a:pos x="connsiteX1" y="connsiteY1"/>
+              </a:cxn>
+              <a:cxn ang="0">
+                <a:pos x="connsiteX2" y="connsiteY2"/>
+              </a:cxn>
+              <a:cxn ang="0">
+                <a:pos x="connsiteX3" y="connsiteY3"/>
+              </a:cxn>
+            </a:cxnLst>
+            <a:rect l="l" t="t" r="r" b="b"/>
+            <a:pathLst>
+              <a:path w="4636009" h="5032375">
+                <a:moveTo>
+                  <a:pt x="0" y="0"/>
+                </a:moveTo>
+                <a:lnTo>
+                  <a:pt x="4636009" y="0"/>
+                </a:lnTo>
+                <a:lnTo>
+                  <a:pt x="4636009" y="5032375"/>
+                </a:lnTo>
+                <a:lnTo>
+                  <a:pt x="0" y="5032375"/>
+                </a:lnTo>
+                <a:close/>
+              </a:path>
+            </a:pathLst>
+          </a:custGeom>
         </p:spPr>
       </p:pic>
       <p:pic>
         <p:nvPicPr>
-          <p:cNvPr id="6" name="Picture 5"/>
+          <p:cNvPr id="6" name="Picture 5" descr="A close up of a sign&#10;&#10;Description generated with very high confidence"/>
           <p:cNvPicPr>
             <a:picLocks noChangeAspect="1"/>
           </p:cNvPicPr>
@@ -5728,44 +7885,14 @@
         </p:blipFill>
         <p:spPr>
           <a:xfrm>
-            <a:off x="4717168" y="1690688"/>
-            <a:ext cx="2757663" cy="2636859"/>
+            <a:off x="6919467" y="4102100"/>
+            <a:ext cx="2211971" cy="2112433"/>
           </a:xfrm>
           <a:prstGeom prst="rect">
             <a:avLst/>
           </a:prstGeom>
         </p:spPr>
       </p:pic>
-    </p:spTree>
-    <p:extLst>
-      <p:ext uri="{BB962C8B-B14F-4D97-AF65-F5344CB8AC3E}">
-        <p14:creationId xmlns:p14="http://schemas.microsoft.com/office/powerpoint/2010/main" val="3408605044"/>
-      </p:ext>
-    </p:extLst>
-  </p:cSld>
-  <p:clrMapOvr>
-    <a:masterClrMapping/>
-  </p:clrMapOvr>
-</p:sld>
-</file>
-
-<file path=ppt/slides/slide2.xml><?xml version="1.0" encoding="utf-8"?>
-<p:sld xmlns:a="http://schemas.openxmlformats.org/drawingml/2006/main" xmlns:r="http://schemas.openxmlformats.org/officeDocument/2006/relationships" xmlns:p="http://schemas.openxmlformats.org/presentationml/2006/main">
-  <p:cSld>
-    <p:spTree>
-      <p:nvGrpSpPr>
-        <p:cNvPr id="1" name=""/>
-        <p:cNvGrpSpPr/>
-        <p:nvPr/>
-      </p:nvGrpSpPr>
-      <p:grpSpPr>
-        <a:xfrm>
-          <a:off x="0" y="0"/>
-          <a:ext cx="0" cy="0"/>
-          <a:chOff x="0" y="0"/>
-          <a:chExt cx="0" cy="0"/>
-        </a:xfrm>
-      </p:grpSpPr>
       <p:sp>
         <p:nvSpPr>
           <p:cNvPr id="2" name="Title 1"/>
@@ -5776,301 +7903,89 @@
             <p:ph type="title"/>
           </p:nvPr>
         </p:nvSpPr>
-        <p:spPr/>
-        <p:txBody>
-          <a:bodyPr/>
-          <a:lstStyle/>
-          <a:p>
-            <a:r>
-              <a:rPr lang="en-US" dirty="0"/>
-              <a:t>Overview</a:t>
-            </a:r>
-          </a:p>
-        </p:txBody>
-      </p:sp>
-      <p:sp>
-        <p:nvSpPr>
-          <p:cNvPr id="3" name="Content Placeholder 2"/>
-          <p:cNvSpPr>
-            <a:spLocks noGrp="1"/>
-          </p:cNvSpPr>
-          <p:nvPr>
-            <p:ph idx="1"/>
-          </p:nvPr>
-        </p:nvSpPr>
-        <p:spPr/>
-        <p:txBody>
-          <a:bodyPr>
-            <a:normAutofit fontScale="92500" lnSpcReduction="20000"/>
-          </a:bodyPr>
-          <a:lstStyle/>
-          <a:p>
-            <a:r>
-              <a:rPr lang="en-US" dirty="0"/>
-              <a:t>Background</a:t>
-            </a:r>
-          </a:p>
-          <a:p>
-            <a:pPr lvl="1"/>
-            <a:r>
-              <a:rPr lang="en-US" dirty="0"/>
-              <a:t>Discussion of Problem Domain and Initial Client Requirements</a:t>
-            </a:r>
-          </a:p>
-          <a:p>
-            <a:r>
-              <a:rPr lang="en-US" dirty="0"/>
-              <a:t>Flyer Example</a:t>
-            </a:r>
-          </a:p>
-          <a:p>
-            <a:r>
-              <a:rPr lang="en-US" dirty="0"/>
-              <a:t>Initial Steps</a:t>
-            </a:r>
-          </a:p>
-          <a:p>
-            <a:r>
-              <a:rPr lang="en-US" dirty="0"/>
-              <a:t>Beginning of Design</a:t>
-            </a:r>
-          </a:p>
-          <a:p>
-            <a:pPr lvl="1"/>
-            <a:r>
-              <a:rPr lang="en-US" dirty="0"/>
-              <a:t>How Requirements changed during development</a:t>
-            </a:r>
-          </a:p>
-          <a:p>
-            <a:pPr lvl="1"/>
-            <a:r>
-              <a:rPr lang="en-US" dirty="0"/>
-              <a:t>Technologies decided on</a:t>
-            </a:r>
-          </a:p>
-          <a:p>
-            <a:r>
-              <a:rPr lang="en-US" dirty="0"/>
-              <a:t>Refinement of Design</a:t>
-            </a:r>
-          </a:p>
-          <a:p>
-            <a:pPr lvl="1"/>
-            <a:r>
-              <a:rPr lang="en-US" dirty="0"/>
-              <a:t>Software Design Document</a:t>
-            </a:r>
-          </a:p>
-          <a:p>
-            <a:pPr lvl="1"/>
-            <a:r>
-              <a:rPr lang="en-US" dirty="0"/>
-              <a:t>Prototype Source Code</a:t>
-            </a:r>
-          </a:p>
-          <a:p>
-            <a:r>
-              <a:rPr lang="en-US" dirty="0"/>
-              <a:t>Brief Prototype Demonstration</a:t>
-            </a:r>
-          </a:p>
-          <a:p>
-            <a:r>
-              <a:rPr lang="en-US" dirty="0"/>
-              <a:t>Summary</a:t>
-            </a:r>
-          </a:p>
-          <a:p>
-            <a:pPr marL="0" indent="0">
-              <a:buNone/>
-            </a:pPr>
-            <a:endParaRPr lang="en-US" dirty="0"/>
-          </a:p>
-        </p:txBody>
-      </p:sp>
-    </p:spTree>
-    <p:extLst>
-      <p:ext uri="{BB962C8B-B14F-4D97-AF65-F5344CB8AC3E}">
-        <p14:creationId xmlns:p14="http://schemas.microsoft.com/office/powerpoint/2010/main" val="2784239444"/>
-      </p:ext>
-    </p:extLst>
-  </p:cSld>
-  <p:clrMapOvr>
-    <a:masterClrMapping/>
-  </p:clrMapOvr>
-</p:sld>
-</file>
-
-<file path=ppt/slides/slide3.xml><?xml version="1.0" encoding="utf-8"?>
-<p:sld xmlns:a="http://schemas.openxmlformats.org/drawingml/2006/main" xmlns:r="http://schemas.openxmlformats.org/officeDocument/2006/relationships" xmlns:p="http://schemas.openxmlformats.org/presentationml/2006/main">
-  <p:cSld>
-    <p:spTree>
-      <p:nvGrpSpPr>
-        <p:cNvPr id="1" name=""/>
-        <p:cNvGrpSpPr/>
-        <p:nvPr/>
-      </p:nvGrpSpPr>
-      <p:grpSpPr>
-        <a:xfrm>
-          <a:off x="0" y="0"/>
-          <a:ext cx="0" cy="0"/>
-          <a:chOff x="0" y="0"/>
-          <a:chExt cx="0" cy="0"/>
-        </a:xfrm>
-      </p:grpSpPr>
-      <p:sp>
-        <p:nvSpPr>
-          <p:cNvPr id="2" name="Title 1"/>
-          <p:cNvSpPr>
-            <a:spLocks noGrp="1"/>
-          </p:cNvSpPr>
-          <p:nvPr>
-            <p:ph type="title"/>
-          </p:nvPr>
-        </p:nvSpPr>
-        <p:spPr/>
-        <p:txBody>
-          <a:bodyPr/>
-          <a:lstStyle/>
-          <a:p>
-            <a:r>
-              <a:rPr lang="en-US" dirty="0"/>
-              <a:t>Background</a:t>
-            </a:r>
-          </a:p>
-        </p:txBody>
-      </p:sp>
-      <p:sp>
-        <p:nvSpPr>
-          <p:cNvPr id="3" name="Content Placeholder 2"/>
-          <p:cNvSpPr>
-            <a:spLocks noGrp="1"/>
-          </p:cNvSpPr>
-          <p:nvPr>
-            <p:ph idx="1"/>
-          </p:nvPr>
-        </p:nvSpPr>
-        <p:spPr/>
-        <p:txBody>
-          <a:bodyPr/>
-          <a:lstStyle/>
-          <a:p>
-            <a:r>
-              <a:rPr lang="en-US" dirty="0"/>
-              <a:t>Project is for the Food Giant </a:t>
-            </a:r>
-          </a:p>
-          <a:p>
-            <a:r>
-              <a:rPr lang="en-US" dirty="0"/>
-              <a:t>Problem came up when talking about work with friend</a:t>
-            </a:r>
-          </a:p>
-          <a:p>
-            <a:r>
-              <a:rPr lang="en-US" dirty="0"/>
-              <a:t>Stores have issue with excess inventory</a:t>
-            </a:r>
-          </a:p>
-          <a:p>
-            <a:r>
-              <a:rPr lang="en-US" dirty="0"/>
-              <a:t>No way to quickly promote store-specific sale items</a:t>
-            </a:r>
-          </a:p>
-        </p:txBody>
-      </p:sp>
-      <p:pic>
-        <p:nvPicPr>
-          <p:cNvPr id="4" name="Picture 3"/>
-          <p:cNvPicPr>
-            <a:picLocks noChangeAspect="1"/>
-          </p:cNvPicPr>
-          <p:nvPr/>
-        </p:nvPicPr>
-        <p:blipFill>
-          <a:blip r:embed="rId3">
-            <a:extLst>
-              <a:ext uri="{28A0092B-C50C-407E-A947-70E740481C1C}">
-                <a14:useLocalDpi xmlns:a14="http://schemas.microsoft.com/office/drawing/2010/main" val="0"/>
-              </a:ext>
-            </a:extLst>
-          </a:blip>
-          <a:stretch>
-            <a:fillRect/>
-          </a:stretch>
-        </p:blipFill>
         <p:spPr>
           <a:xfrm>
-            <a:off x="838200" y="4003532"/>
-            <a:ext cx="2499577" cy="762066"/>
+            <a:off x="838200" y="365125"/>
+            <a:ext cx="10515600" cy="1325563"/>
           </a:xfrm>
-          <a:prstGeom prst="rect">
-            <a:avLst/>
-          </a:prstGeom>
         </p:spPr>
-      </p:pic>
-      <p:pic>
-        <p:nvPicPr>
-          <p:cNvPr id="5" name="Picture 4"/>
-          <p:cNvPicPr>
-            <a:picLocks noChangeAspect="1"/>
-          </p:cNvPicPr>
-          <p:nvPr/>
-        </p:nvPicPr>
-        <p:blipFill>
-          <a:blip r:embed="rId4">
-            <a:extLst>
-              <a:ext uri="{28A0092B-C50C-407E-A947-70E740481C1C}">
-                <a14:useLocalDpi xmlns:a14="http://schemas.microsoft.com/office/drawing/2010/main" val="0"/>
-              </a:ext>
-            </a:extLst>
-          </a:blip>
-          <a:stretch>
-            <a:fillRect/>
-          </a:stretch>
-        </p:blipFill>
+        <p:txBody>
+          <a:bodyPr>
+            <a:normAutofit/>
+          </a:bodyPr>
+          <a:lstStyle/>
+          <a:p>
+            <a:r>
+              <a:rPr lang="en-US"/>
+              <a:t>Background</a:t>
+            </a:r>
+            <a:endParaRPr lang="en-US" dirty="0"/>
+          </a:p>
+        </p:txBody>
+      </p:sp>
+      <p:sp>
+        <p:nvSpPr>
+          <p:cNvPr id="3" name="Content Placeholder 2"/>
+          <p:cNvSpPr>
+            <a:spLocks noGrp="1"/>
+          </p:cNvSpPr>
+          <p:nvPr>
+            <p:ph idx="1"/>
+          </p:nvPr>
+        </p:nvSpPr>
         <p:spPr>
           <a:xfrm>
-            <a:off x="8854223" y="4001294"/>
-            <a:ext cx="2499577" cy="762066"/>
+            <a:off x="838200" y="2015406"/>
+            <a:ext cx="5097779" cy="3825836"/>
           </a:xfrm>
-          <a:prstGeom prst="rect">
-            <a:avLst/>
-          </a:prstGeom>
         </p:spPr>
-      </p:pic>
-      <p:pic>
-        <p:nvPicPr>
-          <p:cNvPr id="6" name="Picture 5"/>
-          <p:cNvPicPr>
-            <a:picLocks noChangeAspect="1"/>
-          </p:cNvPicPr>
-          <p:nvPr/>
-        </p:nvPicPr>
-        <p:blipFill>
-          <a:blip r:embed="rId5">
-            <a:extLst>
-              <a:ext uri="{28A0092B-C50C-407E-A947-70E740481C1C}">
-                <a14:useLocalDpi xmlns:a14="http://schemas.microsoft.com/office/drawing/2010/main" val="0"/>
-              </a:ext>
-            </a:extLst>
-          </a:blip>
-          <a:stretch>
-            <a:fillRect/>
-          </a:stretch>
-        </p:blipFill>
-        <p:spPr>
-          <a:xfrm>
-            <a:off x="4717168" y="3818092"/>
-            <a:ext cx="2757663" cy="2636859"/>
-          </a:xfrm>
-          <a:prstGeom prst="rect">
-            <a:avLst/>
-          </a:prstGeom>
-        </p:spPr>
-      </p:pic>
+        <p:txBody>
+          <a:bodyPr anchor="t">
+            <a:normAutofit lnSpcReduction="10000"/>
+          </a:bodyPr>
+          <a:lstStyle/>
+          <a:p>
+            <a:r>
+              <a:rPr lang="en-US" sz="3200" dirty="0">
+                <a:solidFill>
+                  <a:schemeClr val="bg1"/>
+                </a:solidFill>
+              </a:rPr>
+              <a:t>Project is for the Food Giant </a:t>
+            </a:r>
+          </a:p>
+          <a:p>
+            <a:r>
+              <a:rPr lang="en-US" sz="3200" dirty="0">
+                <a:solidFill>
+                  <a:schemeClr val="bg1"/>
+                </a:solidFill>
+              </a:rPr>
+              <a:t>Problem came up when talking about work with friend</a:t>
+            </a:r>
+          </a:p>
+          <a:p>
+            <a:r>
+              <a:rPr lang="en-US" sz="3200" dirty="0">
+                <a:solidFill>
+                  <a:schemeClr val="bg1"/>
+                </a:solidFill>
+              </a:rPr>
+              <a:t>Stores have issue with excess inventory</a:t>
+            </a:r>
+          </a:p>
+          <a:p>
+            <a:r>
+              <a:rPr lang="en-US" sz="3200" dirty="0">
+                <a:solidFill>
+                  <a:schemeClr val="bg1"/>
+                </a:solidFill>
+              </a:rPr>
+              <a:t>No way to quickly promote store-specific sale items</a:t>
+            </a:r>
+          </a:p>
+        </p:txBody>
+      </p:sp>
     </p:spTree>
     <p:extLst>
       <p:ext uri="{BB962C8B-B14F-4D97-AF65-F5344CB8AC3E}">
@@ -6103,29 +8018,197 @@
       </p:grpSpPr>
       <p:sp>
         <p:nvSpPr>
-          <p:cNvPr id="2" name="Title 1"/>
-          <p:cNvSpPr>
-            <a:spLocks noGrp="1"/>
-          </p:cNvSpPr>
-          <p:nvPr>
-            <p:ph type="title"/>
-          </p:nvPr>
-        </p:nvSpPr>
-        <p:spPr/>
-        <p:txBody>
-          <a:bodyPr/>
-          <a:lstStyle/>
-          <a:p>
-            <a:r>
-              <a:rPr lang="en-US" dirty="0"/>
-              <a:t>Food Giant Flyer Example</a:t>
-            </a:r>
-          </a:p>
-        </p:txBody>
-      </p:sp>
+          <p:cNvPr id="13" name="Rectangle 12"/>
+          <p:cNvSpPr>
+            <a:spLocks noGrp="1" noRot="1" noChangeAspect="1" noMove="1" noResize="1" noEditPoints="1" noAdjustHandles="1" noChangeArrowheads="1" noChangeShapeType="1" noTextEdit="1"/>
+          </p:cNvSpPr>
+          <p:nvPr>
+            <p:extLst>
+              <p:ext uri="{386F3935-93C4-4BCD-93E2-E3B085C9AB24}">
+                <p16:designElem xmlns:p16="http://schemas.microsoft.com/office/powerpoint/2015/main" val="1"/>
+              </p:ext>
+            </p:extLst>
+          </p:nvPr>
+        </p:nvSpPr>
+        <p:spPr bwMode="white">
+          <a:xfrm>
+            <a:off x="0" y="0"/>
+            <a:ext cx="12192000" cy="6858000"/>
+          </a:xfrm>
+          <a:prstGeom prst="rect">
+            <a:avLst/>
+          </a:prstGeom>
+          <a:solidFill>
+            <a:schemeClr val="bg1"/>
+          </a:solidFill>
+          <a:ln>
+            <a:noFill/>
+          </a:ln>
+          <a:effectLst/>
+        </p:spPr>
+      </p:sp>
+      <p:sp>
+        <p:nvSpPr>
+          <p:cNvPr id="15" name="Rectangle 14"/>
+          <p:cNvSpPr>
+            <a:spLocks noGrp="1" noRot="1" noChangeAspect="1" noMove="1" noResize="1" noEditPoints="1" noAdjustHandles="1" noChangeArrowheads="1" noChangeShapeType="1" noTextEdit="1"/>
+          </p:cNvSpPr>
+          <p:nvPr>
+            <p:extLst>
+              <p:ext uri="{386F3935-93C4-4BCD-93E2-E3B085C9AB24}">
+                <p16:designElem xmlns:p16="http://schemas.microsoft.com/office/powerpoint/2015/main" val="1"/>
+              </p:ext>
+            </p:extLst>
+          </p:nvPr>
+        </p:nvSpPr>
+        <p:spPr bwMode="ltGray">
+          <a:xfrm>
+            <a:off x="378068" y="4633546"/>
+            <a:ext cx="11438793" cy="1844256"/>
+          </a:xfrm>
+          <a:prstGeom prst="rect">
+            <a:avLst/>
+          </a:prstGeom>
+          <a:solidFill>
+            <a:schemeClr val="tx1">
+              <a:lumMod val="75000"/>
+              <a:lumOff val="25000"/>
+            </a:schemeClr>
+          </a:solidFill>
+          <a:ln w="127000" cap="sq" cmpd="thinThick">
+            <a:solidFill>
+              <a:schemeClr val="tx1">
+                <a:lumMod val="75000"/>
+                <a:lumOff val="25000"/>
+              </a:schemeClr>
+            </a:solidFill>
+          </a:ln>
+        </p:spPr>
+        <p:style>
+          <a:lnRef idx="2">
+            <a:schemeClr val="accent1">
+              <a:shade val="50000"/>
+            </a:schemeClr>
+          </a:lnRef>
+          <a:fillRef idx="1">
+            <a:schemeClr val="accent1"/>
+          </a:fillRef>
+          <a:effectRef idx="0">
+            <a:schemeClr val="accent1"/>
+          </a:effectRef>
+          <a:fontRef idx="minor">
+            <a:schemeClr val="lt1"/>
+          </a:fontRef>
+        </p:style>
+        <p:txBody>
+          <a:bodyPr rtlCol="0" anchor="ctr"/>
+          <a:lstStyle/>
+          <a:p>
+            <a:pPr algn="ctr"/>
+            <a:endParaRPr lang="en-US"/>
+          </a:p>
+        </p:txBody>
+      </p:sp>
+      <p:cxnSp>
+        <p:nvCxnSpPr>
+          <p:cNvPr id="17" name="Straight Connector 16"/>
+          <p:cNvCxnSpPr>
+            <a:cxnSpLocks noGrp="1" noRot="1" noChangeAspect="1" noMove="1" noResize="1" noEditPoints="1" noAdjustHandles="1" noChangeArrowheads="1" noChangeShapeType="1"/>
+          </p:cNvCxnSpPr>
+          <p:nvPr>
+            <p:extLst>
+              <p:ext uri="{386F3935-93C4-4BCD-93E2-E3B085C9AB24}">
+                <p16:designElem xmlns:p16="http://schemas.microsoft.com/office/powerpoint/2015/main" val="1"/>
+              </p:ext>
+            </p:extLst>
+          </p:nvPr>
+        </p:nvCxnSpPr>
+        <p:spPr>
+          <a:xfrm>
+            <a:off x="2209800" y="5738691"/>
+            <a:ext cx="7772400" cy="0"/>
+          </a:xfrm>
+          <a:prstGeom prst="line">
+            <a:avLst/>
+          </a:prstGeom>
+          <a:ln w="22225">
+            <a:solidFill>
+              <a:schemeClr val="bg1">
+                <a:lumMod val="85000"/>
+              </a:schemeClr>
+            </a:solidFill>
+          </a:ln>
+        </p:spPr>
+        <p:style>
+          <a:lnRef idx="1">
+            <a:schemeClr val="accent1"/>
+          </a:lnRef>
+          <a:fillRef idx="0">
+            <a:schemeClr val="accent1"/>
+          </a:fillRef>
+          <a:effectRef idx="0">
+            <a:schemeClr val="accent1"/>
+          </a:effectRef>
+          <a:fontRef idx="minor">
+            <a:schemeClr val="tx1"/>
+          </a:fontRef>
+        </p:style>
+      </p:cxnSp>
+      <p:cxnSp>
+        <p:nvCxnSpPr>
+          <p:cNvPr id="19" name="Straight Connector 18"/>
+          <p:cNvCxnSpPr>
+            <a:cxnSpLocks noGrp="1" noRot="1" noChangeAspect="1" noMove="1" noResize="1" noEditPoints="1" noAdjustHandles="1" noChangeArrowheads="1" noChangeShapeType="1"/>
+          </p:cNvCxnSpPr>
+          <p:nvPr>
+            <p:extLst>
+              <p:ext uri="{386F3935-93C4-4BCD-93E2-E3B085C9AB24}">
+                <p16:designElem xmlns:p16="http://schemas.microsoft.com/office/powerpoint/2015/main" val="1"/>
+              </p:ext>
+            </p:extLst>
+          </p:nvPr>
+        </p:nvCxnSpPr>
+        <p:spPr>
+          <a:xfrm>
+            <a:off x="6096000" y="477749"/>
+            <a:ext cx="0" cy="3657600"/>
+          </a:xfrm>
+          <a:prstGeom prst="line">
+            <a:avLst/>
+          </a:prstGeom>
+          <a:ln w="101600" cmpd="dbl">
+            <a:solidFill>
+              <a:schemeClr val="tx1">
+                <a:lumMod val="65000"/>
+                <a:lumOff val="35000"/>
+              </a:schemeClr>
+            </a:solidFill>
+          </a:ln>
+        </p:spPr>
+        <p:style>
+          <a:lnRef idx="1">
+            <a:schemeClr val="accent1"/>
+          </a:lnRef>
+          <a:fillRef idx="0">
+            <a:schemeClr val="accent1"/>
+          </a:fillRef>
+          <a:effectRef idx="0">
+            <a:schemeClr val="accent1"/>
+          </a:effectRef>
+          <a:fontRef idx="minor">
+            <a:schemeClr val="tx1"/>
+          </a:fontRef>
+        </p:style>
+      </p:cxnSp>
       <p:pic>
         <p:nvPicPr>
-          <p:cNvPr id="5" name="Content Placeholder 4"/>
+          <p:cNvPr id="6" name="Content Placeholder 5" descr="A screenshot of a cell phone&#10;&#10;Description generated with very high confidence">
+            <a:extLst>
+              <a:ext uri="{FF2B5EF4-FFF2-40B4-BE49-F238E27FC236}">
+                <a16:creationId xmlns:a16="http://schemas.microsoft.com/office/drawing/2014/main" id="{B0E44093-A626-43BA-9F43-8ABE834BFBF0}"/>
+              </a:ext>
+            </a:extLst>
+          </p:cNvPr>
           <p:cNvPicPr>
             <a:picLocks noGrp="1" noChangeAspect="1"/>
           </p:cNvPicPr>
@@ -6147,15 +8230,88 @@
         </p:blipFill>
         <p:spPr>
           <a:xfrm>
-            <a:off x="2612571" y="1353037"/>
-            <a:ext cx="6345231" cy="4823926"/>
+            <a:off x="426597" y="307731"/>
+            <a:ext cx="5242803" cy="3997637"/>
+          </a:xfrm>
+          <a:prstGeom prst="rect">
+            <a:avLst/>
+          </a:prstGeom>
+        </p:spPr>
+      </p:pic>
+      <p:pic>
+        <p:nvPicPr>
+          <p:cNvPr id="8" name="Content Placeholder 4" descr="A screenshot of a cell phone&#10;&#10;Description generated with very high confidence"/>
+          <p:cNvPicPr>
+            <a:picLocks noChangeAspect="1"/>
+          </p:cNvPicPr>
+          <p:nvPr/>
+        </p:nvPicPr>
+        <p:blipFill>
+          <a:blip r:embed="rId4">
+            <a:extLst>
+              <a:ext uri="{28A0092B-C50C-407E-A947-70E740481C1C}">
+                <a14:useLocalDpi xmlns:a14="http://schemas.microsoft.com/office/drawing/2010/main" val="0"/>
+              </a:ext>
+            </a:extLst>
+          </a:blip>
+          <a:stretch>
+            <a:fillRect/>
+          </a:stretch>
+        </p:blipFill>
+        <p:spPr>
+          <a:xfrm>
+            <a:off x="6416043" y="888011"/>
+            <a:ext cx="5455917" cy="2837077"/>
+          </a:xfrm>
+          <a:prstGeom prst="rect">
+            <a:avLst/>
+          </a:prstGeom>
+        </p:spPr>
+      </p:pic>
+      <p:sp>
+        <p:nvSpPr>
+          <p:cNvPr id="2" name="Title 1">
+            <a:extLst>
+              <a:ext uri="{FF2B5EF4-FFF2-40B4-BE49-F238E27FC236}">
+                <a16:creationId xmlns:a16="http://schemas.microsoft.com/office/drawing/2014/main" id="{6CD225D1-F826-4698-88E5-6DCAD832A926}"/>
+              </a:ext>
+            </a:extLst>
+          </p:cNvPr>
+          <p:cNvSpPr>
+            <a:spLocks noGrp="1"/>
+          </p:cNvSpPr>
+          <p:nvPr>
+            <p:ph type="title"/>
+          </p:nvPr>
+        </p:nvSpPr>
+        <p:spPr>
+          <a:xfrm>
+            <a:off x="527538" y="4756638"/>
+            <a:ext cx="11139854" cy="930447"/>
           </a:xfrm>
         </p:spPr>
-      </p:pic>
+        <p:txBody>
+          <a:bodyPr vert="horz" lIns="91440" tIns="45720" rIns="91440" bIns="45720" rtlCol="0" anchor="b">
+            <a:normAutofit/>
+          </a:bodyPr>
+          <a:lstStyle/>
+          <a:p>
+            <a:pPr algn="ctr"/>
+            <a:r>
+              <a:rPr lang="en-US" sz="5400">
+                <a:solidFill>
+                  <a:schemeClr val="bg1"/>
+                </a:solidFill>
+              </a:rPr>
+              <a:t>Flyer Comparison Picture</a:t>
+            </a:r>
+          </a:p>
+        </p:txBody>
+      </p:sp>
     </p:spTree>
     <p:extLst>
       <p:ext uri="{BB962C8B-B14F-4D97-AF65-F5344CB8AC3E}">
-        <p14:creationId xmlns:p14="http://schemas.microsoft.com/office/powerpoint/2010/main" val="274863970"/>
+        <p14:creationId xmlns:p14="http://schemas.microsoft.com/office/powerpoint/2010/main" val="466035362"/>
       </p:ext>
     </p:extLst>
   </p:cSld>
@@ -6184,7 +8340,139 @@
       </p:grpSpPr>
       <p:sp>
         <p:nvSpPr>
-          <p:cNvPr id="2" name="Title 1"/>
+          <p:cNvPr id="10" name="Rectangle 9"/>
+          <p:cNvSpPr>
+            <a:spLocks noGrp="1" noRot="1" noChangeAspect="1" noMove="1" noResize="1" noEditPoints="1" noAdjustHandles="1" noChangeArrowheads="1" noChangeShapeType="1" noTextEdit="1"/>
+          </p:cNvSpPr>
+          <p:nvPr>
+            <p:extLst>
+              <p:ext uri="{386F3935-93C4-4BCD-93E2-E3B085C9AB24}">
+                <p16:designElem xmlns:p16="http://schemas.microsoft.com/office/powerpoint/2015/main" val="1"/>
+              </p:ext>
+            </p:extLst>
+          </p:nvPr>
+        </p:nvSpPr>
+        <p:spPr bwMode="white">
+          <a:xfrm>
+            <a:off x="0" y="0"/>
+            <a:ext cx="12192000" cy="6858000"/>
+          </a:xfrm>
+          <a:prstGeom prst="rect">
+            <a:avLst/>
+          </a:prstGeom>
+          <a:solidFill>
+            <a:schemeClr val="bg1"/>
+          </a:solidFill>
+          <a:ln>
+            <a:noFill/>
+          </a:ln>
+          <a:effectLst/>
+        </p:spPr>
+      </p:sp>
+      <p:sp>
+        <p:nvSpPr>
+          <p:cNvPr id="12" name="Rectangle 11"/>
+          <p:cNvSpPr>
+            <a:spLocks noGrp="1" noRot="1" noChangeAspect="1" noMove="1" noResize="1" noEditPoints="1" noAdjustHandles="1" noChangeArrowheads="1" noChangeShapeType="1" noTextEdit="1"/>
+          </p:cNvSpPr>
+          <p:nvPr>
+            <p:extLst>
+              <p:ext uri="{386F3935-93C4-4BCD-93E2-E3B085C9AB24}">
+                <p16:designElem xmlns:p16="http://schemas.microsoft.com/office/powerpoint/2015/main" val="1"/>
+              </p:ext>
+            </p:extLst>
+          </p:nvPr>
+        </p:nvSpPr>
+        <p:spPr>
+          <a:xfrm>
+            <a:off x="0" y="0"/>
+            <a:ext cx="2013557" cy="6858000"/>
+          </a:xfrm>
+          <a:prstGeom prst="rect">
+            <a:avLst/>
+          </a:prstGeom>
+          <a:solidFill>
+            <a:schemeClr val="tx1">
+              <a:lumMod val="50000"/>
+              <a:lumOff val="50000"/>
+            </a:schemeClr>
+          </a:solidFill>
+          <a:ln>
+            <a:noFill/>
+          </a:ln>
+        </p:spPr>
+        <p:style>
+          <a:lnRef idx="2">
+            <a:schemeClr val="accent1">
+              <a:shade val="50000"/>
+            </a:schemeClr>
+          </a:lnRef>
+          <a:fillRef idx="1">
+            <a:schemeClr val="accent1"/>
+          </a:fillRef>
+          <a:effectRef idx="0">
+            <a:schemeClr val="accent1"/>
+          </a:effectRef>
+          <a:fontRef idx="minor">
+            <a:schemeClr val="lt1"/>
+          </a:fontRef>
+        </p:style>
+        <p:txBody>
+          <a:bodyPr rtlCol="0" anchor="ctr"/>
+          <a:lstStyle/>
+          <a:p>
+            <a:pPr algn="ctr"/>
+            <a:endParaRPr lang="en-US"/>
+          </a:p>
+        </p:txBody>
+      </p:sp>
+      <p:pic>
+        <p:nvPicPr>
+          <p:cNvPr id="5" name="Content Placeholder 4">
+            <a:extLst>
+              <a:ext uri="{FF2B5EF4-FFF2-40B4-BE49-F238E27FC236}">
+                <a16:creationId xmlns:a16="http://schemas.microsoft.com/office/drawing/2014/main" id="{E4AE735B-A1F2-4E34-A9E6-8990A387200D}"/>
+              </a:ext>
+            </a:extLst>
+          </p:cNvPr>
+          <p:cNvPicPr>
+            <a:picLocks noGrp="1" noChangeAspect="1"/>
+          </p:cNvPicPr>
+          <p:nvPr>
+            <p:ph idx="1"/>
+          </p:nvPr>
+        </p:nvPicPr>
+        <p:blipFill>
+          <a:blip r:embed="rId3">
+            <a:extLst>
+              <a:ext uri="{28A0092B-C50C-407E-A947-70E740481C1C}">
+                <a14:useLocalDpi xmlns:a14="http://schemas.microsoft.com/office/drawing/2010/main" val="0"/>
+              </a:ext>
+            </a:extLst>
+          </a:blip>
+          <a:stretch>
+            <a:fillRect/>
+          </a:stretch>
+        </p:blipFill>
+        <p:spPr>
+          <a:xfrm>
+            <a:off x="4227489" y="961812"/>
+            <a:ext cx="6810420" cy="4930987"/>
+          </a:xfrm>
+          <a:prstGeom prst="rect">
+            <a:avLst/>
+          </a:prstGeom>
+        </p:spPr>
+      </p:pic>
+      <p:sp>
+        <p:nvSpPr>
+          <p:cNvPr id="2" name="Title 1">
+            <a:extLst>
+              <a:ext uri="{FF2B5EF4-FFF2-40B4-BE49-F238E27FC236}">
+                <a16:creationId xmlns:a16="http://schemas.microsoft.com/office/drawing/2014/main" id="{D1AC6965-019A-4FF4-BA4C-1E11756F7496}"/>
+              </a:ext>
+            </a:extLst>
+          </p:cNvPr>
           <p:cNvSpPr>
             <a:spLocks noGrp="1"/>
           </p:cNvSpPr>
@@ -6192,59 +8480,54 @@
             <p:ph type="title"/>
           </p:nvPr>
         </p:nvSpPr>
-        <p:spPr/>
-        <p:txBody>
-          <a:bodyPr/>
-          <a:lstStyle/>
-          <a:p>
-            <a:r>
-              <a:rPr lang="en-US" dirty="0"/>
-              <a:t>Initial Steps</a:t>
-            </a:r>
-          </a:p>
-        </p:txBody>
-      </p:sp>
-      <p:sp>
-        <p:nvSpPr>
-          <p:cNvPr id="3" name="Content Placeholder 2"/>
-          <p:cNvSpPr>
-            <a:spLocks noGrp="1"/>
-          </p:cNvSpPr>
-          <p:nvPr>
-            <p:ph idx="1"/>
-          </p:nvPr>
-        </p:nvSpPr>
-        <p:spPr/>
-        <p:txBody>
-          <a:bodyPr/>
-          <a:lstStyle/>
-          <a:p>
-            <a:r>
-              <a:rPr lang="en-US" dirty="0"/>
-              <a:t>Thought About Requirements</a:t>
-            </a:r>
-          </a:p>
-          <a:p>
-            <a:r>
-              <a:rPr lang="en-US" dirty="0"/>
-              <a:t>Refined Project Definition</a:t>
-            </a:r>
-          </a:p>
-          <a:p>
-            <a:r>
-              <a:rPr lang="en-US" dirty="0"/>
-              <a:t>Discussed what program should do with client</a:t>
-            </a:r>
-          </a:p>
-          <a:p>
-            <a:endParaRPr lang="en-US" dirty="0"/>
+        <p:spPr>
+          <a:xfrm>
+            <a:off x="640080" y="2074363"/>
+            <a:ext cx="2752354" cy="2709275"/>
+          </a:xfrm>
+          <a:prstGeom prst="ellipse">
+            <a:avLst/>
+          </a:prstGeom>
+          <a:solidFill>
+            <a:schemeClr val="tx1">
+              <a:lumMod val="85000"/>
+              <a:lumOff val="15000"/>
+            </a:schemeClr>
+          </a:solidFill>
+          <a:ln w="174625" cmpd="thinThick">
+            <a:solidFill>
+              <a:schemeClr val="tx1">
+                <a:lumMod val="85000"/>
+                <a:lumOff val="15000"/>
+              </a:schemeClr>
+            </a:solidFill>
+          </a:ln>
+        </p:spPr>
+        <p:txBody>
+          <a:bodyPr vert="horz" lIns="91440" tIns="45720" rIns="91440" bIns="45720" rtlCol="0" anchor="ctr">
+            <a:normAutofit/>
+          </a:bodyPr>
+          <a:lstStyle/>
+          <a:p>
+            <a:pPr algn="ctr"/>
+            <a:r>
+              <a:rPr lang="en-US" sz="2600" kern="1200">
+                <a:solidFill>
+                  <a:schemeClr val="bg1"/>
+                </a:solidFill>
+                <a:latin typeface="+mj-lt"/>
+                <a:ea typeface="+mj-ea"/>
+                <a:cs typeface="+mj-cs"/>
+              </a:rPr>
+              <a:t>Tire Swing</a:t>
+            </a:r>
           </a:p>
         </p:txBody>
       </p:sp>
     </p:spTree>
     <p:extLst>
       <p:ext uri="{BB962C8B-B14F-4D97-AF65-F5344CB8AC3E}">
-        <p14:creationId xmlns:p14="http://schemas.microsoft.com/office/powerpoint/2010/main" val="600052595"/>
+        <p14:creationId xmlns:p14="http://schemas.microsoft.com/office/powerpoint/2010/main" val="1967793712"/>
       </p:ext>
     </p:extLst>
   </p:cSld>
@@ -6273,66 +8556,227 @@
       </p:grpSpPr>
       <p:sp>
         <p:nvSpPr>
-          <p:cNvPr id="2" name="Title 1"/>
-          <p:cNvSpPr>
-            <a:spLocks noGrp="1"/>
-          </p:cNvSpPr>
-          <p:nvPr>
-            <p:ph type="title"/>
-          </p:nvPr>
-        </p:nvSpPr>
-        <p:spPr/>
-        <p:txBody>
-          <a:bodyPr/>
-          <a:lstStyle/>
-          <a:p>
-            <a:r>
-              <a:rPr lang="en-US" dirty="0"/>
-              <a:t>Beginning of Design</a:t>
-            </a:r>
-          </a:p>
-        </p:txBody>
-      </p:sp>
-      <p:sp>
-        <p:nvSpPr>
-          <p:cNvPr id="3" name="Content Placeholder 2"/>
-          <p:cNvSpPr>
-            <a:spLocks noGrp="1"/>
-          </p:cNvSpPr>
-          <p:nvPr>
-            <p:ph idx="1"/>
-          </p:nvPr>
-        </p:nvSpPr>
-        <p:spPr/>
-        <p:txBody>
-          <a:bodyPr/>
-          <a:lstStyle/>
-          <a:p>
-            <a:r>
-              <a:rPr lang="en-US" dirty="0"/>
-              <a:t>Started Initial Design</a:t>
-            </a:r>
-          </a:p>
-          <a:p>
-            <a:r>
-              <a:rPr lang="en-US" dirty="0"/>
-              <a:t>Wrote Research Paper</a:t>
-            </a:r>
-          </a:p>
-          <a:p>
-            <a:r>
-              <a:rPr lang="en-US" dirty="0"/>
-              <a:t>Created Git Repository</a:t>
-            </a:r>
-          </a:p>
-          <a:p>
-            <a:endParaRPr lang="en-US" dirty="0"/>
+          <p:cNvPr id="20" name="Freeform 12"/>
+          <p:cNvSpPr>
+            <a:spLocks noGrp="1" noRot="1" noChangeAspect="1" noMove="1" noResize="1" noEditPoints="1" noAdjustHandles="1" noChangeArrowheads="1" noChangeShapeType="1" noTextEdit="1"/>
+          </p:cNvSpPr>
+          <p:nvPr>
+            <p:extLst>
+              <p:ext uri="{386F3935-93C4-4BCD-93E2-E3B085C9AB24}">
+                <p16:designElem xmlns:p16="http://schemas.microsoft.com/office/powerpoint/2015/main" val="1"/>
+              </p:ext>
+            </p:extLst>
+          </p:nvPr>
+        </p:nvSpPr>
+        <p:spPr>
+          <a:xfrm>
+            <a:off x="4948518" y="1690688"/>
+            <a:ext cx="7243482" cy="5167312"/>
+          </a:xfrm>
+          <a:custGeom>
+            <a:avLst/>
+            <a:gdLst>
+              <a:gd name="connsiteX0" fmla="*/ 0 w 7243482"/>
+              <a:gd name="connsiteY0" fmla="*/ 0 h 5167312"/>
+              <a:gd name="connsiteX1" fmla="*/ 7243482 w 7243482"/>
+              <a:gd name="connsiteY1" fmla="*/ 0 h 5167312"/>
+              <a:gd name="connsiteX2" fmla="*/ 7243482 w 7243482"/>
+              <a:gd name="connsiteY2" fmla="*/ 5167312 h 5167312"/>
+              <a:gd name="connsiteX3" fmla="*/ 221324 w 7243482"/>
+              <a:gd name="connsiteY3" fmla="*/ 5167312 h 5167312"/>
+              <a:gd name="connsiteX4" fmla="*/ 2615203 w 7243482"/>
+              <a:gd name="connsiteY4" fmla="*/ 952 h 5167312"/>
+              <a:gd name="connsiteX5" fmla="*/ 0 w 7243482"/>
+              <a:gd name="connsiteY5" fmla="*/ 952 h 5167312"/>
+            </a:gdLst>
+            <a:ahLst/>
+            <a:cxnLst>
+              <a:cxn ang="0">
+                <a:pos x="connsiteX0" y="connsiteY0"/>
+              </a:cxn>
+              <a:cxn ang="0">
+                <a:pos x="connsiteX1" y="connsiteY1"/>
+              </a:cxn>
+              <a:cxn ang="0">
+                <a:pos x="connsiteX2" y="connsiteY2"/>
+              </a:cxn>
+              <a:cxn ang="0">
+                <a:pos x="connsiteX3" y="connsiteY3"/>
+              </a:cxn>
+              <a:cxn ang="0">
+                <a:pos x="connsiteX4" y="connsiteY4"/>
+              </a:cxn>
+              <a:cxn ang="0">
+                <a:pos x="connsiteX5" y="connsiteY5"/>
+              </a:cxn>
+            </a:cxnLst>
+            <a:rect l="l" t="t" r="r" b="b"/>
+            <a:pathLst>
+              <a:path w="7243482" h="5167312">
+                <a:moveTo>
+                  <a:pt x="0" y="0"/>
+                </a:moveTo>
+                <a:lnTo>
+                  <a:pt x="7243482" y="0"/>
+                </a:lnTo>
+                <a:lnTo>
+                  <a:pt x="7243482" y="5167312"/>
+                </a:lnTo>
+                <a:lnTo>
+                  <a:pt x="221324" y="5167312"/>
+                </a:lnTo>
+                <a:lnTo>
+                  <a:pt x="2615203" y="952"/>
+                </a:lnTo>
+                <a:lnTo>
+                  <a:pt x="0" y="952"/>
+                </a:lnTo>
+                <a:close/>
+              </a:path>
+            </a:pathLst>
+          </a:custGeom>
+          <a:solidFill>
+            <a:schemeClr val="bg2"/>
+          </a:solidFill>
+          <a:ln>
+            <a:noFill/>
+          </a:ln>
+        </p:spPr>
+        <p:style>
+          <a:lnRef idx="2">
+            <a:schemeClr val="accent1">
+              <a:shade val="50000"/>
+            </a:schemeClr>
+          </a:lnRef>
+          <a:fillRef idx="1">
+            <a:schemeClr val="accent1"/>
+          </a:fillRef>
+          <a:effectRef idx="0">
+            <a:schemeClr val="accent1"/>
+          </a:effectRef>
+          <a:fontRef idx="minor">
+            <a:schemeClr val="lt1"/>
+          </a:fontRef>
+        </p:style>
+        <p:txBody>
+          <a:bodyPr wrap="square" rtlCol="0" anchor="ctr">
+            <a:noAutofit/>
+          </a:bodyPr>
+          <a:lstStyle/>
+          <a:p>
+            <a:pPr algn="ctr"/>
+            <a:endParaRPr lang="en-US"/>
+          </a:p>
+        </p:txBody>
+      </p:sp>
+      <p:sp>
+        <p:nvSpPr>
+          <p:cNvPr id="22" name="Freeform 11"/>
+          <p:cNvSpPr>
+            <a:spLocks noGrp="1" noRot="1" noChangeAspect="1" noMove="1" noResize="1" noEditPoints="1" noAdjustHandles="1" noChangeArrowheads="1" noChangeShapeType="1" noTextEdit="1"/>
+          </p:cNvSpPr>
+          <p:nvPr>
+            <p:extLst>
+              <p:ext uri="{386F3935-93C4-4BCD-93E2-E3B085C9AB24}">
+                <p16:designElem xmlns:p16="http://schemas.microsoft.com/office/powerpoint/2015/main" val="1"/>
+              </p:ext>
+            </p:extLst>
+          </p:nvPr>
+        </p:nvSpPr>
+        <p:spPr>
+          <a:xfrm>
+            <a:off x="0" y="1691640"/>
+            <a:ext cx="7399176" cy="5166360"/>
+          </a:xfrm>
+          <a:custGeom>
+            <a:avLst/>
+            <a:gdLst>
+              <a:gd name="connsiteX0" fmla="*/ 0 w 7399176"/>
+              <a:gd name="connsiteY0" fmla="*/ 0 h 5166360"/>
+              <a:gd name="connsiteX1" fmla="*/ 7399176 w 7399176"/>
+              <a:gd name="connsiteY1" fmla="*/ 0 h 5166360"/>
+              <a:gd name="connsiteX2" fmla="*/ 5005297 w 7399176"/>
+              <a:gd name="connsiteY2" fmla="*/ 5166360 h 5166360"/>
+              <a:gd name="connsiteX3" fmla="*/ 0 w 7399176"/>
+              <a:gd name="connsiteY3" fmla="*/ 5166360 h 5166360"/>
+            </a:gdLst>
+            <a:ahLst/>
+            <a:cxnLst>
+              <a:cxn ang="0">
+                <a:pos x="connsiteX0" y="connsiteY0"/>
+              </a:cxn>
+              <a:cxn ang="0">
+                <a:pos x="connsiteX1" y="connsiteY1"/>
+              </a:cxn>
+              <a:cxn ang="0">
+                <a:pos x="connsiteX2" y="connsiteY2"/>
+              </a:cxn>
+              <a:cxn ang="0">
+                <a:pos x="connsiteX3" y="connsiteY3"/>
+              </a:cxn>
+            </a:cxnLst>
+            <a:rect l="l" t="t" r="r" b="b"/>
+            <a:pathLst>
+              <a:path w="7399176" h="5166360">
+                <a:moveTo>
+                  <a:pt x="0" y="0"/>
+                </a:moveTo>
+                <a:lnTo>
+                  <a:pt x="7399176" y="0"/>
+                </a:lnTo>
+                <a:lnTo>
+                  <a:pt x="5005297" y="5166360"/>
+                </a:lnTo>
+                <a:lnTo>
+                  <a:pt x="0" y="5166360"/>
+                </a:lnTo>
+                <a:close/>
+              </a:path>
+            </a:pathLst>
+          </a:custGeom>
+          <a:solidFill>
+            <a:schemeClr val="tx1">
+              <a:alpha val="85000"/>
+            </a:schemeClr>
+          </a:solidFill>
+          <a:ln>
+            <a:noFill/>
+          </a:ln>
+        </p:spPr>
+        <p:style>
+          <a:lnRef idx="2">
+            <a:schemeClr val="accent1">
+              <a:shade val="50000"/>
+            </a:schemeClr>
+          </a:lnRef>
+          <a:fillRef idx="1">
+            <a:schemeClr val="accent1"/>
+          </a:fillRef>
+          <a:effectRef idx="0">
+            <a:schemeClr val="accent1"/>
+          </a:effectRef>
+          <a:fontRef idx="minor">
+            <a:schemeClr val="lt1"/>
+          </a:fontRef>
+        </p:style>
+        <p:txBody>
+          <a:bodyPr rtlCol="0" anchor="ctr"/>
+          <a:lstStyle/>
+          <a:p>
+            <a:pPr algn="ctr"/>
+            <a:endParaRPr lang="en-US"/>
           </a:p>
         </p:txBody>
       </p:sp>
       <p:pic>
         <p:nvPicPr>
-          <p:cNvPr id="4" name="Picture 3"/>
+          <p:cNvPr id="5" name="Picture 4" descr="A close up of a sign&#10;&#10;Description generated with very high confidence">
+            <a:extLst>
+              <a:ext uri="{FF2B5EF4-FFF2-40B4-BE49-F238E27FC236}">
+                <a16:creationId xmlns:a16="http://schemas.microsoft.com/office/drawing/2014/main" id="{759752D8-5D49-4622-A97D-450E37501F00}"/>
+              </a:ext>
+            </a:extLst>
+          </p:cNvPr>
           <p:cNvPicPr>
             <a:picLocks noChangeAspect="1"/>
           </p:cNvPicPr>
@@ -6352,48 +8796,158 @@
         </p:blipFill>
         <p:spPr>
           <a:xfrm>
-            <a:off x="4817932" y="1696044"/>
-            <a:ext cx="7049111" cy="4480919"/>
+            <a:off x="7629964" y="2012865"/>
+            <a:ext cx="4164098" cy="4164098"/>
           </a:xfrm>
-          <a:prstGeom prst="rect">
+          <a:custGeom>
             <a:avLst/>
-          </a:prstGeom>
+            <a:gdLst>
+              <a:gd name="connsiteX0" fmla="*/ 0 w 4636009"/>
+              <a:gd name="connsiteY0" fmla="*/ 0 h 5032375"/>
+              <a:gd name="connsiteX1" fmla="*/ 4636009 w 4636009"/>
+              <a:gd name="connsiteY1" fmla="*/ 0 h 5032375"/>
+              <a:gd name="connsiteX2" fmla="*/ 4636009 w 4636009"/>
+              <a:gd name="connsiteY2" fmla="*/ 5032375 h 5032375"/>
+              <a:gd name="connsiteX3" fmla="*/ 0 w 4636009"/>
+              <a:gd name="connsiteY3" fmla="*/ 5032375 h 5032375"/>
+            </a:gdLst>
+            <a:ahLst/>
+            <a:cxnLst>
+              <a:cxn ang="0">
+                <a:pos x="connsiteX0" y="connsiteY0"/>
+              </a:cxn>
+              <a:cxn ang="0">
+                <a:pos x="connsiteX1" y="connsiteY1"/>
+              </a:cxn>
+              <a:cxn ang="0">
+                <a:pos x="connsiteX2" y="connsiteY2"/>
+              </a:cxn>
+              <a:cxn ang="0">
+                <a:pos x="connsiteX3" y="connsiteY3"/>
+              </a:cxn>
+            </a:cxnLst>
+            <a:rect l="l" t="t" r="r" b="b"/>
+            <a:pathLst>
+              <a:path w="4636009" h="5032375">
+                <a:moveTo>
+                  <a:pt x="0" y="0"/>
+                </a:moveTo>
+                <a:lnTo>
+                  <a:pt x="4636009" y="0"/>
+                </a:lnTo>
+                <a:lnTo>
+                  <a:pt x="4636009" y="5032375"/>
+                </a:lnTo>
+                <a:lnTo>
+                  <a:pt x="0" y="5032375"/>
+                </a:lnTo>
+                <a:close/>
+              </a:path>
+            </a:pathLst>
+          </a:custGeom>
         </p:spPr>
       </p:pic>
-      <p:pic>
-        <p:nvPicPr>
-          <p:cNvPr id="6" name="Picture 5"/>
-          <p:cNvPicPr>
-            <a:picLocks noChangeAspect="1"/>
-          </p:cNvPicPr>
-          <p:nvPr/>
-        </p:nvPicPr>
-        <p:blipFill>
-          <a:blip r:embed="rId4">
-            <a:extLst>
-              <a:ext uri="{28A0092B-C50C-407E-A947-70E740481C1C}">
-                <a14:useLocalDpi xmlns:a14="http://schemas.microsoft.com/office/drawing/2010/main" val="0"/>
-              </a:ext>
-            </a:extLst>
-          </a:blip>
-          <a:stretch>
-            <a:fillRect/>
-          </a:stretch>
-        </p:blipFill>
+      <p:sp>
+        <p:nvSpPr>
+          <p:cNvPr id="2" name="Title 1"/>
+          <p:cNvSpPr>
+            <a:spLocks noGrp="1"/>
+          </p:cNvSpPr>
+          <p:nvPr>
+            <p:ph type="title"/>
+          </p:nvPr>
+        </p:nvSpPr>
         <p:spPr>
           <a:xfrm>
-            <a:off x="0" y="5146653"/>
-            <a:ext cx="4765183" cy="1030310"/>
+            <a:off x="838200" y="365125"/>
+            <a:ext cx="10515600" cy="1325563"/>
           </a:xfrm>
-          <a:prstGeom prst="rect">
-            <a:avLst/>
-          </a:prstGeom>
         </p:spPr>
-      </p:pic>
+        <p:txBody>
+          <a:bodyPr>
+            <a:normAutofit/>
+          </a:bodyPr>
+          <a:lstStyle/>
+          <a:p>
+            <a:r>
+              <a:rPr lang="en-US"/>
+              <a:t>Implementation Steps</a:t>
+            </a:r>
+          </a:p>
+        </p:txBody>
+      </p:sp>
+      <p:sp>
+        <p:nvSpPr>
+          <p:cNvPr id="3" name="Content Placeholder 2"/>
+          <p:cNvSpPr>
+            <a:spLocks noGrp="1"/>
+          </p:cNvSpPr>
+          <p:nvPr>
+            <p:ph idx="1"/>
+          </p:nvPr>
+        </p:nvSpPr>
+        <p:spPr>
+          <a:xfrm>
+            <a:off x="838200" y="2012865"/>
+            <a:ext cx="4317322" cy="4164098"/>
+          </a:xfrm>
+        </p:spPr>
+        <p:txBody>
+          <a:bodyPr anchor="ctr">
+            <a:normAutofit lnSpcReduction="10000"/>
+          </a:bodyPr>
+          <a:lstStyle/>
+          <a:p>
+            <a:r>
+              <a:rPr lang="en-US" sz="3200" dirty="0">
+                <a:solidFill>
+                  <a:schemeClr val="bg1"/>
+                </a:solidFill>
+              </a:rPr>
+              <a:t>Worked in Sprints</a:t>
+            </a:r>
+          </a:p>
+          <a:p>
+            <a:r>
+              <a:rPr lang="en-US" sz="3200" dirty="0">
+                <a:solidFill>
+                  <a:schemeClr val="bg1"/>
+                </a:solidFill>
+              </a:rPr>
+              <a:t>Used design document/prototype source code</a:t>
+            </a:r>
+          </a:p>
+          <a:p>
+            <a:r>
+              <a:rPr lang="en-US" sz="3200" dirty="0">
+                <a:solidFill>
+                  <a:schemeClr val="bg1"/>
+                </a:solidFill>
+              </a:rPr>
+              <a:t>Translated SRS requirements into User Stories</a:t>
+            </a:r>
+          </a:p>
+          <a:p>
+            <a:r>
+              <a:rPr lang="en-US" sz="3200" dirty="0">
+                <a:solidFill>
+                  <a:schemeClr val="bg1"/>
+                </a:solidFill>
+              </a:rPr>
+              <a:t>Updated existing test cases/added new ones</a:t>
+            </a:r>
+            <a:endParaRPr lang="en-US" sz="2000" dirty="0">
+              <a:solidFill>
+                <a:schemeClr val="bg1"/>
+              </a:solidFill>
+            </a:endParaRPr>
+          </a:p>
+        </p:txBody>
+      </p:sp>
     </p:spTree>
     <p:extLst>
       <p:ext uri="{BB962C8B-B14F-4D97-AF65-F5344CB8AC3E}">
-        <p14:creationId xmlns:p14="http://schemas.microsoft.com/office/powerpoint/2010/main" val="3925788390"/>
+        <p14:creationId xmlns:p14="http://schemas.microsoft.com/office/powerpoint/2010/main" val="600052595"/>
       </p:ext>
     </p:extLst>
   </p:cSld>
@@ -6422,66 +8976,333 @@
       </p:grpSpPr>
       <p:sp>
         <p:nvSpPr>
-          <p:cNvPr id="2" name="Title 1"/>
-          <p:cNvSpPr>
-            <a:spLocks noGrp="1"/>
-          </p:cNvSpPr>
-          <p:nvPr>
-            <p:ph type="title"/>
-          </p:nvPr>
-        </p:nvSpPr>
-        <p:spPr/>
-        <p:txBody>
-          <a:bodyPr/>
-          <a:lstStyle/>
-          <a:p>
-            <a:r>
-              <a:rPr lang="en-US" dirty="0"/>
-              <a:t>Refinement of Design</a:t>
-            </a:r>
-          </a:p>
-        </p:txBody>
-      </p:sp>
-      <p:sp>
-        <p:nvSpPr>
-          <p:cNvPr id="5" name="Content Placeholder 4"/>
-          <p:cNvSpPr>
-            <a:spLocks noGrp="1"/>
-          </p:cNvSpPr>
-          <p:nvPr>
-            <p:ph idx="1"/>
-          </p:nvPr>
-        </p:nvSpPr>
-        <p:spPr/>
-        <p:txBody>
-          <a:bodyPr/>
-          <a:lstStyle/>
-          <a:p>
-            <a:r>
-              <a:rPr lang="en-US" dirty="0"/>
-              <a:t>Work on Documents</a:t>
-            </a:r>
-          </a:p>
-          <a:p>
-            <a:r>
-              <a:rPr lang="en-US" dirty="0"/>
-              <a:t>Update Prototype</a:t>
-            </a:r>
-          </a:p>
-          <a:p>
-            <a:r>
-              <a:rPr lang="en-US" dirty="0"/>
-              <a:t>Repeat.</a:t>
-            </a:r>
-          </a:p>
-          <a:p>
-            <a:endParaRPr lang="en-US" dirty="0"/>
+          <p:cNvPr id="11" name="Freeform 11"/>
+          <p:cNvSpPr>
+            <a:spLocks noGrp="1" noRot="1" noChangeAspect="1" noMove="1" noResize="1" noEditPoints="1" noAdjustHandles="1" noChangeArrowheads="1" noChangeShapeType="1" noTextEdit="1"/>
+          </p:cNvSpPr>
+          <p:nvPr>
+            <p:extLst>
+              <p:ext uri="{386F3935-93C4-4BCD-93E2-E3B085C9AB24}">
+                <p16:designElem xmlns:p16="http://schemas.microsoft.com/office/powerpoint/2015/main" val="1"/>
+              </p:ext>
+            </p:extLst>
+          </p:nvPr>
+        </p:nvSpPr>
+        <p:spPr>
+          <a:xfrm>
+            <a:off x="4876801" y="1690688"/>
+            <a:ext cx="7316944" cy="5167312"/>
+          </a:xfrm>
+          <a:custGeom>
+            <a:avLst/>
+            <a:gdLst>
+              <a:gd name="connsiteX0" fmla="*/ 0 w 7316944"/>
+              <a:gd name="connsiteY0" fmla="*/ 0 h 5167312"/>
+              <a:gd name="connsiteX1" fmla="*/ 7316944 w 7316944"/>
+              <a:gd name="connsiteY1" fmla="*/ 0 h 5167312"/>
+              <a:gd name="connsiteX2" fmla="*/ 7316944 w 7316944"/>
+              <a:gd name="connsiteY2" fmla="*/ 5167312 h 5167312"/>
+              <a:gd name="connsiteX3" fmla="*/ 472697 w 7316944"/>
+              <a:gd name="connsiteY3" fmla="*/ 5167312 h 5167312"/>
+              <a:gd name="connsiteX4" fmla="*/ 2866576 w 7316944"/>
+              <a:gd name="connsiteY4" fmla="*/ 952 h 5167312"/>
+              <a:gd name="connsiteX5" fmla="*/ 0 w 7316944"/>
+              <a:gd name="connsiteY5" fmla="*/ 952 h 5167312"/>
+            </a:gdLst>
+            <a:ahLst/>
+            <a:cxnLst>
+              <a:cxn ang="0">
+                <a:pos x="connsiteX0" y="connsiteY0"/>
+              </a:cxn>
+              <a:cxn ang="0">
+                <a:pos x="connsiteX1" y="connsiteY1"/>
+              </a:cxn>
+              <a:cxn ang="0">
+                <a:pos x="connsiteX2" y="connsiteY2"/>
+              </a:cxn>
+              <a:cxn ang="0">
+                <a:pos x="connsiteX3" y="connsiteY3"/>
+              </a:cxn>
+              <a:cxn ang="0">
+                <a:pos x="connsiteX4" y="connsiteY4"/>
+              </a:cxn>
+              <a:cxn ang="0">
+                <a:pos x="connsiteX5" y="connsiteY5"/>
+              </a:cxn>
+            </a:cxnLst>
+            <a:rect l="l" t="t" r="r" b="b"/>
+            <a:pathLst>
+              <a:path w="7316944" h="5167312">
+                <a:moveTo>
+                  <a:pt x="0" y="0"/>
+                </a:moveTo>
+                <a:lnTo>
+                  <a:pt x="7316944" y="0"/>
+                </a:lnTo>
+                <a:lnTo>
+                  <a:pt x="7316944" y="5167312"/>
+                </a:lnTo>
+                <a:lnTo>
+                  <a:pt x="472697" y="5167312"/>
+                </a:lnTo>
+                <a:lnTo>
+                  <a:pt x="2866576" y="952"/>
+                </a:lnTo>
+                <a:lnTo>
+                  <a:pt x="0" y="952"/>
+                </a:lnTo>
+                <a:close/>
+              </a:path>
+            </a:pathLst>
+          </a:custGeom>
+          <a:solidFill>
+            <a:schemeClr val="bg2"/>
+          </a:solidFill>
+          <a:ln>
+            <a:noFill/>
+          </a:ln>
+        </p:spPr>
+        <p:style>
+          <a:lnRef idx="2">
+            <a:schemeClr val="accent1">
+              <a:shade val="50000"/>
+            </a:schemeClr>
+          </a:lnRef>
+          <a:fillRef idx="1">
+            <a:schemeClr val="accent1"/>
+          </a:fillRef>
+          <a:effectRef idx="0">
+            <a:schemeClr val="accent1"/>
+          </a:effectRef>
+          <a:fontRef idx="minor">
+            <a:schemeClr val="lt1"/>
+          </a:fontRef>
+        </p:style>
+        <p:txBody>
+          <a:bodyPr wrap="square" rtlCol="0" anchor="ctr">
+            <a:noAutofit/>
+          </a:bodyPr>
+          <a:lstStyle/>
+          <a:p>
+            <a:pPr algn="ctr"/>
+            <a:endParaRPr lang="en-US"/>
+          </a:p>
+        </p:txBody>
+      </p:sp>
+      <p:sp>
+        <p:nvSpPr>
+          <p:cNvPr id="13" name="Freeform 37"/>
+          <p:cNvSpPr>
+            <a:spLocks noGrp="1" noRot="1" noChangeAspect="1" noMove="1" noResize="1" noEditPoints="1" noAdjustHandles="1" noChangeArrowheads="1" noChangeShapeType="1" noTextEdit="1"/>
+          </p:cNvSpPr>
+          <p:nvPr>
+            <p:extLst>
+              <p:ext uri="{386F3935-93C4-4BCD-93E2-E3B085C9AB24}">
+                <p16:designElem xmlns:p16="http://schemas.microsoft.com/office/powerpoint/2015/main" val="1"/>
+              </p:ext>
+            </p:extLst>
+          </p:nvPr>
+        </p:nvSpPr>
+        <p:spPr>
+          <a:xfrm flipV="1">
+            <a:off x="-1746" y="1691164"/>
+            <a:ext cx="7571262" cy="5166360"/>
+          </a:xfrm>
+          <a:custGeom>
+            <a:avLst/>
+            <a:gdLst>
+              <a:gd name="connsiteX0" fmla="*/ 0 w 7571262"/>
+              <a:gd name="connsiteY0" fmla="*/ 5166360 h 5166360"/>
+              <a:gd name="connsiteX1" fmla="*/ 7571262 w 7571262"/>
+              <a:gd name="connsiteY1" fmla="*/ 5166360 h 5166360"/>
+              <a:gd name="connsiteX2" fmla="*/ 5177382 w 7571262"/>
+              <a:gd name="connsiteY2" fmla="*/ 0 h 5166360"/>
+              <a:gd name="connsiteX3" fmla="*/ 5171159 w 7571262"/>
+              <a:gd name="connsiteY3" fmla="*/ 0 h 5166360"/>
+              <a:gd name="connsiteX4" fmla="*/ 3981368 w 7571262"/>
+              <a:gd name="connsiteY4" fmla="*/ 0 h 5166360"/>
+              <a:gd name="connsiteX5" fmla="*/ 2331323 w 7571262"/>
+              <a:gd name="connsiteY5" fmla="*/ 0 h 5166360"/>
+              <a:gd name="connsiteX6" fmla="*/ 0 w 7571262"/>
+              <a:gd name="connsiteY6" fmla="*/ 0 h 5166360"/>
+            </a:gdLst>
+            <a:ahLst/>
+            <a:cxnLst>
+              <a:cxn ang="0">
+                <a:pos x="connsiteX0" y="connsiteY0"/>
+              </a:cxn>
+              <a:cxn ang="0">
+                <a:pos x="connsiteX1" y="connsiteY1"/>
+              </a:cxn>
+              <a:cxn ang="0">
+                <a:pos x="connsiteX2" y="connsiteY2"/>
+              </a:cxn>
+              <a:cxn ang="0">
+                <a:pos x="connsiteX3" y="connsiteY3"/>
+              </a:cxn>
+              <a:cxn ang="0">
+                <a:pos x="connsiteX4" y="connsiteY4"/>
+              </a:cxn>
+              <a:cxn ang="0">
+                <a:pos x="connsiteX5" y="connsiteY5"/>
+              </a:cxn>
+              <a:cxn ang="0">
+                <a:pos x="connsiteX6" y="connsiteY6"/>
+              </a:cxn>
+            </a:cxnLst>
+            <a:rect l="l" t="t" r="r" b="b"/>
+            <a:pathLst>
+              <a:path w="7571262" h="5166360">
+                <a:moveTo>
+                  <a:pt x="0" y="5166360"/>
+                </a:moveTo>
+                <a:lnTo>
+                  <a:pt x="7571262" y="5166360"/>
+                </a:lnTo>
+                <a:lnTo>
+                  <a:pt x="5177382" y="0"/>
+                </a:lnTo>
+                <a:lnTo>
+                  <a:pt x="5171159" y="0"/>
+                </a:lnTo>
+                <a:lnTo>
+                  <a:pt x="3981368" y="0"/>
+                </a:lnTo>
+                <a:lnTo>
+                  <a:pt x="2331323" y="0"/>
+                </a:lnTo>
+                <a:lnTo>
+                  <a:pt x="0" y="0"/>
+                </a:lnTo>
+                <a:close/>
+              </a:path>
+            </a:pathLst>
+          </a:custGeom>
+          <a:solidFill>
+            <a:schemeClr val="tx1">
+              <a:lumMod val="85000"/>
+              <a:lumOff val="15000"/>
+            </a:schemeClr>
+          </a:solidFill>
+          <a:ln>
+            <a:noFill/>
+          </a:ln>
+        </p:spPr>
+        <p:style>
+          <a:lnRef idx="2">
+            <a:schemeClr val="accent1">
+              <a:shade val="50000"/>
+            </a:schemeClr>
+          </a:lnRef>
+          <a:fillRef idx="1">
+            <a:schemeClr val="accent1"/>
+          </a:fillRef>
+          <a:effectRef idx="0">
+            <a:schemeClr val="accent1"/>
+          </a:effectRef>
+          <a:fontRef idx="minor">
+            <a:schemeClr val="lt1"/>
+          </a:fontRef>
+        </p:style>
+        <p:txBody>
+          <a:bodyPr wrap="square" rtlCol="0" anchor="ctr">
+            <a:noAutofit/>
+          </a:bodyPr>
+          <a:lstStyle/>
+          <a:p>
+            <a:pPr algn="ctr"/>
+            <a:endParaRPr lang="en-US"/>
           </a:p>
         </p:txBody>
       </p:sp>
       <p:pic>
         <p:nvPicPr>
-          <p:cNvPr id="7" name="Picture 6"/>
+          <p:cNvPr id="6" name="Picture 5" descr="A screenshot of a social media post&#10;&#10;Description generated with very high confidence">
+            <a:extLst>
+              <a:ext uri="{FF2B5EF4-FFF2-40B4-BE49-F238E27FC236}">
+                <a16:creationId xmlns:a16="http://schemas.microsoft.com/office/drawing/2014/main" id="{DA73B997-58D7-43CB-83CE-3CE192E9E7DE}"/>
+              </a:ext>
+            </a:extLst>
+          </p:cNvPr>
+          <p:cNvPicPr>
+            <a:picLocks noChangeAspect="1"/>
+          </p:cNvPicPr>
+          <p:nvPr/>
+        </p:nvPicPr>
+        <p:blipFill>
+          <a:blip r:embed="rId3">
+            <a:extLst>
+              <a:ext uri="{28A0092B-C50C-407E-A947-70E740481C1C}">
+                <a14:useLocalDpi xmlns:a14="http://schemas.microsoft.com/office/drawing/2010/main" val="0"/>
+              </a:ext>
+            </a:extLst>
+          </a:blip>
+          <a:stretch>
+            <a:fillRect/>
+          </a:stretch>
+        </p:blipFill>
+        <p:spPr>
+          <a:xfrm>
+            <a:off x="7743377" y="2023298"/>
+            <a:ext cx="4281833" cy="1723437"/>
+          </a:xfrm>
+          <a:custGeom>
+            <a:avLst/>
+            <a:gdLst>
+              <a:gd name="connsiteX0" fmla="*/ 0 w 4636009"/>
+              <a:gd name="connsiteY0" fmla="*/ 0 h 5032375"/>
+              <a:gd name="connsiteX1" fmla="*/ 4636009 w 4636009"/>
+              <a:gd name="connsiteY1" fmla="*/ 0 h 5032375"/>
+              <a:gd name="connsiteX2" fmla="*/ 4636009 w 4636009"/>
+              <a:gd name="connsiteY2" fmla="*/ 5032375 h 5032375"/>
+              <a:gd name="connsiteX3" fmla="*/ 0 w 4636009"/>
+              <a:gd name="connsiteY3" fmla="*/ 5032375 h 5032375"/>
+            </a:gdLst>
+            <a:ahLst/>
+            <a:cxnLst>
+              <a:cxn ang="0">
+                <a:pos x="connsiteX0" y="connsiteY0"/>
+              </a:cxn>
+              <a:cxn ang="0">
+                <a:pos x="connsiteX1" y="connsiteY1"/>
+              </a:cxn>
+              <a:cxn ang="0">
+                <a:pos x="connsiteX2" y="connsiteY2"/>
+              </a:cxn>
+              <a:cxn ang="0">
+                <a:pos x="connsiteX3" y="connsiteY3"/>
+              </a:cxn>
+            </a:cxnLst>
+            <a:rect l="l" t="t" r="r" b="b"/>
+            <a:pathLst>
+              <a:path w="4636009" h="5032375">
+                <a:moveTo>
+                  <a:pt x="0" y="0"/>
+                </a:moveTo>
+                <a:lnTo>
+                  <a:pt x="4636009" y="0"/>
+                </a:lnTo>
+                <a:lnTo>
+                  <a:pt x="4636009" y="5032375"/>
+                </a:lnTo>
+                <a:lnTo>
+                  <a:pt x="0" y="5032375"/>
+                </a:lnTo>
+                <a:close/>
+              </a:path>
+            </a:pathLst>
+          </a:custGeom>
+        </p:spPr>
+      </p:pic>
+      <p:pic>
+        <p:nvPicPr>
+          <p:cNvPr id="4" name="Picture 3">
+            <a:extLst>
+              <a:ext uri="{FF2B5EF4-FFF2-40B4-BE49-F238E27FC236}">
+                <a16:creationId xmlns:a16="http://schemas.microsoft.com/office/drawing/2014/main" id="{0CEB73AB-7131-4C88-AB1E-F6DB3A5BA41C}"/>
+              </a:ext>
+            </a:extLst>
+          </p:cNvPr>
           <p:cNvPicPr>
             <a:picLocks noChangeAspect="1"/>
           </p:cNvPicPr>
@@ -6501,276 +9322,172 @@
         </p:blipFill>
         <p:spPr>
           <a:xfrm>
-            <a:off x="2427111" y="2446866"/>
-            <a:ext cx="1388533" cy="1388533"/>
+            <a:off x="6908801" y="4608302"/>
+            <a:ext cx="5116410" cy="1100028"/>
           </a:xfrm>
-          <a:prstGeom prst="rect">
+          <a:custGeom>
             <a:avLst/>
-          </a:prstGeom>
+            <a:gdLst>
+              <a:gd name="connsiteX0" fmla="*/ 0 w 4636009"/>
+              <a:gd name="connsiteY0" fmla="*/ 0 h 5032375"/>
+              <a:gd name="connsiteX1" fmla="*/ 4636009 w 4636009"/>
+              <a:gd name="connsiteY1" fmla="*/ 0 h 5032375"/>
+              <a:gd name="connsiteX2" fmla="*/ 4636009 w 4636009"/>
+              <a:gd name="connsiteY2" fmla="*/ 5032375 h 5032375"/>
+              <a:gd name="connsiteX3" fmla="*/ 0 w 4636009"/>
+              <a:gd name="connsiteY3" fmla="*/ 5032375 h 5032375"/>
+            </a:gdLst>
+            <a:ahLst/>
+            <a:cxnLst>
+              <a:cxn ang="0">
+                <a:pos x="connsiteX0" y="connsiteY0"/>
+              </a:cxn>
+              <a:cxn ang="0">
+                <a:pos x="connsiteX1" y="connsiteY1"/>
+              </a:cxn>
+              <a:cxn ang="0">
+                <a:pos x="connsiteX2" y="connsiteY2"/>
+              </a:cxn>
+              <a:cxn ang="0">
+                <a:pos x="connsiteX3" y="connsiteY3"/>
+              </a:cxn>
+            </a:cxnLst>
+            <a:rect l="l" t="t" r="r" b="b"/>
+            <a:pathLst>
+              <a:path w="4636009" h="5032375">
+                <a:moveTo>
+                  <a:pt x="0" y="0"/>
+                </a:moveTo>
+                <a:lnTo>
+                  <a:pt x="4636009" y="0"/>
+                </a:lnTo>
+                <a:lnTo>
+                  <a:pt x="4636009" y="5032375"/>
+                </a:lnTo>
+                <a:lnTo>
+                  <a:pt x="0" y="5032375"/>
+                </a:lnTo>
+                <a:close/>
+              </a:path>
+            </a:pathLst>
+          </a:custGeom>
         </p:spPr>
       </p:pic>
-      <p:pic>
-        <p:nvPicPr>
-          <p:cNvPr id="9" name="Picture 8"/>
-          <p:cNvPicPr>
-            <a:picLocks noChangeAspect="1"/>
-          </p:cNvPicPr>
-          <p:nvPr/>
-        </p:nvPicPr>
-        <p:blipFill>
-          <a:blip r:embed="rId5">
+      <p:sp>
+        <p:nvSpPr>
+          <p:cNvPr id="2" name="Title 1">
             <a:extLst>
-              <a:ext uri="{28A0092B-C50C-407E-A947-70E740481C1C}">
-                <a14:useLocalDpi xmlns:a14="http://schemas.microsoft.com/office/drawing/2010/main" val="0"/>
+              <a:ext uri="{FF2B5EF4-FFF2-40B4-BE49-F238E27FC236}">
+                <a16:creationId xmlns:a16="http://schemas.microsoft.com/office/drawing/2014/main" id="{1F3EC5E3-6F6C-498D-BD48-0B061381108C}"/>
               </a:ext>
             </a:extLst>
-          </a:blip>
-          <a:stretch>
-            <a:fillRect/>
-          </a:stretch>
-        </p:blipFill>
+          </p:cNvPr>
+          <p:cNvSpPr>
+            <a:spLocks noGrp="1"/>
+          </p:cNvSpPr>
+          <p:nvPr>
+            <p:ph type="title"/>
+          </p:nvPr>
+        </p:nvSpPr>
         <p:spPr>
           <a:xfrm>
-            <a:off x="5867389" y="1258088"/>
-            <a:ext cx="5486411" cy="5486411"/>
+            <a:off x="838200" y="365125"/>
+            <a:ext cx="10515600" cy="1325563"/>
           </a:xfrm>
-          <a:prstGeom prst="rect">
-            <a:avLst/>
-          </a:prstGeom>
         </p:spPr>
-      </p:pic>
+        <p:txBody>
+          <a:bodyPr>
+            <a:normAutofit/>
+          </a:bodyPr>
+          <a:lstStyle/>
+          <a:p>
+            <a:r>
+              <a:rPr lang="en-US"/>
+              <a:t>Implementation Steps 2</a:t>
+            </a:r>
+            <a:endParaRPr lang="en-US" dirty="0"/>
+          </a:p>
+        </p:txBody>
+      </p:sp>
+      <p:sp>
+        <p:nvSpPr>
+          <p:cNvPr id="3" name="Content Placeholder 2">
+            <a:extLst>
+              <a:ext uri="{FF2B5EF4-FFF2-40B4-BE49-F238E27FC236}">
+                <a16:creationId xmlns:a16="http://schemas.microsoft.com/office/drawing/2014/main" id="{EFBB6F9E-12D4-4A78-B6DB-966FA9645347}"/>
+              </a:ext>
+            </a:extLst>
+          </p:cNvPr>
+          <p:cNvSpPr>
+            <a:spLocks noGrp="1"/>
+          </p:cNvSpPr>
+          <p:nvPr>
+            <p:ph idx="1"/>
+          </p:nvPr>
+        </p:nvSpPr>
+        <p:spPr>
+          <a:xfrm>
+            <a:off x="838200" y="2015406"/>
+            <a:ext cx="5097779" cy="4065986"/>
+          </a:xfrm>
+        </p:spPr>
+        <p:txBody>
+          <a:bodyPr anchor="t">
+            <a:normAutofit/>
+          </a:bodyPr>
+          <a:lstStyle/>
+          <a:p>
+            <a:r>
+              <a:rPr lang="en-US" sz="3600" dirty="0">
+                <a:solidFill>
+                  <a:schemeClr val="bg1"/>
+                </a:solidFill>
+              </a:rPr>
+              <a:t>Visual Studio</a:t>
+            </a:r>
+          </a:p>
+          <a:p>
+            <a:r>
+              <a:rPr lang="en-US" sz="3600" dirty="0">
+                <a:solidFill>
+                  <a:schemeClr val="bg1"/>
+                </a:solidFill>
+              </a:rPr>
+              <a:t>MVVM Framework</a:t>
+            </a:r>
+          </a:p>
+          <a:p>
+            <a:r>
+              <a:rPr lang="en-US" sz="3600" dirty="0">
+                <a:solidFill>
+                  <a:schemeClr val="bg1"/>
+                </a:solidFill>
+              </a:rPr>
+              <a:t>Caliburn</a:t>
+            </a:r>
+          </a:p>
+          <a:p>
+            <a:r>
+              <a:rPr lang="en-US" sz="3600" dirty="0">
+                <a:solidFill>
+                  <a:schemeClr val="bg1"/>
+                </a:solidFill>
+              </a:rPr>
+              <a:t>Tracked Git Commits to SRS Items</a:t>
+            </a:r>
+          </a:p>
+        </p:txBody>
+      </p:sp>
     </p:spTree>
-    <p:custDataLst>
-      <p:tags r:id="rId1"/>
-    </p:custDataLst>
     <p:extLst>
       <p:ext uri="{BB962C8B-B14F-4D97-AF65-F5344CB8AC3E}">
-        <p14:creationId xmlns:p14="http://schemas.microsoft.com/office/powerpoint/2010/main" val="3442027955"/>
+        <p14:creationId xmlns:p14="http://schemas.microsoft.com/office/powerpoint/2010/main" val="4136108094"/>
       </p:ext>
     </p:extLst>
   </p:cSld>
   <p:clrMapOvr>
     <a:masterClrMapping/>
   </p:clrMapOvr>
-  <p:timing>
-    <p:tnLst>
-      <p:par>
-        <p:cTn id="1" dur="indefinite" restart="never" nodeType="tmRoot">
-          <p:childTnLst>
-            <p:seq concurrent="1" nextAc="seek">
-              <p:cTn id="2" dur="indefinite" nodeType="mainSeq">
-                <p:childTnLst>
-                  <p:par>
-                    <p:cTn id="3" fill="hold">
-                      <p:stCondLst>
-                        <p:cond delay="indefinite"/>
-                      </p:stCondLst>
-                      <p:childTnLst>
-                        <p:par>
-                          <p:cTn id="4" fill="hold">
-                            <p:stCondLst>
-                              <p:cond delay="0"/>
-                            </p:stCondLst>
-                            <p:childTnLst>
-                              <p:par>
-                                <p:cTn id="5" presetID="1" presetClass="entr" presetSubtype="0" fill="hold" nodeType="clickEffect">
-                                  <p:stCondLst>
-                                    <p:cond delay="0"/>
-                                  </p:stCondLst>
-                                  <p:childTnLst>
-                                    <p:set>
-                                      <p:cBhvr>
-                                        <p:cTn id="6" dur="1" fill="hold">
-                                          <p:stCondLst>
-                                            <p:cond delay="0"/>
-                                          </p:stCondLst>
-                                        </p:cTn>
-                                        <p:tgtEl>
-                                          <p:spTgt spid="7"/>
-                                        </p:tgtEl>
-                                        <p:attrNameLst>
-                                          <p:attrName>style.visibility</p:attrName>
-                                        </p:attrNameLst>
-                                      </p:cBhvr>
-                                      <p:to>
-                                        <p:strVal val="visible"/>
-                                      </p:to>
-                                    </p:set>
-                                  </p:childTnLst>
-                                </p:cTn>
-                              </p:par>
-                            </p:childTnLst>
-                          </p:cTn>
-                        </p:par>
-                      </p:childTnLst>
-                    </p:cTn>
-                  </p:par>
-                  <p:par>
-                    <p:cTn id="7" fill="hold">
-                      <p:stCondLst>
-                        <p:cond delay="indefinite"/>
-                      </p:stCondLst>
-                      <p:childTnLst>
-                        <p:par>
-                          <p:cTn id="8" fill="hold">
-                            <p:stCondLst>
-                              <p:cond delay="0"/>
-                            </p:stCondLst>
-                            <p:childTnLst>
-                              <p:par>
-                                <p:cTn id="9" presetID="22" presetClass="exit" presetSubtype="4" fill="hold" nodeType="clickEffect">
-                                  <p:stCondLst>
-                                    <p:cond delay="0"/>
-                                  </p:stCondLst>
-                                  <p:childTnLst>
-                                    <p:animEffect transition="out" filter="wipe(down)">
-                                      <p:cBhvr>
-                                        <p:cTn id="10" dur="500"/>
-                                        <p:tgtEl>
-                                          <p:spTgt spid="7"/>
-                                        </p:tgtEl>
-                                      </p:cBhvr>
-                                    </p:animEffect>
-                                    <p:set>
-                                      <p:cBhvr>
-                                        <p:cTn id="11" dur="1" fill="hold">
-                                          <p:stCondLst>
-                                            <p:cond delay="499"/>
-                                          </p:stCondLst>
-                                        </p:cTn>
-                                        <p:tgtEl>
-                                          <p:spTgt spid="7"/>
-                                        </p:tgtEl>
-                                        <p:attrNameLst>
-                                          <p:attrName>style.visibility</p:attrName>
-                                        </p:attrNameLst>
-                                      </p:cBhvr>
-                                      <p:to>
-                                        <p:strVal val="hidden"/>
-                                      </p:to>
-                                    </p:set>
-                                  </p:childTnLst>
-                                </p:cTn>
-                              </p:par>
-                            </p:childTnLst>
-                          </p:cTn>
-                        </p:par>
-                      </p:childTnLst>
-                    </p:cTn>
-                  </p:par>
-                  <p:par>
-                    <p:cTn id="12" fill="hold">
-                      <p:stCondLst>
-                        <p:cond delay="indefinite"/>
-                      </p:stCondLst>
-                      <p:childTnLst>
-                        <p:par>
-                          <p:cTn id="13" fill="hold">
-                            <p:stCondLst>
-                              <p:cond delay="0"/>
-                            </p:stCondLst>
-                            <p:childTnLst>
-                              <p:par>
-                                <p:cTn id="14" presetID="2" presetClass="entr" presetSubtype="4" fill="hold" nodeType="clickEffect">
-                                  <p:stCondLst>
-                                    <p:cond delay="0"/>
-                                  </p:stCondLst>
-                                  <p:childTnLst>
-                                    <p:set>
-                                      <p:cBhvr>
-                                        <p:cTn id="15" dur="1" fill="hold">
-                                          <p:stCondLst>
-                                            <p:cond delay="0"/>
-                                          </p:stCondLst>
-                                        </p:cTn>
-                                        <p:tgtEl>
-                                          <p:spTgt spid="9"/>
-                                        </p:tgtEl>
-                                        <p:attrNameLst>
-                                          <p:attrName>style.visibility</p:attrName>
-                                        </p:attrNameLst>
-                                      </p:cBhvr>
-                                      <p:to>
-                                        <p:strVal val="visible"/>
-                                      </p:to>
-                                    </p:set>
-                                    <p:anim calcmode="lin" valueType="num">
-                                      <p:cBhvr additive="base">
-                                        <p:cTn id="16" dur="500" fill="hold"/>
-                                        <p:tgtEl>
-                                          <p:spTgt spid="9"/>
-                                        </p:tgtEl>
-                                        <p:attrNameLst>
-                                          <p:attrName>ppt_x</p:attrName>
-                                        </p:attrNameLst>
-                                      </p:cBhvr>
-                                      <p:tavLst>
-                                        <p:tav tm="0">
-                                          <p:val>
-                                            <p:strVal val="#ppt_x"/>
-                                          </p:val>
-                                        </p:tav>
-                                        <p:tav tm="100000">
-                                          <p:val>
-                                            <p:strVal val="#ppt_x"/>
-                                          </p:val>
-                                        </p:tav>
-                                      </p:tavLst>
-                                    </p:anim>
-                                    <p:anim calcmode="lin" valueType="num">
-                                      <p:cBhvr additive="base">
-                                        <p:cTn id="17" dur="500" fill="hold"/>
-                                        <p:tgtEl>
-                                          <p:spTgt spid="9"/>
-                                        </p:tgtEl>
-                                        <p:attrNameLst>
-                                          <p:attrName>ppt_y</p:attrName>
-                                        </p:attrNameLst>
-                                      </p:cBhvr>
-                                      <p:tavLst>
-                                        <p:tav tm="0">
-                                          <p:val>
-                                            <p:strVal val="1+#ppt_h/2"/>
-                                          </p:val>
-                                        </p:tav>
-                                        <p:tav tm="100000">
-                                          <p:val>
-                                            <p:strVal val="#ppt_y"/>
-                                          </p:val>
-                                        </p:tav>
-                                      </p:tavLst>
-                                    </p:anim>
-                                  </p:childTnLst>
-                                </p:cTn>
-                              </p:par>
-                            </p:childTnLst>
-                          </p:cTn>
-                        </p:par>
-                      </p:childTnLst>
-                    </p:cTn>
-                  </p:par>
-                </p:childTnLst>
-              </p:cTn>
-              <p:prevCondLst>
-                <p:cond evt="onPrev" delay="0">
-                  <p:tgtEl>
-                    <p:sldTgt/>
-                  </p:tgtEl>
-                </p:cond>
-              </p:prevCondLst>
-              <p:nextCondLst>
-                <p:cond evt="onNext" delay="0">
-                  <p:tgtEl>
-                    <p:sldTgt/>
-                  </p:tgtEl>
-                </p:cond>
-              </p:nextCondLst>
-            </p:seq>
-          </p:childTnLst>
-        </p:cTn>
-      </p:par>
-    </p:tnLst>
-  </p:timing>
 </p:sld>
 </file>
 
@@ -6793,37 +9510,79 @@
       </p:grpSpPr>
       <p:sp>
         <p:nvSpPr>
-          <p:cNvPr id="2" name="Title 1"/>
-          <p:cNvSpPr>
-            <a:spLocks noGrp="1"/>
-          </p:cNvSpPr>
-          <p:nvPr>
-            <p:ph type="title"/>
-          </p:nvPr>
-        </p:nvSpPr>
-        <p:spPr/>
-        <p:txBody>
-          <a:bodyPr/>
-          <a:lstStyle/>
-          <a:p>
-            <a:r>
-              <a:rPr lang="en-US" dirty="0"/>
-              <a:t>Prototype Picture</a:t>
-            </a:r>
+          <p:cNvPr id="14" name="Rectangle 11"/>
+          <p:cNvSpPr>
+            <a:spLocks noGrp="1" noRot="1" noChangeAspect="1" noMove="1" noResize="1" noEditPoints="1" noAdjustHandles="1" noChangeArrowheads="1" noChangeShapeType="1" noTextEdit="1"/>
+          </p:cNvSpPr>
+          <p:nvPr>
+            <p:extLst>
+              <p:ext uri="{386F3935-93C4-4BCD-93E2-E3B085C9AB24}">
+                <p16:designElem xmlns:p16="http://schemas.microsoft.com/office/powerpoint/2015/main" val="1"/>
+              </p:ext>
+            </p:extLst>
+          </p:nvPr>
+        </p:nvSpPr>
+        <p:spPr bwMode="ltGray">
+          <a:xfrm>
+            <a:off x="336883" y="321176"/>
+            <a:ext cx="7174247" cy="5896743"/>
+          </a:xfrm>
+          <a:prstGeom prst="rect">
+            <a:avLst/>
+          </a:prstGeom>
+          <a:solidFill>
+            <a:schemeClr val="tx1">
+              <a:alpha val="15000"/>
+            </a:schemeClr>
+          </a:solidFill>
+          <a:ln w="127000" cap="sq" cmpd="thinThick">
+            <a:solidFill>
+              <a:schemeClr val="tx1">
+                <a:alpha val="10000"/>
+              </a:schemeClr>
+            </a:solidFill>
+          </a:ln>
+        </p:spPr>
+        <p:style>
+          <a:lnRef idx="2">
+            <a:schemeClr val="accent1">
+              <a:shade val="50000"/>
+            </a:schemeClr>
+          </a:lnRef>
+          <a:fillRef idx="1">
+            <a:schemeClr val="accent1"/>
+          </a:fillRef>
+          <a:effectRef idx="0">
+            <a:schemeClr val="accent1"/>
+          </a:effectRef>
+          <a:fontRef idx="minor">
+            <a:schemeClr val="lt1"/>
+          </a:fontRef>
+        </p:style>
+        <p:txBody>
+          <a:bodyPr rtlCol="0" anchor="ctr"/>
+          <a:lstStyle/>
+          <a:p>
+            <a:pPr algn="ctr"/>
+            <a:endParaRPr lang="en-US"/>
           </a:p>
         </p:txBody>
       </p:sp>
       <p:pic>
         <p:nvPicPr>
-          <p:cNvPr id="4" name="Content Placeholder 3"/>
+          <p:cNvPr id="7" name="Picture 6" descr="A close up of a mans face&#10;&#10;Description generated with high confidence">
+            <a:extLst>
+              <a:ext uri="{FF2B5EF4-FFF2-40B4-BE49-F238E27FC236}">
+                <a16:creationId xmlns:a16="http://schemas.microsoft.com/office/drawing/2014/main" id="{E0C9358B-2EAF-42BD-B866-F761831FA9CD}"/>
+              </a:ext>
+            </a:extLst>
+          </p:cNvPr>
           <p:cNvPicPr>
-            <a:picLocks noGrp="1" noChangeAspect="1"/>
+            <a:picLocks noChangeAspect="1"/>
           </p:cNvPicPr>
-          <p:nvPr>
-            <p:ph idx="1"/>
-          </p:nvPr>
+          <p:nvPr/>
         </p:nvPicPr>
-        <p:blipFill>
+        <p:blipFill rotWithShape="1">
           <a:blip r:embed="rId3">
             <a:extLst>
               <a:ext uri="{28A0092B-C50C-407E-A947-70E740481C1C}">
@@ -6831,24 +9590,146 @@
               </a:ext>
             </a:extLst>
           </a:blip>
-          <a:stretch>
-            <a:fillRect/>
-          </a:stretch>
+          <a:srcRect b="1369"/>
+          <a:stretch/>
         </p:blipFill>
         <p:spPr>
           <a:xfrm>
-            <a:off x="2013758" y="1690688"/>
-            <a:ext cx="8164484" cy="4351338"/>
+            <a:off x="7829551" y="2828925"/>
+            <a:ext cx="4042410" cy="3388994"/>
           </a:xfrm>
           <a:prstGeom prst="rect">
             <a:avLst/>
           </a:prstGeom>
         </p:spPr>
       </p:pic>
+      <p:pic>
+        <p:nvPicPr>
+          <p:cNvPr id="5" name="Graphic 4">
+            <a:extLst>
+              <a:ext uri="{FF2B5EF4-FFF2-40B4-BE49-F238E27FC236}">
+                <a16:creationId xmlns:a16="http://schemas.microsoft.com/office/drawing/2014/main" id="{26F5961B-095C-46F5-BE2C-C289184F541E}"/>
+              </a:ext>
+            </a:extLst>
+          </p:cNvPr>
+          <p:cNvPicPr>
+            <a:picLocks noChangeAspect="1"/>
+          </p:cNvPicPr>
+          <p:nvPr/>
+        </p:nvPicPr>
+        <p:blipFill rotWithShape="1">
+          <a:blip r:embed="rId4">
+            <a:extLst>
+              <a:ext uri="{28A0092B-C50C-407E-A947-70E740481C1C}">
+                <a14:useLocalDpi xmlns:a14="http://schemas.microsoft.com/office/drawing/2010/main" val="0"/>
+              </a:ext>
+              <a:ext uri="{96DAC541-7B7A-43D3-8B79-37D633B846F1}">
+                <asvg:svgBlip xmlns:asvg="http://schemas.microsoft.com/office/drawing/2016/SVG/main" r:embed="rId5"/>
+              </a:ext>
+            </a:extLst>
+          </a:blip>
+          <a:srcRect t="10733" r="1" b="32717"/>
+          <a:stretch/>
+        </p:blipFill>
+        <p:spPr>
+          <a:xfrm>
+            <a:off x="7829551" y="306909"/>
+            <a:ext cx="4042409" cy="2286000"/>
+          </a:xfrm>
+          <a:prstGeom prst="rect">
+            <a:avLst/>
+          </a:prstGeom>
+        </p:spPr>
+      </p:pic>
+      <p:sp>
+        <p:nvSpPr>
+          <p:cNvPr id="2" name="Title 1"/>
+          <p:cNvSpPr>
+            <a:spLocks noGrp="1"/>
+          </p:cNvSpPr>
+          <p:nvPr>
+            <p:ph type="title"/>
+          </p:nvPr>
+        </p:nvSpPr>
+        <p:spPr>
+          <a:xfrm>
+            <a:off x="821516" y="640263"/>
+            <a:ext cx="6204984" cy="1344975"/>
+          </a:xfrm>
+        </p:spPr>
+        <p:txBody>
+          <a:bodyPr>
+            <a:normAutofit/>
+          </a:bodyPr>
+          <a:lstStyle/>
+          <a:p>
+            <a:r>
+              <a:rPr lang="en-US" sz="4000"/>
+              <a:t>Getting the project online</a:t>
+            </a:r>
+          </a:p>
+        </p:txBody>
+      </p:sp>
+      <p:sp>
+        <p:nvSpPr>
+          <p:cNvPr id="3" name="Content Placeholder 2"/>
+          <p:cNvSpPr>
+            <a:spLocks noGrp="1"/>
+          </p:cNvSpPr>
+          <p:nvPr>
+            <p:ph idx="1"/>
+          </p:nvPr>
+        </p:nvSpPr>
+        <p:spPr>
+          <a:xfrm>
+            <a:off x="821515" y="2121762"/>
+            <a:ext cx="6204984" cy="3626917"/>
+          </a:xfrm>
+        </p:spPr>
+        <p:txBody>
+          <a:bodyPr>
+            <a:normAutofit/>
+          </a:bodyPr>
+          <a:lstStyle/>
+          <a:p>
+            <a:r>
+              <a:rPr lang="en-US" sz="3200" dirty="0"/>
+              <a:t>Using Azure</a:t>
+            </a:r>
+          </a:p>
+          <a:p>
+            <a:r>
+              <a:rPr lang="en-US" sz="3200" dirty="0"/>
+              <a:t>Set up domain accounts</a:t>
+            </a:r>
+          </a:p>
+          <a:p>
+            <a:r>
+              <a:rPr lang="en-US" sz="3200" dirty="0"/>
+              <a:t>Configured the Virtual Machine</a:t>
+            </a:r>
+          </a:p>
+          <a:p>
+            <a:r>
+              <a:rPr lang="en-US" sz="3200" dirty="0"/>
+              <a:t>Biggest room for improvement – moving to ASP.NET and Razor</a:t>
+            </a:r>
+          </a:p>
+          <a:p>
+            <a:endParaRPr lang="en-US" sz="2400" dirty="0"/>
+          </a:p>
+          <a:p>
+            <a:endParaRPr lang="en-US" sz="2400" dirty="0"/>
+          </a:p>
+          <a:p>
+            <a:endParaRPr lang="en-US" sz="2400" dirty="0"/>
+          </a:p>
+        </p:txBody>
+      </p:sp>
     </p:spTree>
     <p:extLst>
       <p:ext uri="{BB962C8B-B14F-4D97-AF65-F5344CB8AC3E}">
-        <p14:creationId xmlns:p14="http://schemas.microsoft.com/office/powerpoint/2010/main" val="1401363821"/>
+        <p14:creationId xmlns:p14="http://schemas.microsoft.com/office/powerpoint/2010/main" val="862584556"/>
       </p:ext>
     </p:extLst>
   </p:cSld>
@@ -6877,62 +9758,171 @@
       </p:grpSpPr>
       <p:sp>
         <p:nvSpPr>
-          <p:cNvPr id="2" name="Title 1"/>
-          <p:cNvSpPr>
-            <a:spLocks noGrp="1"/>
-          </p:cNvSpPr>
-          <p:nvPr>
-            <p:ph type="title"/>
-          </p:nvPr>
-        </p:nvSpPr>
-        <p:spPr/>
-        <p:txBody>
-          <a:bodyPr/>
-          <a:lstStyle/>
-          <a:p>
-            <a:r>
-              <a:rPr lang="en-US" dirty="0"/>
-              <a:t>Database Layout Picture</a:t>
-            </a:r>
-          </a:p>
-        </p:txBody>
-      </p:sp>
-      <p:pic>
-        <p:nvPicPr>
-          <p:cNvPr id="7" name="Content Placeholder 6"/>
-          <p:cNvPicPr>
-            <a:picLocks noGrp="1" noChangeAspect="1"/>
-          </p:cNvPicPr>
-          <p:nvPr>
-            <p:ph idx="1"/>
-          </p:nvPr>
-        </p:nvPicPr>
-        <p:blipFill>
-          <a:blip r:embed="rId3">
-            <a:extLst>
-              <a:ext uri="{28A0092B-C50C-407E-A947-70E740481C1C}">
-                <a14:useLocalDpi xmlns:a14="http://schemas.microsoft.com/office/drawing/2010/main" val="0"/>
-              </a:ext>
-            </a:extLst>
-          </a:blip>
-          <a:stretch>
-            <a:fillRect/>
-          </a:stretch>
-        </p:blipFill>
+          <p:cNvPr id="8" name="Rectangle 7"/>
+          <p:cNvSpPr>
+            <a:spLocks noGrp="1" noRot="1" noChangeAspect="1" noMove="1" noResize="1" noEditPoints="1" noAdjustHandles="1" noChangeArrowheads="1" noChangeShapeType="1" noTextEdit="1"/>
+          </p:cNvSpPr>
+          <p:nvPr>
+            <p:extLst>
+              <p:ext uri="{386F3935-93C4-4BCD-93E2-E3B085C9AB24}">
+                <p16:designElem xmlns:p16="http://schemas.microsoft.com/office/powerpoint/2015/main" val="1"/>
+              </p:ext>
+            </p:extLst>
+          </p:nvPr>
+        </p:nvSpPr>
         <p:spPr>
           <a:xfrm>
-            <a:off x="1961791" y="2176146"/>
-            <a:ext cx="8268417" cy="3650296"/>
+            <a:off x="5315061" y="-2"/>
+            <a:ext cx="6876939" cy="6858002"/>
           </a:xfrm>
           <a:prstGeom prst="rect">
             <a:avLst/>
           </a:prstGeom>
+          <a:solidFill>
+            <a:schemeClr val="tx1">
+              <a:lumMod val="85000"/>
+              <a:lumOff val="15000"/>
+            </a:schemeClr>
+          </a:solidFill>
+          <a:ln>
+            <a:noFill/>
+          </a:ln>
         </p:spPr>
-      </p:pic>
+        <p:style>
+          <a:lnRef idx="2">
+            <a:schemeClr val="accent1">
+              <a:shade val="50000"/>
+            </a:schemeClr>
+          </a:lnRef>
+          <a:fillRef idx="1">
+            <a:schemeClr val="accent1"/>
+          </a:fillRef>
+          <a:effectRef idx="0">
+            <a:schemeClr val="accent1"/>
+          </a:effectRef>
+          <a:fontRef idx="minor">
+            <a:schemeClr val="lt1"/>
+          </a:fontRef>
+        </p:style>
+        <p:txBody>
+          <a:bodyPr rtlCol="0" anchor="ctr"/>
+          <a:lstStyle/>
+          <a:p>
+            <a:pPr algn="ctr"/>
+            <a:endParaRPr lang="en-US"/>
+          </a:p>
+        </p:txBody>
+      </p:sp>
+      <p:sp>
+        <p:nvSpPr>
+          <p:cNvPr id="2" name="Title 1">
+            <a:extLst>
+              <a:ext uri="{FF2B5EF4-FFF2-40B4-BE49-F238E27FC236}">
+                <a16:creationId xmlns:a16="http://schemas.microsoft.com/office/drawing/2014/main" id="{3290D9CC-7D37-487D-8880-2D5C4B31DE27}"/>
+              </a:ext>
+            </a:extLst>
+          </p:cNvPr>
+          <p:cNvSpPr>
+            <a:spLocks noGrp="1"/>
+          </p:cNvSpPr>
+          <p:nvPr>
+            <p:ph type="title"/>
+          </p:nvPr>
+        </p:nvSpPr>
+        <p:spPr>
+          <a:xfrm>
+            <a:off x="829781" y="2745736"/>
+            <a:ext cx="3698803" cy="1366528"/>
+          </a:xfrm>
+          <a:solidFill>
+            <a:schemeClr val="bg1">
+              <a:alpha val="50000"/>
+            </a:schemeClr>
+          </a:solidFill>
+          <a:ln w="25400" cap="sq">
+            <a:solidFill>
+              <a:schemeClr val="tx1"/>
+            </a:solidFill>
+            <a:miter lim="800000"/>
+          </a:ln>
+        </p:spPr>
+        <p:txBody>
+          <a:bodyPr>
+            <a:normAutofit/>
+          </a:bodyPr>
+          <a:lstStyle/>
+          <a:p>
+            <a:pPr algn="ctr"/>
+            <a:r>
+              <a:rPr lang="en-US" sz="3200"/>
+              <a:t>Testing and Documentation</a:t>
+            </a:r>
+          </a:p>
+        </p:txBody>
+      </p:sp>
+      <p:sp>
+        <p:nvSpPr>
+          <p:cNvPr id="3" name="Content Placeholder 2">
+            <a:extLst>
+              <a:ext uri="{FF2B5EF4-FFF2-40B4-BE49-F238E27FC236}">
+                <a16:creationId xmlns:a16="http://schemas.microsoft.com/office/drawing/2014/main" id="{9F3C7A71-4951-4B89-A4BA-9CC7F5F243EC}"/>
+              </a:ext>
+            </a:extLst>
+          </p:cNvPr>
+          <p:cNvSpPr>
+            <a:spLocks noGrp="1"/>
+          </p:cNvSpPr>
+          <p:nvPr>
+            <p:ph idx="1"/>
+          </p:nvPr>
+        </p:nvSpPr>
+        <p:spPr>
+          <a:xfrm>
+            <a:off x="6049182" y="802638"/>
+            <a:ext cx="5408696" cy="5252722"/>
+          </a:xfrm>
+        </p:spPr>
+        <p:txBody>
+          <a:bodyPr anchor="ctr">
+            <a:normAutofit/>
+          </a:bodyPr>
+          <a:lstStyle/>
+          <a:p>
+            <a:r>
+              <a:rPr lang="en-US" sz="2400" dirty="0">
+                <a:solidFill>
+                  <a:schemeClr val="bg1"/>
+                </a:solidFill>
+              </a:rPr>
+              <a:t>Kept test document up to date</a:t>
+            </a:r>
+          </a:p>
+          <a:p>
+            <a:r>
+              <a:rPr lang="en-US" sz="2400" dirty="0">
+                <a:solidFill>
+                  <a:schemeClr val="bg1"/>
+                </a:solidFill>
+              </a:rPr>
+              <a:t>Used Virtual Machine for testing</a:t>
+            </a:r>
+          </a:p>
+          <a:p>
+            <a:r>
+              <a:rPr lang="en-US" sz="2400" dirty="0">
+                <a:solidFill>
+                  <a:schemeClr val="bg1"/>
+                </a:solidFill>
+              </a:rPr>
+              <a:t>Wrote User’s Manual/System Requirements Document</a:t>
+            </a:r>
+          </a:p>
+        </p:txBody>
+      </p:sp>
     </p:spTree>
     <p:extLst>
       <p:ext uri="{BB962C8B-B14F-4D97-AF65-F5344CB8AC3E}">
-        <p14:creationId xmlns:p14="http://schemas.microsoft.com/office/powerpoint/2010/main" val="3145395115"/>
+        <p14:creationId xmlns:p14="http://schemas.microsoft.com/office/powerpoint/2010/main" val="317387495"/>
       </p:ext>
     </p:extLst>
   </p:cSld>
@@ -6940,12 +9930,6 @@
     <a:masterClrMapping/>
   </p:clrMapOvr>
 </p:sld>
-</file>
-
-<file path=ppt/tags/tag1.xml><?xml version="1.0" encoding="utf-8"?>
-<p:tagLst xmlns:a="http://schemas.openxmlformats.org/drawingml/2006/main" xmlns:r="http://schemas.openxmlformats.org/officeDocument/2006/relationships" xmlns:p="http://schemas.openxmlformats.org/presentationml/2006/main">
-  <p:tag name="TIMING" val="|0.1|0.2|0.1"/>
-</p:tagLst>
 </file>
 
 <file path=ppt/theme/theme1.xml><?xml version="1.0" encoding="utf-8"?>
